--- a/supports/P2_02_presentation v1.pptx
+++ b/supports/P2_02_presentation v1.pptx
@@ -232,7 +232,7 @@
           <a:p>
             <a:fld id="{081908C2-F1FA-4AA1-810C-31F86594FA86}" type="datetimeFigureOut">
               <a:rPr lang="en-US" smtClean="0"/>
-              <a:t>4/29/2021</a:t>
+              <a:t>4/30/2021</a:t>
             </a:fld>
             <a:endParaRPr lang="en-US"/>
           </a:p>
@@ -397,7 +397,7 @@
           <a:p>
             <a:fld id="{56E8D31E-EEDD-42CA-A79A-B9539977145E}" type="datetimeFigureOut">
               <a:rPr lang="en-US" smtClean="0"/>
-              <a:t>4/29/2021</a:t>
+              <a:t>4/30/2021</a:t>
             </a:fld>
             <a:endParaRPr lang="en-US"/>
           </a:p>
@@ -811,7 +811,7 @@
           <a:p>
             <a:fld id="{E1DCD729-31D5-4480-98D7-69012EF3B7DD}" type="datetimeFigureOut">
               <a:rPr lang="en-US" smtClean="0"/>
-              <a:t>4/29/2021</a:t>
+              <a:t>4/30/2021</a:t>
             </a:fld>
             <a:endParaRPr lang="en-US"/>
           </a:p>
@@ -1009,7 +1009,7 @@
           <a:p>
             <a:fld id="{E1DCD729-31D5-4480-98D7-69012EF3B7DD}" type="datetimeFigureOut">
               <a:rPr lang="en-US" smtClean="0"/>
-              <a:t>4/29/2021</a:t>
+              <a:t>4/30/2021</a:t>
             </a:fld>
             <a:endParaRPr lang="en-US"/>
           </a:p>
@@ -1217,7 +1217,7 @@
           <a:p>
             <a:fld id="{E1DCD729-31D5-4480-98D7-69012EF3B7DD}" type="datetimeFigureOut">
               <a:rPr lang="en-US" smtClean="0"/>
-              <a:t>4/29/2021</a:t>
+              <a:t>4/30/2021</a:t>
             </a:fld>
             <a:endParaRPr lang="en-US"/>
           </a:p>
@@ -1415,7 +1415,7 @@
           <a:p>
             <a:fld id="{E1DCD729-31D5-4480-98D7-69012EF3B7DD}" type="datetimeFigureOut">
               <a:rPr lang="en-US" smtClean="0"/>
-              <a:t>4/29/2021</a:t>
+              <a:t>4/30/2021</a:t>
             </a:fld>
             <a:endParaRPr lang="en-US"/>
           </a:p>
@@ -1690,7 +1690,7 @@
           <a:p>
             <a:fld id="{E1DCD729-31D5-4480-98D7-69012EF3B7DD}" type="datetimeFigureOut">
               <a:rPr lang="en-US" smtClean="0"/>
-              <a:t>4/29/2021</a:t>
+              <a:t>4/30/2021</a:t>
             </a:fld>
             <a:endParaRPr lang="en-US"/>
           </a:p>
@@ -1955,7 +1955,7 @@
           <a:p>
             <a:fld id="{E1DCD729-31D5-4480-98D7-69012EF3B7DD}" type="datetimeFigureOut">
               <a:rPr lang="en-US" smtClean="0"/>
-              <a:t>4/29/2021</a:t>
+              <a:t>4/30/2021</a:t>
             </a:fld>
             <a:endParaRPr lang="en-US"/>
           </a:p>
@@ -2367,7 +2367,7 @@
           <a:p>
             <a:fld id="{E1DCD729-31D5-4480-98D7-69012EF3B7DD}" type="datetimeFigureOut">
               <a:rPr lang="en-US" smtClean="0"/>
-              <a:t>4/29/2021</a:t>
+              <a:t>4/30/2021</a:t>
             </a:fld>
             <a:endParaRPr lang="en-US"/>
           </a:p>
@@ -2508,7 +2508,7 @@
           <a:p>
             <a:fld id="{E1DCD729-31D5-4480-98D7-69012EF3B7DD}" type="datetimeFigureOut">
               <a:rPr lang="en-US" smtClean="0"/>
-              <a:t>4/29/2021</a:t>
+              <a:t>4/30/2021</a:t>
             </a:fld>
             <a:endParaRPr lang="en-US"/>
           </a:p>
@@ -2621,7 +2621,7 @@
           <a:p>
             <a:fld id="{E1DCD729-31D5-4480-98D7-69012EF3B7DD}" type="datetimeFigureOut">
               <a:rPr lang="en-US" smtClean="0"/>
-              <a:t>4/29/2021</a:t>
+              <a:t>4/30/2021</a:t>
             </a:fld>
             <a:endParaRPr lang="en-US"/>
           </a:p>
@@ -2932,7 +2932,7 @@
           <a:p>
             <a:fld id="{E1DCD729-31D5-4480-98D7-69012EF3B7DD}" type="datetimeFigureOut">
               <a:rPr lang="en-US" smtClean="0"/>
-              <a:t>4/29/2021</a:t>
+              <a:t>4/30/2021</a:t>
             </a:fld>
             <a:endParaRPr lang="en-US"/>
           </a:p>
@@ -3220,7 +3220,7 @@
           <a:p>
             <a:fld id="{E1DCD729-31D5-4480-98D7-69012EF3B7DD}" type="datetimeFigureOut">
               <a:rPr lang="en-US" smtClean="0"/>
-              <a:t>4/29/2021</a:t>
+              <a:t>4/30/2021</a:t>
             </a:fld>
             <a:endParaRPr lang="en-US"/>
           </a:p>
@@ -3470,7 +3470,7 @@
           <a:p>
             <a:fld id="{E1DCD729-31D5-4480-98D7-69012EF3B7DD}" type="datetimeFigureOut">
               <a:rPr lang="en-US" smtClean="0"/>
-              <a:t>4/29/2021</a:t>
+              <a:t>4/30/2021</a:t>
             </a:fld>
             <a:endParaRPr lang="en-US"/>
           </a:p>
@@ -6861,13 +6861,13 @@
           <p:nvPr>
             <p:extLst>
               <p:ext uri="{D42A27DB-BD31-4B8C-83A1-F6EECF244321}">
-                <p14:modId xmlns:p14="http://schemas.microsoft.com/office/powerpoint/2010/main" val="673425404"/>
+                <p14:modId xmlns:p14="http://schemas.microsoft.com/office/powerpoint/2010/main" val="1795977328"/>
               </p:ext>
             </p:extLst>
           </p:nvPr>
         </p:nvGraphicFramePr>
         <p:xfrm>
-          <a:off x="889787" y="2032503"/>
+          <a:off x="889787" y="1967089"/>
           <a:ext cx="10412425" cy="4147995"/>
         </p:xfrm>
         <a:graphic>
@@ -7318,8 +7318,8 @@
         </p:nvSpPr>
         <p:spPr>
           <a:xfrm>
-            <a:off x="4837176" y="1355002"/>
-            <a:ext cx="7354824" cy="457727"/>
+            <a:off x="0" y="1224174"/>
+            <a:ext cx="6296297" cy="457727"/>
           </a:xfrm>
           <a:prstGeom prst="rect">
             <a:avLst/>
@@ -7381,7 +7381,7 @@
         </p:nvSpPr>
         <p:spPr>
           <a:xfrm>
-            <a:off x="4919472" y="1399199"/>
+            <a:off x="160673" y="1268371"/>
             <a:ext cx="5843016" cy="369332"/>
           </a:xfrm>
           <a:prstGeom prst="rect">

--- a/supports/P2_02_presentation v1.pptx
+++ b/supports/P2_02_presentation v1.pptx
@@ -9453,6 +9453,56 @@
           </a:p>
         </p:txBody>
       </p:sp>
+      <p:sp>
+        <p:nvSpPr>
+          <p:cNvPr id="23" name="ZoneTexte 22">
+            <a:extLst>
+              <a:ext uri="{FF2B5EF4-FFF2-40B4-BE49-F238E27FC236}">
+                <a16:creationId xmlns:a16="http://schemas.microsoft.com/office/drawing/2014/main" id="{9C8C4AE0-6439-4246-AD1E-E14E0D7B1D38}"/>
+              </a:ext>
+            </a:extLst>
+          </p:cNvPr>
+          <p:cNvSpPr txBox="1"/>
+          <p:nvPr/>
+        </p:nvSpPr>
+        <p:spPr>
+          <a:xfrm rot="19091059">
+            <a:off x="7980712" y="3634375"/>
+            <a:ext cx="4046044" cy="1446550"/>
+          </a:xfrm>
+          <a:prstGeom prst="rect">
+            <a:avLst/>
+          </a:prstGeom>
+          <a:noFill/>
+          <a:ln w="57150">
+            <a:solidFill>
+              <a:srgbClr val="FF0000"/>
+            </a:solidFill>
+            <a:prstDash val="lgDashDot"/>
+          </a:ln>
+        </p:spPr>
+        <p:txBody>
+          <a:bodyPr wrap="none" rtlCol="0">
+            <a:spAutoFit/>
+          </a:bodyPr>
+          <a:lstStyle/>
+          <a:p>
+            <a:r>
+              <a:rPr lang="es-ES" sz="8800" dirty="0">
+                <a:solidFill>
+                  <a:srgbClr val="FF0000"/>
+                </a:solidFill>
+              </a:rPr>
+              <a:t>REVISAR</a:t>
+            </a:r>
+            <a:endParaRPr lang="es-419" sz="8800" dirty="0">
+              <a:solidFill>
+                <a:srgbClr val="FF0000"/>
+              </a:solidFill>
+            </a:endParaRPr>
+          </a:p>
+        </p:txBody>
+      </p:sp>
     </p:spTree>
     <p:extLst>
       <p:ext uri="{BB962C8B-B14F-4D97-AF65-F5344CB8AC3E}">
@@ -10008,6 +10058,56 @@
                 <a:schemeClr val="bg1"/>
               </a:solidFill>
               <a:latin typeface="Google Sans"/>
+            </a:endParaRPr>
+          </a:p>
+        </p:txBody>
+      </p:sp>
+      <p:sp>
+        <p:nvSpPr>
+          <p:cNvPr id="3" name="ZoneTexte 2">
+            <a:extLst>
+              <a:ext uri="{FF2B5EF4-FFF2-40B4-BE49-F238E27FC236}">
+                <a16:creationId xmlns:a16="http://schemas.microsoft.com/office/drawing/2014/main" id="{23F83224-7C8F-4414-87A9-B95440AB3501}"/>
+              </a:ext>
+            </a:extLst>
+          </p:cNvPr>
+          <p:cNvSpPr txBox="1"/>
+          <p:nvPr/>
+        </p:nvSpPr>
+        <p:spPr>
+          <a:xfrm rot="19091059">
+            <a:off x="4405353" y="1383500"/>
+            <a:ext cx="4046044" cy="1446550"/>
+          </a:xfrm>
+          <a:prstGeom prst="rect">
+            <a:avLst/>
+          </a:prstGeom>
+          <a:noFill/>
+          <a:ln w="57150">
+            <a:solidFill>
+              <a:srgbClr val="FF0000"/>
+            </a:solidFill>
+            <a:prstDash val="lgDashDot"/>
+          </a:ln>
+        </p:spPr>
+        <p:txBody>
+          <a:bodyPr wrap="none" rtlCol="0">
+            <a:spAutoFit/>
+          </a:bodyPr>
+          <a:lstStyle/>
+          <a:p>
+            <a:r>
+              <a:rPr lang="es-ES" sz="8800" dirty="0">
+                <a:solidFill>
+                  <a:srgbClr val="FF0000"/>
+                </a:solidFill>
+              </a:rPr>
+              <a:t>REVISAR</a:t>
+            </a:r>
+            <a:endParaRPr lang="es-419" sz="8800" dirty="0">
+              <a:solidFill>
+                <a:srgbClr val="FF0000"/>
+              </a:solidFill>
             </a:endParaRPr>
           </a:p>
         </p:txBody>
@@ -10230,7 +10330,7 @@
         </p:nvSpPr>
         <p:spPr>
           <a:xfrm>
-            <a:off x="968338" y="1832119"/>
+            <a:off x="968338" y="1958394"/>
             <a:ext cx="1635526" cy="400110"/>
           </a:xfrm>
           <a:prstGeom prst="rect">
@@ -10272,8 +10372,8 @@
         </p:nvSpPr>
         <p:spPr>
           <a:xfrm>
-            <a:off x="384499" y="2295739"/>
-            <a:ext cx="8942382" cy="1261884"/>
+            <a:off x="384498" y="2422014"/>
+            <a:ext cx="11575853" cy="969496"/>
           </a:xfrm>
           <a:prstGeom prst="rect">
             <a:avLst/>
@@ -10490,13 +10590,13 @@
           <p:nvPr>
             <p:extLst>
               <p:ext uri="{D42A27DB-BD31-4B8C-83A1-F6EECF244321}">
-                <p14:modId xmlns:p14="http://schemas.microsoft.com/office/powerpoint/2010/main" val="2197659855"/>
+                <p14:modId xmlns:p14="http://schemas.microsoft.com/office/powerpoint/2010/main" val="672458779"/>
               </p:ext>
             </p:extLst>
           </p:nvPr>
         </p:nvGraphicFramePr>
         <p:xfrm>
-          <a:off x="1464296" y="3665827"/>
+          <a:off x="1464296" y="3531282"/>
           <a:ext cx="9263408" cy="2549214"/>
         </p:xfrm>
         <a:graphic>
@@ -11192,7 +11292,7 @@
         </p:blipFill>
         <p:spPr>
           <a:xfrm>
-            <a:off x="384498" y="1826721"/>
+            <a:off x="384498" y="1952996"/>
             <a:ext cx="457727" cy="427272"/>
           </a:xfrm>
           <a:prstGeom prst="rect">

--- a/supports/P2_02_presentation v1.pptx
+++ b/supports/P2_02_presentation v1.pptx
@@ -5,10 +5,10 @@
     <p:sldMasterId id="2147483648" r:id="rId1"/>
   </p:sldMasterIdLst>
   <p:notesMasterIdLst>
-    <p:notesMasterId r:id="rId23"/>
+    <p:notesMasterId r:id="rId24"/>
   </p:notesMasterIdLst>
   <p:handoutMasterIdLst>
-    <p:handoutMasterId r:id="rId24"/>
+    <p:handoutMasterId r:id="rId25"/>
   </p:handoutMasterIdLst>
   <p:sldIdLst>
     <p:sldId id="368" r:id="rId2"/>
@@ -25,13 +25,14 @@
     <p:sldId id="389" r:id="rId13"/>
     <p:sldId id="390" r:id="rId14"/>
     <p:sldId id="391" r:id="rId15"/>
-    <p:sldId id="393" r:id="rId16"/>
-    <p:sldId id="396" r:id="rId17"/>
-    <p:sldId id="398" r:id="rId18"/>
-    <p:sldId id="377" r:id="rId19"/>
-    <p:sldId id="399" r:id="rId20"/>
-    <p:sldId id="386" r:id="rId21"/>
-    <p:sldId id="371" r:id="rId22"/>
+    <p:sldId id="396" r:id="rId16"/>
+    <p:sldId id="398" r:id="rId17"/>
+    <p:sldId id="393" r:id="rId18"/>
+    <p:sldId id="400" r:id="rId19"/>
+    <p:sldId id="377" r:id="rId20"/>
+    <p:sldId id="399" r:id="rId21"/>
+    <p:sldId id="386" r:id="rId22"/>
+    <p:sldId id="371" r:id="rId23"/>
   </p:sldIdLst>
   <p:sldSz cx="12192000" cy="6858000"/>
   <p:notesSz cx="6858000" cy="9144000"/>
@@ -9453,56 +9454,6 @@
           </a:p>
         </p:txBody>
       </p:sp>
-      <p:sp>
-        <p:nvSpPr>
-          <p:cNvPr id="23" name="ZoneTexte 22">
-            <a:extLst>
-              <a:ext uri="{FF2B5EF4-FFF2-40B4-BE49-F238E27FC236}">
-                <a16:creationId xmlns:a16="http://schemas.microsoft.com/office/drawing/2014/main" id="{9C8C4AE0-6439-4246-AD1E-E14E0D7B1D38}"/>
-              </a:ext>
-            </a:extLst>
-          </p:cNvPr>
-          <p:cNvSpPr txBox="1"/>
-          <p:nvPr/>
-        </p:nvSpPr>
-        <p:spPr>
-          <a:xfrm rot="19091059">
-            <a:off x="7980712" y="3634375"/>
-            <a:ext cx="4046044" cy="1446550"/>
-          </a:xfrm>
-          <a:prstGeom prst="rect">
-            <a:avLst/>
-          </a:prstGeom>
-          <a:noFill/>
-          <a:ln w="57150">
-            <a:solidFill>
-              <a:srgbClr val="FF0000"/>
-            </a:solidFill>
-            <a:prstDash val="lgDashDot"/>
-          </a:ln>
-        </p:spPr>
-        <p:txBody>
-          <a:bodyPr wrap="none" rtlCol="0">
-            <a:spAutoFit/>
-          </a:bodyPr>
-          <a:lstStyle/>
-          <a:p>
-            <a:r>
-              <a:rPr lang="es-ES" sz="8800" dirty="0">
-                <a:solidFill>
-                  <a:srgbClr val="FF0000"/>
-                </a:solidFill>
-              </a:rPr>
-              <a:t>REVISAR</a:t>
-            </a:r>
-            <a:endParaRPr lang="es-419" sz="8800" dirty="0">
-              <a:solidFill>
-                <a:srgbClr val="FF0000"/>
-              </a:solidFill>
-            </a:endParaRPr>
-          </a:p>
-        </p:txBody>
-      </p:sp>
     </p:spTree>
     <p:extLst>
       <p:ext uri="{BB962C8B-B14F-4D97-AF65-F5344CB8AC3E}">
@@ -9517,615 +9468,6 @@
 </file>
 
 <file path=ppt/slides/slide15.xml><?xml version="1.0" encoding="utf-8"?>
-<p:sld xmlns:a="http://schemas.openxmlformats.org/drawingml/2006/main" xmlns:r="http://schemas.openxmlformats.org/officeDocument/2006/relationships" xmlns:p="http://schemas.openxmlformats.org/presentationml/2006/main">
-  <p:cSld>
-    <p:spTree>
-      <p:nvGrpSpPr>
-        <p:cNvPr id="1" name=""/>
-        <p:cNvGrpSpPr/>
-        <p:nvPr/>
-      </p:nvGrpSpPr>
-      <p:grpSpPr>
-        <a:xfrm>
-          <a:off x="0" y="0"/>
-          <a:ext cx="0" cy="0"/>
-          <a:chOff x="0" y="0"/>
-          <a:chExt cx="0" cy="0"/>
-        </a:xfrm>
-      </p:grpSpPr>
-      <p:sp>
-        <p:nvSpPr>
-          <p:cNvPr id="49" name="Rectangle 48">
-            <a:extLst>
-              <a:ext uri="{FF2B5EF4-FFF2-40B4-BE49-F238E27FC236}">
-                <a16:creationId xmlns:a16="http://schemas.microsoft.com/office/drawing/2014/main" id="{BC140F3B-FEDA-48DB-B5EE-18F425E8B175}"/>
-              </a:ext>
-            </a:extLst>
-          </p:cNvPr>
-          <p:cNvSpPr/>
-          <p:nvPr/>
-        </p:nvSpPr>
-        <p:spPr>
-          <a:xfrm>
-            <a:off x="0" y="6400273"/>
-            <a:ext cx="12192000" cy="457727"/>
-          </a:xfrm>
-          <a:prstGeom prst="rect">
-            <a:avLst/>
-          </a:prstGeom>
-          <a:solidFill>
-            <a:srgbClr val="7451EB"/>
-          </a:solidFill>
-          <a:ln>
-            <a:solidFill>
-              <a:srgbClr val="7451EB"/>
-            </a:solidFill>
-          </a:ln>
-        </p:spPr>
-        <p:style>
-          <a:lnRef idx="2">
-            <a:schemeClr val="accent1">
-              <a:shade val="50000"/>
-            </a:schemeClr>
-          </a:lnRef>
-          <a:fillRef idx="1">
-            <a:schemeClr val="accent1"/>
-          </a:fillRef>
-          <a:effectRef idx="0">
-            <a:schemeClr val="accent1"/>
-          </a:effectRef>
-          <a:fontRef idx="minor">
-            <a:schemeClr val="lt1"/>
-          </a:fontRef>
-        </p:style>
-        <p:txBody>
-          <a:bodyPr rtlCol="0" anchor="ctr"/>
-          <a:lstStyle/>
-          <a:p>
-            <a:pPr algn="ctr"/>
-            <a:endParaRPr lang="en-US" dirty="0"/>
-          </a:p>
-        </p:txBody>
-      </p:sp>
-      <p:sp>
-        <p:nvSpPr>
-          <p:cNvPr id="51" name="TextBox 3">
-            <a:extLst>
-              <a:ext uri="{FF2B5EF4-FFF2-40B4-BE49-F238E27FC236}">
-                <a16:creationId xmlns:a16="http://schemas.microsoft.com/office/drawing/2014/main" id="{B9755B8F-D0AB-4F91-A171-D70F2C0C85DF}"/>
-              </a:ext>
-            </a:extLst>
-          </p:cNvPr>
-          <p:cNvSpPr txBox="1"/>
-          <p:nvPr/>
-        </p:nvSpPr>
-        <p:spPr>
-          <a:xfrm>
-            <a:off x="10543592" y="6475247"/>
-            <a:ext cx="1648408" cy="307777"/>
-          </a:xfrm>
-          <a:prstGeom prst="rect">
-            <a:avLst/>
-          </a:prstGeom>
-          <a:noFill/>
-        </p:spPr>
-        <p:txBody>
-          <a:bodyPr wrap="square" rtlCol="0">
-            <a:spAutoFit/>
-          </a:bodyPr>
-          <a:lstStyle/>
-          <a:p>
-            <a:pPr algn="r"/>
-            <a:r>
-              <a:rPr lang="fr-FR" sz="1400" b="1" i="1" dirty="0" err="1">
-                <a:ln>
-                  <a:solidFill>
-                    <a:schemeClr val="bg1"/>
-                  </a:solidFill>
-                </a:ln>
-                <a:solidFill>
-                  <a:schemeClr val="bg1"/>
-                </a:solidFill>
-                <a:latin typeface="+mj-lt"/>
-              </a:rPr>
-              <a:t>OpenClassrooms</a:t>
-            </a:r>
-            <a:endParaRPr lang="fr-FR" sz="1400" b="1" i="1" dirty="0">
-              <a:ln>
-                <a:solidFill>
-                  <a:schemeClr val="bg1"/>
-                </a:solidFill>
-              </a:ln>
-              <a:solidFill>
-                <a:schemeClr val="bg1"/>
-              </a:solidFill>
-              <a:latin typeface="+mj-lt"/>
-            </a:endParaRPr>
-          </a:p>
-        </p:txBody>
-      </p:sp>
-      <p:sp>
-        <p:nvSpPr>
-          <p:cNvPr id="9" name="TextBox 3">
-            <a:extLst>
-              <a:ext uri="{FF2B5EF4-FFF2-40B4-BE49-F238E27FC236}">
-                <a16:creationId xmlns:a16="http://schemas.microsoft.com/office/drawing/2014/main" id="{8804ED11-9C3E-478A-BEF5-9AEC21F5715F}"/>
-              </a:ext>
-            </a:extLst>
-          </p:cNvPr>
-          <p:cNvSpPr txBox="1"/>
-          <p:nvPr/>
-        </p:nvSpPr>
-        <p:spPr>
-          <a:xfrm>
-            <a:off x="0" y="6475247"/>
-            <a:ext cx="4438395" cy="307777"/>
-          </a:xfrm>
-          <a:prstGeom prst="rect">
-            <a:avLst/>
-          </a:prstGeom>
-          <a:noFill/>
-        </p:spPr>
-        <p:txBody>
-          <a:bodyPr wrap="square" rtlCol="0">
-            <a:spAutoFit/>
-          </a:bodyPr>
-          <a:lstStyle/>
-          <a:p>
-            <a:r>
-              <a:rPr lang="es-CO" sz="1400" b="1" dirty="0">
-                <a:ln>
-                  <a:solidFill>
-                    <a:schemeClr val="bg1"/>
-                  </a:solidFill>
-                </a:ln>
-                <a:solidFill>
-                  <a:schemeClr val="bg1"/>
-                </a:solidFill>
-                <a:latin typeface="+mj-lt"/>
-              </a:rPr>
-              <a:t>Project 2 - </a:t>
-            </a:r>
-            <a:r>
-              <a:rPr lang="fr-FR" sz="1400" b="1" dirty="0">
-                <a:ln>
-                  <a:solidFill>
-                    <a:schemeClr val="bg1"/>
-                  </a:solidFill>
-                </a:ln>
-                <a:solidFill>
-                  <a:schemeClr val="bg1"/>
-                </a:solidFill>
-                <a:latin typeface="+mj-lt"/>
-              </a:rPr>
-              <a:t> Analyse des données de systèmes éducatifs </a:t>
-            </a:r>
-            <a:endParaRPr lang="en-US" sz="1400" b="1" dirty="0">
-              <a:ln>
-                <a:solidFill>
-                  <a:schemeClr val="bg1"/>
-                </a:solidFill>
-              </a:ln>
-              <a:solidFill>
-                <a:schemeClr val="bg1"/>
-              </a:solidFill>
-              <a:latin typeface="+mj-lt"/>
-            </a:endParaRPr>
-          </a:p>
-        </p:txBody>
-      </p:sp>
-      <p:sp>
-        <p:nvSpPr>
-          <p:cNvPr id="12" name="Titre 1">
-            <a:extLst>
-              <a:ext uri="{FF2B5EF4-FFF2-40B4-BE49-F238E27FC236}">
-                <a16:creationId xmlns:a16="http://schemas.microsoft.com/office/drawing/2014/main" id="{BD246A4F-BE9D-4934-B68E-B7CC3F1FA513}"/>
-              </a:ext>
-            </a:extLst>
-          </p:cNvPr>
-          <p:cNvSpPr txBox="1">
-            <a:spLocks/>
-          </p:cNvSpPr>
-          <p:nvPr/>
-        </p:nvSpPr>
-        <p:spPr>
-          <a:xfrm>
-            <a:off x="279916" y="432794"/>
-            <a:ext cx="11112333" cy="820048"/>
-          </a:xfrm>
-          <a:prstGeom prst="rect">
-            <a:avLst/>
-          </a:prstGeom>
-        </p:spPr>
-        <p:txBody>
-          <a:bodyPr vert="horz" lIns="91440" tIns="45720" rIns="91440" bIns="45720" rtlCol="0" anchor="ctr">
-            <a:noAutofit/>
-          </a:bodyPr>
-          <a:lstStyle>
-            <a:lvl1pPr algn="l" defTabSz="914400" rtl="0" eaLnBrk="1" latinLnBrk="0" hangingPunct="1">
-              <a:lnSpc>
-                <a:spcPct val="90000"/>
-              </a:lnSpc>
-              <a:spcBef>
-                <a:spcPct val="0"/>
-              </a:spcBef>
-              <a:buNone/>
-              <a:defRPr sz="4400" kern="1200">
-                <a:solidFill>
-                  <a:schemeClr val="tx1"/>
-                </a:solidFill>
-                <a:latin typeface="+mj-lt"/>
-                <a:ea typeface="+mj-ea"/>
-                <a:cs typeface="+mj-cs"/>
-              </a:defRPr>
-            </a:lvl1pPr>
-          </a:lstStyle>
-          <a:p>
-            <a:r>
-              <a:rPr lang="fr-FR" sz="4000" b="1" dirty="0">
-                <a:ln>
-                  <a:solidFill>
-                    <a:srgbClr val="7451EB"/>
-                  </a:solidFill>
-                </a:ln>
-                <a:solidFill>
-                  <a:srgbClr val="7451EB"/>
-                </a:solidFill>
-                <a:latin typeface="Google Sans"/>
-              </a:rPr>
-              <a:t>Évolution de les 20 premiers pays</a:t>
-            </a:r>
-            <a:endParaRPr lang="es-419" sz="4000" b="1" dirty="0">
-              <a:ln>
-                <a:solidFill>
-                  <a:srgbClr val="7451EB"/>
-                </a:solidFill>
-              </a:ln>
-              <a:solidFill>
-                <a:srgbClr val="7451EB"/>
-              </a:solidFill>
-              <a:latin typeface="Google Sans"/>
-            </a:endParaRPr>
-          </a:p>
-        </p:txBody>
-      </p:sp>
-      <p:sp>
-        <p:nvSpPr>
-          <p:cNvPr id="13" name="Rectángulo 4">
-            <a:extLst>
-              <a:ext uri="{FF2B5EF4-FFF2-40B4-BE49-F238E27FC236}">
-                <a16:creationId xmlns:a16="http://schemas.microsoft.com/office/drawing/2014/main" id="{74AB9722-099A-46BE-924E-3B502890BF1C}"/>
-              </a:ext>
-            </a:extLst>
-          </p:cNvPr>
-          <p:cNvSpPr/>
-          <p:nvPr/>
-        </p:nvSpPr>
-        <p:spPr>
-          <a:xfrm>
-            <a:off x="377906" y="378794"/>
-            <a:ext cx="366721" cy="54000"/>
-          </a:xfrm>
-          <a:prstGeom prst="rect">
-            <a:avLst/>
-          </a:prstGeom>
-          <a:solidFill>
-            <a:srgbClr val="7451EB"/>
-          </a:solidFill>
-          <a:ln>
-            <a:solidFill>
-              <a:srgbClr val="7451EB"/>
-            </a:solidFill>
-          </a:ln>
-        </p:spPr>
-        <p:style>
-          <a:lnRef idx="2">
-            <a:schemeClr val="accent1">
-              <a:shade val="50000"/>
-            </a:schemeClr>
-          </a:lnRef>
-          <a:fillRef idx="1">
-            <a:schemeClr val="accent1"/>
-          </a:fillRef>
-          <a:effectRef idx="0">
-            <a:schemeClr val="accent1"/>
-          </a:effectRef>
-          <a:fontRef idx="minor">
-            <a:schemeClr val="lt1"/>
-          </a:fontRef>
-        </p:style>
-        <p:txBody>
-          <a:bodyPr rtlCol="0" anchor="ctr"/>
-          <a:lstStyle/>
-          <a:p>
-            <a:pPr algn="ctr"/>
-            <a:endParaRPr lang="es-AR" dirty="0">
-              <a:ln>
-                <a:solidFill>
-                  <a:srgbClr val="7451EB"/>
-                </a:solidFill>
-              </a:ln>
-              <a:solidFill>
-                <a:srgbClr val="7451EB"/>
-              </a:solidFill>
-            </a:endParaRPr>
-          </a:p>
-        </p:txBody>
-      </p:sp>
-      <p:pic>
-        <p:nvPicPr>
-          <p:cNvPr id="15" name="Image 14">
-            <a:extLst>
-              <a:ext uri="{FF2B5EF4-FFF2-40B4-BE49-F238E27FC236}">
-                <a16:creationId xmlns:a16="http://schemas.microsoft.com/office/drawing/2014/main" id="{C657B918-66A4-4D9C-B40C-DF9F49EA5CDA}"/>
-              </a:ext>
-            </a:extLst>
-          </p:cNvPr>
-          <p:cNvPicPr>
-            <a:picLocks noChangeAspect="1"/>
-          </p:cNvPicPr>
-          <p:nvPr/>
-        </p:nvPicPr>
-        <p:blipFill rotWithShape="1">
-          <a:blip r:embed="rId2">
-            <a:extLst>
-              <a:ext uri="{28A0092B-C50C-407E-A947-70E740481C1C}">
-                <a14:useLocalDpi xmlns:a14="http://schemas.microsoft.com/office/drawing/2010/main" val="0"/>
-              </a:ext>
-            </a:extLst>
-          </a:blip>
-          <a:srcRect l="7985" t="5321" r="7104" b="5581"/>
-          <a:stretch/>
-        </p:blipFill>
-        <p:spPr>
-          <a:xfrm>
-            <a:off x="6154299" y="2106776"/>
-            <a:ext cx="5846360" cy="4089753"/>
-          </a:xfrm>
-          <a:prstGeom prst="rect">
-            <a:avLst/>
-          </a:prstGeom>
-          <a:ln>
-            <a:noFill/>
-          </a:ln>
-          <a:effectLst>
-            <a:outerShdw blurRad="292100" dist="139700" dir="2700000" algn="tl" rotWithShape="0">
-              <a:srgbClr val="333333">
-                <a:alpha val="65000"/>
-              </a:srgbClr>
-            </a:outerShdw>
-          </a:effectLst>
-        </p:spPr>
-      </p:pic>
-      <p:pic>
-        <p:nvPicPr>
-          <p:cNvPr id="16" name="Image 15">
-            <a:extLst>
-              <a:ext uri="{FF2B5EF4-FFF2-40B4-BE49-F238E27FC236}">
-                <a16:creationId xmlns:a16="http://schemas.microsoft.com/office/drawing/2014/main" id="{6C67A7D8-E3BA-4FAC-A649-9508D63F2019}"/>
-              </a:ext>
-            </a:extLst>
-          </p:cNvPr>
-          <p:cNvPicPr>
-            <a:picLocks noChangeAspect="1"/>
-          </p:cNvPicPr>
-          <p:nvPr/>
-        </p:nvPicPr>
-        <p:blipFill rotWithShape="1">
-          <a:blip r:embed="rId3">
-            <a:extLst>
-              <a:ext uri="{28A0092B-C50C-407E-A947-70E740481C1C}">
-                <a14:useLocalDpi xmlns:a14="http://schemas.microsoft.com/office/drawing/2010/main" val="0"/>
-              </a:ext>
-            </a:extLst>
-          </a:blip>
-          <a:srcRect l="8341" t="5523" r="8281" b="6675"/>
-          <a:stretch/>
-        </p:blipFill>
-        <p:spPr>
-          <a:xfrm>
-            <a:off x="279916" y="1899312"/>
-            <a:ext cx="5694379" cy="3997701"/>
-          </a:xfrm>
-          <a:prstGeom prst="rect">
-            <a:avLst/>
-          </a:prstGeom>
-          <a:ln>
-            <a:noFill/>
-          </a:ln>
-          <a:effectLst>
-            <a:outerShdw blurRad="292100" dist="139700" dir="2700000" algn="tl" rotWithShape="0">
-              <a:srgbClr val="333333">
-                <a:alpha val="65000"/>
-              </a:srgbClr>
-            </a:outerShdw>
-          </a:effectLst>
-        </p:spPr>
-      </p:pic>
-      <p:sp>
-        <p:nvSpPr>
-          <p:cNvPr id="19" name="Rectangle 18">
-            <a:extLst>
-              <a:ext uri="{FF2B5EF4-FFF2-40B4-BE49-F238E27FC236}">
-                <a16:creationId xmlns:a16="http://schemas.microsoft.com/office/drawing/2014/main" id="{E9EA470D-9136-4199-ABA6-A965B64610C0}"/>
-              </a:ext>
-            </a:extLst>
-          </p:cNvPr>
-          <p:cNvSpPr/>
-          <p:nvPr/>
-        </p:nvSpPr>
-        <p:spPr>
-          <a:xfrm>
-            <a:off x="0" y="1218795"/>
-            <a:ext cx="7707085" cy="400110"/>
-          </a:xfrm>
-          <a:prstGeom prst="rect">
-            <a:avLst/>
-          </a:prstGeom>
-          <a:solidFill>
-            <a:srgbClr val="70AD47"/>
-          </a:solidFill>
-          <a:ln>
-            <a:solidFill>
-              <a:srgbClr val="70AD47"/>
-            </a:solidFill>
-          </a:ln>
-        </p:spPr>
-        <p:style>
-          <a:lnRef idx="2">
-            <a:schemeClr val="accent1">
-              <a:shade val="50000"/>
-            </a:schemeClr>
-          </a:lnRef>
-          <a:fillRef idx="1">
-            <a:schemeClr val="accent1"/>
-          </a:fillRef>
-          <a:effectRef idx="0">
-            <a:schemeClr val="accent1"/>
-          </a:effectRef>
-          <a:fontRef idx="minor">
-            <a:schemeClr val="lt1"/>
-          </a:fontRef>
-        </p:style>
-        <p:txBody>
-          <a:bodyPr rtlCol="0" anchor="ctr"/>
-          <a:lstStyle/>
-          <a:p>
-            <a:pPr algn="ctr"/>
-            <a:endParaRPr lang="en-US" dirty="0">
-              <a:ln>
-                <a:solidFill>
-                  <a:srgbClr val="70AD47"/>
-                </a:solidFill>
-              </a:ln>
-              <a:solidFill>
-                <a:srgbClr val="70AD47"/>
-              </a:solidFill>
-            </a:endParaRPr>
-          </a:p>
-        </p:txBody>
-      </p:sp>
-      <p:sp>
-        <p:nvSpPr>
-          <p:cNvPr id="20" name="ZoneTexte 19">
-            <a:extLst>
-              <a:ext uri="{FF2B5EF4-FFF2-40B4-BE49-F238E27FC236}">
-                <a16:creationId xmlns:a16="http://schemas.microsoft.com/office/drawing/2014/main" id="{D5258918-C334-4913-BD7C-C3E6B9D81AF4}"/>
-              </a:ext>
-            </a:extLst>
-          </p:cNvPr>
-          <p:cNvSpPr txBox="1"/>
-          <p:nvPr/>
-        </p:nvSpPr>
-        <p:spPr>
-          <a:xfrm>
-            <a:off x="1" y="1234184"/>
-            <a:ext cx="7271656" cy="369332"/>
-          </a:xfrm>
-          <a:prstGeom prst="rect">
-            <a:avLst/>
-          </a:prstGeom>
-          <a:noFill/>
-        </p:spPr>
-        <p:txBody>
-          <a:bodyPr wrap="square">
-            <a:spAutoFit/>
-          </a:bodyPr>
-          <a:lstStyle/>
-          <a:p>
-            <a:r>
-              <a:rPr lang="fr-FR" i="1" u="none" strike="noStrike" dirty="0">
-                <a:ln>
-                  <a:solidFill>
-                    <a:schemeClr val="bg1"/>
-                  </a:solidFill>
-                </a:ln>
-                <a:solidFill>
-                  <a:schemeClr val="bg1"/>
-                </a:solidFill>
-                <a:effectLst/>
-                <a:latin typeface="docs-Roboto"/>
-              </a:rPr>
-              <a:t>Pour chacun de ces pays, quelle sera l’évolution de ce potentiel de clients ?</a:t>
-            </a:r>
-            <a:endParaRPr lang="fr-FR" i="1" dirty="0">
-              <a:ln>
-                <a:solidFill>
-                  <a:schemeClr val="bg1"/>
-                </a:solidFill>
-              </a:ln>
-              <a:solidFill>
-                <a:schemeClr val="bg1"/>
-              </a:solidFill>
-              <a:latin typeface="Google Sans"/>
-            </a:endParaRPr>
-          </a:p>
-        </p:txBody>
-      </p:sp>
-      <p:sp>
-        <p:nvSpPr>
-          <p:cNvPr id="3" name="ZoneTexte 2">
-            <a:extLst>
-              <a:ext uri="{FF2B5EF4-FFF2-40B4-BE49-F238E27FC236}">
-                <a16:creationId xmlns:a16="http://schemas.microsoft.com/office/drawing/2014/main" id="{23F83224-7C8F-4414-87A9-B95440AB3501}"/>
-              </a:ext>
-            </a:extLst>
-          </p:cNvPr>
-          <p:cNvSpPr txBox="1"/>
-          <p:nvPr/>
-        </p:nvSpPr>
-        <p:spPr>
-          <a:xfrm rot="19091059">
-            <a:off x="4405353" y="1383500"/>
-            <a:ext cx="4046044" cy="1446550"/>
-          </a:xfrm>
-          <a:prstGeom prst="rect">
-            <a:avLst/>
-          </a:prstGeom>
-          <a:noFill/>
-          <a:ln w="57150">
-            <a:solidFill>
-              <a:srgbClr val="FF0000"/>
-            </a:solidFill>
-            <a:prstDash val="lgDashDot"/>
-          </a:ln>
-        </p:spPr>
-        <p:txBody>
-          <a:bodyPr wrap="none" rtlCol="0">
-            <a:spAutoFit/>
-          </a:bodyPr>
-          <a:lstStyle/>
-          <a:p>
-            <a:r>
-              <a:rPr lang="es-ES" sz="8800" dirty="0">
-                <a:solidFill>
-                  <a:srgbClr val="FF0000"/>
-                </a:solidFill>
-              </a:rPr>
-              <a:t>REVISAR</a:t>
-            </a:r>
-            <a:endParaRPr lang="es-419" sz="8800" dirty="0">
-              <a:solidFill>
-                <a:srgbClr val="FF0000"/>
-              </a:solidFill>
-            </a:endParaRPr>
-          </a:p>
-        </p:txBody>
-      </p:sp>
-    </p:spTree>
-    <p:extLst>
-      <p:ext uri="{BB962C8B-B14F-4D97-AF65-F5344CB8AC3E}">
-        <p14:creationId xmlns:p14="http://schemas.microsoft.com/office/powerpoint/2010/main" val="1389879315"/>
-      </p:ext>
-    </p:extLst>
-  </p:cSld>
-  <p:clrMapOvr>
-    <a:masterClrMapping/>
-  </p:clrMapOvr>
-</p:sld>
-</file>
-
-<file path=ppt/slides/slide16.xml><?xml version="1.0" encoding="utf-8"?>
 <p:sld xmlns:a="http://schemas.openxmlformats.org/drawingml/2006/main" xmlns:r="http://schemas.openxmlformats.org/officeDocument/2006/relationships" xmlns:p="http://schemas.openxmlformats.org/presentationml/2006/main">
   <p:cSld>
     <p:spTree>
@@ -11313,6 +10655,1012 @@
 </p:sld>
 </file>
 
+<file path=ppt/slides/slide16.xml><?xml version="1.0" encoding="utf-8"?>
+<p:sld xmlns:a="http://schemas.openxmlformats.org/drawingml/2006/main" xmlns:r="http://schemas.openxmlformats.org/officeDocument/2006/relationships" xmlns:p="http://schemas.openxmlformats.org/presentationml/2006/main">
+  <p:cSld>
+    <p:spTree>
+      <p:nvGrpSpPr>
+        <p:cNvPr id="1" name=""/>
+        <p:cNvGrpSpPr/>
+        <p:nvPr/>
+      </p:nvGrpSpPr>
+      <p:grpSpPr>
+        <a:xfrm>
+          <a:off x="0" y="0"/>
+          <a:ext cx="0" cy="0"/>
+          <a:chOff x="0" y="0"/>
+          <a:chExt cx="0" cy="0"/>
+        </a:xfrm>
+      </p:grpSpPr>
+      <p:pic>
+        <p:nvPicPr>
+          <p:cNvPr id="5" name="Image 4">
+            <a:extLst>
+              <a:ext uri="{FF2B5EF4-FFF2-40B4-BE49-F238E27FC236}">
+                <a16:creationId xmlns:a16="http://schemas.microsoft.com/office/drawing/2014/main" id="{EB73C792-E63F-41BD-9C0A-0F66A7A85D02}"/>
+              </a:ext>
+            </a:extLst>
+          </p:cNvPr>
+          <p:cNvPicPr>
+            <a:picLocks noChangeAspect="1"/>
+          </p:cNvPicPr>
+          <p:nvPr/>
+        </p:nvPicPr>
+        <p:blipFill>
+          <a:blip r:embed="rId2">
+            <a:extLst>
+              <a:ext uri="{28A0092B-C50C-407E-A947-70E740481C1C}">
+                <a14:useLocalDpi xmlns:a14="http://schemas.microsoft.com/office/drawing/2010/main" val="0"/>
+              </a:ext>
+            </a:extLst>
+          </a:blip>
+          <a:stretch>
+            <a:fillRect/>
+          </a:stretch>
+        </p:blipFill>
+        <p:spPr>
+          <a:xfrm>
+            <a:off x="3227062" y="1751655"/>
+            <a:ext cx="8799665" cy="4399833"/>
+          </a:xfrm>
+          <a:prstGeom prst="rect">
+            <a:avLst/>
+          </a:prstGeom>
+          <a:ln>
+            <a:noFill/>
+          </a:ln>
+          <a:effectLst>
+            <a:outerShdw blurRad="292100" dist="139700" dir="2700000" algn="tl" rotWithShape="0">
+              <a:srgbClr val="333333">
+                <a:alpha val="65000"/>
+              </a:srgbClr>
+            </a:outerShdw>
+          </a:effectLst>
+        </p:spPr>
+      </p:pic>
+      <p:sp>
+        <p:nvSpPr>
+          <p:cNvPr id="49" name="Rectangle 48">
+            <a:extLst>
+              <a:ext uri="{FF2B5EF4-FFF2-40B4-BE49-F238E27FC236}">
+                <a16:creationId xmlns:a16="http://schemas.microsoft.com/office/drawing/2014/main" id="{BC140F3B-FEDA-48DB-B5EE-18F425E8B175}"/>
+              </a:ext>
+            </a:extLst>
+          </p:cNvPr>
+          <p:cNvSpPr/>
+          <p:nvPr/>
+        </p:nvSpPr>
+        <p:spPr>
+          <a:xfrm>
+            <a:off x="0" y="6400273"/>
+            <a:ext cx="12192000" cy="457727"/>
+          </a:xfrm>
+          <a:prstGeom prst="rect">
+            <a:avLst/>
+          </a:prstGeom>
+          <a:solidFill>
+            <a:srgbClr val="7451EB"/>
+          </a:solidFill>
+          <a:ln>
+            <a:solidFill>
+              <a:srgbClr val="7451EB"/>
+            </a:solidFill>
+          </a:ln>
+        </p:spPr>
+        <p:style>
+          <a:lnRef idx="2">
+            <a:schemeClr val="accent1">
+              <a:shade val="50000"/>
+            </a:schemeClr>
+          </a:lnRef>
+          <a:fillRef idx="1">
+            <a:schemeClr val="accent1"/>
+          </a:fillRef>
+          <a:effectRef idx="0">
+            <a:schemeClr val="accent1"/>
+          </a:effectRef>
+          <a:fontRef idx="minor">
+            <a:schemeClr val="lt1"/>
+          </a:fontRef>
+        </p:style>
+        <p:txBody>
+          <a:bodyPr rtlCol="0" anchor="ctr"/>
+          <a:lstStyle/>
+          <a:p>
+            <a:pPr algn="ctr"/>
+            <a:endParaRPr lang="en-US" dirty="0"/>
+          </a:p>
+        </p:txBody>
+      </p:sp>
+      <p:sp>
+        <p:nvSpPr>
+          <p:cNvPr id="50" name="TextBox 3">
+            <a:extLst>
+              <a:ext uri="{FF2B5EF4-FFF2-40B4-BE49-F238E27FC236}">
+                <a16:creationId xmlns:a16="http://schemas.microsoft.com/office/drawing/2014/main" id="{429AA34A-78F4-4444-99C0-08CE847B7552}"/>
+              </a:ext>
+            </a:extLst>
+          </p:cNvPr>
+          <p:cNvSpPr txBox="1"/>
+          <p:nvPr/>
+        </p:nvSpPr>
+        <p:spPr>
+          <a:xfrm>
+            <a:off x="0" y="6475247"/>
+            <a:ext cx="4438395" cy="307777"/>
+          </a:xfrm>
+          <a:prstGeom prst="rect">
+            <a:avLst/>
+          </a:prstGeom>
+          <a:noFill/>
+        </p:spPr>
+        <p:txBody>
+          <a:bodyPr wrap="square" rtlCol="0">
+            <a:spAutoFit/>
+          </a:bodyPr>
+          <a:lstStyle/>
+          <a:p>
+            <a:r>
+              <a:rPr lang="es-CO" sz="1400" b="1" dirty="0">
+                <a:ln>
+                  <a:solidFill>
+                    <a:schemeClr val="bg1"/>
+                  </a:solidFill>
+                </a:ln>
+                <a:solidFill>
+                  <a:schemeClr val="bg1"/>
+                </a:solidFill>
+                <a:latin typeface="+mj-lt"/>
+              </a:rPr>
+              <a:t>Project 2 - </a:t>
+            </a:r>
+            <a:r>
+              <a:rPr lang="fr-FR" sz="1400" b="1" dirty="0">
+                <a:ln>
+                  <a:solidFill>
+                    <a:schemeClr val="bg1"/>
+                  </a:solidFill>
+                </a:ln>
+                <a:solidFill>
+                  <a:schemeClr val="bg1"/>
+                </a:solidFill>
+                <a:latin typeface="+mj-lt"/>
+              </a:rPr>
+              <a:t> Analyse des données de systèmes éducatifs </a:t>
+            </a:r>
+            <a:endParaRPr lang="en-US" sz="1400" b="1" dirty="0">
+              <a:ln>
+                <a:solidFill>
+                  <a:schemeClr val="bg1"/>
+                </a:solidFill>
+              </a:ln>
+              <a:solidFill>
+                <a:schemeClr val="bg1"/>
+              </a:solidFill>
+              <a:latin typeface="+mj-lt"/>
+            </a:endParaRPr>
+          </a:p>
+        </p:txBody>
+      </p:sp>
+      <p:sp>
+        <p:nvSpPr>
+          <p:cNvPr id="51" name="TextBox 3">
+            <a:extLst>
+              <a:ext uri="{FF2B5EF4-FFF2-40B4-BE49-F238E27FC236}">
+                <a16:creationId xmlns:a16="http://schemas.microsoft.com/office/drawing/2014/main" id="{B9755B8F-D0AB-4F91-A171-D70F2C0C85DF}"/>
+              </a:ext>
+            </a:extLst>
+          </p:cNvPr>
+          <p:cNvSpPr txBox="1"/>
+          <p:nvPr/>
+        </p:nvSpPr>
+        <p:spPr>
+          <a:xfrm>
+            <a:off x="10543592" y="6475247"/>
+            <a:ext cx="1648408" cy="307777"/>
+          </a:xfrm>
+          <a:prstGeom prst="rect">
+            <a:avLst/>
+          </a:prstGeom>
+          <a:noFill/>
+        </p:spPr>
+        <p:txBody>
+          <a:bodyPr wrap="square" rtlCol="0">
+            <a:spAutoFit/>
+          </a:bodyPr>
+          <a:lstStyle/>
+          <a:p>
+            <a:pPr algn="r"/>
+            <a:r>
+              <a:rPr lang="fr-FR" sz="1400" b="1" i="1" dirty="0" err="1">
+                <a:ln>
+                  <a:solidFill>
+                    <a:schemeClr val="bg1"/>
+                  </a:solidFill>
+                </a:ln>
+                <a:solidFill>
+                  <a:schemeClr val="bg1"/>
+                </a:solidFill>
+                <a:latin typeface="+mj-lt"/>
+              </a:rPr>
+              <a:t>OpenClassrooms</a:t>
+            </a:r>
+            <a:endParaRPr lang="fr-FR" sz="1400" b="1" i="1" dirty="0">
+              <a:ln>
+                <a:solidFill>
+                  <a:schemeClr val="bg1"/>
+                </a:solidFill>
+              </a:ln>
+              <a:solidFill>
+                <a:schemeClr val="bg1"/>
+              </a:solidFill>
+              <a:latin typeface="+mj-lt"/>
+            </a:endParaRPr>
+          </a:p>
+        </p:txBody>
+      </p:sp>
+      <p:sp>
+        <p:nvSpPr>
+          <p:cNvPr id="38" name="Rectángulo 4">
+            <a:extLst>
+              <a:ext uri="{FF2B5EF4-FFF2-40B4-BE49-F238E27FC236}">
+                <a16:creationId xmlns:a16="http://schemas.microsoft.com/office/drawing/2014/main" id="{6730C881-9288-45D9-BA7F-81FB5552AC42}"/>
+              </a:ext>
+            </a:extLst>
+          </p:cNvPr>
+          <p:cNvSpPr/>
+          <p:nvPr/>
+        </p:nvSpPr>
+        <p:spPr>
+          <a:xfrm>
+            <a:off x="377906" y="378794"/>
+            <a:ext cx="366721" cy="54000"/>
+          </a:xfrm>
+          <a:prstGeom prst="rect">
+            <a:avLst/>
+          </a:prstGeom>
+          <a:solidFill>
+            <a:srgbClr val="7451EB"/>
+          </a:solidFill>
+          <a:ln>
+            <a:solidFill>
+              <a:srgbClr val="7451EB"/>
+            </a:solidFill>
+          </a:ln>
+        </p:spPr>
+        <p:style>
+          <a:lnRef idx="2">
+            <a:schemeClr val="accent1">
+              <a:shade val="50000"/>
+            </a:schemeClr>
+          </a:lnRef>
+          <a:fillRef idx="1">
+            <a:schemeClr val="accent1"/>
+          </a:fillRef>
+          <a:effectRef idx="0">
+            <a:schemeClr val="accent1"/>
+          </a:effectRef>
+          <a:fontRef idx="minor">
+            <a:schemeClr val="lt1"/>
+          </a:fontRef>
+        </p:style>
+        <p:txBody>
+          <a:bodyPr rtlCol="0" anchor="ctr"/>
+          <a:lstStyle/>
+          <a:p>
+            <a:pPr algn="ctr"/>
+            <a:endParaRPr lang="es-AR" dirty="0">
+              <a:ln>
+                <a:solidFill>
+                  <a:srgbClr val="7451EB"/>
+                </a:solidFill>
+              </a:ln>
+              <a:solidFill>
+                <a:srgbClr val="7451EB"/>
+              </a:solidFill>
+            </a:endParaRPr>
+          </a:p>
+        </p:txBody>
+      </p:sp>
+      <p:sp>
+        <p:nvSpPr>
+          <p:cNvPr id="41" name="Rectangle 40">
+            <a:extLst>
+              <a:ext uri="{FF2B5EF4-FFF2-40B4-BE49-F238E27FC236}">
+                <a16:creationId xmlns:a16="http://schemas.microsoft.com/office/drawing/2014/main" id="{A94FE132-F401-4853-B86B-189F59E3CEB7}"/>
+              </a:ext>
+            </a:extLst>
+          </p:cNvPr>
+          <p:cNvSpPr/>
+          <p:nvPr/>
+        </p:nvSpPr>
+        <p:spPr>
+          <a:xfrm>
+            <a:off x="3486008" y="2087984"/>
+            <a:ext cx="3637168" cy="3946226"/>
+          </a:xfrm>
+          <a:prstGeom prst="rect">
+            <a:avLst/>
+          </a:prstGeom>
+          <a:noFill/>
+          <a:ln w="38100">
+            <a:solidFill>
+              <a:schemeClr val="accent2"/>
+            </a:solidFill>
+            <a:prstDash val="solid"/>
+          </a:ln>
+        </p:spPr>
+        <p:style>
+          <a:lnRef idx="2">
+            <a:schemeClr val="accent1">
+              <a:shade val="50000"/>
+            </a:schemeClr>
+          </a:lnRef>
+          <a:fillRef idx="1">
+            <a:schemeClr val="accent1"/>
+          </a:fillRef>
+          <a:effectRef idx="0">
+            <a:schemeClr val="accent1"/>
+          </a:effectRef>
+          <a:fontRef idx="minor">
+            <a:schemeClr val="lt1"/>
+          </a:fontRef>
+        </p:style>
+        <p:txBody>
+          <a:bodyPr rtlCol="0" anchor="ctr"/>
+          <a:lstStyle/>
+          <a:p>
+            <a:pPr algn="ctr"/>
+            <a:endParaRPr lang="es-419"/>
+          </a:p>
+        </p:txBody>
+      </p:sp>
+      <p:sp>
+        <p:nvSpPr>
+          <p:cNvPr id="42" name="Rectangle 41">
+            <a:extLst>
+              <a:ext uri="{FF2B5EF4-FFF2-40B4-BE49-F238E27FC236}">
+                <a16:creationId xmlns:a16="http://schemas.microsoft.com/office/drawing/2014/main" id="{8FB47CA7-FB1F-4070-9752-707FA4B49B99}"/>
+              </a:ext>
+            </a:extLst>
+          </p:cNvPr>
+          <p:cNvSpPr/>
+          <p:nvPr/>
+        </p:nvSpPr>
+        <p:spPr>
+          <a:xfrm>
+            <a:off x="212679" y="2906429"/>
+            <a:ext cx="2562180" cy="1863587"/>
+          </a:xfrm>
+          <a:prstGeom prst="rect">
+            <a:avLst/>
+          </a:prstGeom>
+          <a:noFill/>
+          <a:ln w="38100">
+            <a:solidFill>
+              <a:schemeClr val="accent2"/>
+            </a:solidFill>
+            <a:prstDash val="solid"/>
+          </a:ln>
+        </p:spPr>
+        <p:style>
+          <a:lnRef idx="2">
+            <a:schemeClr val="accent1">
+              <a:shade val="50000"/>
+            </a:schemeClr>
+          </a:lnRef>
+          <a:fillRef idx="1">
+            <a:schemeClr val="accent1"/>
+          </a:fillRef>
+          <a:effectRef idx="0">
+            <a:schemeClr val="accent1"/>
+          </a:effectRef>
+          <a:fontRef idx="minor">
+            <a:schemeClr val="lt1"/>
+          </a:fontRef>
+        </p:style>
+        <p:txBody>
+          <a:bodyPr rtlCol="0" anchor="ctr"/>
+          <a:lstStyle/>
+          <a:p>
+            <a:pPr algn="ctr"/>
+            <a:endParaRPr lang="es-419"/>
+          </a:p>
+        </p:txBody>
+      </p:sp>
+      <p:cxnSp>
+        <p:nvCxnSpPr>
+          <p:cNvPr id="43" name="Connecteur droit avec flèche 42">
+            <a:extLst>
+              <a:ext uri="{FF2B5EF4-FFF2-40B4-BE49-F238E27FC236}">
+                <a16:creationId xmlns:a16="http://schemas.microsoft.com/office/drawing/2014/main" id="{D821E19D-2B6C-4D99-A3C4-B0B3F23A58E9}"/>
+              </a:ext>
+            </a:extLst>
+          </p:cNvPr>
+          <p:cNvCxnSpPr>
+            <a:cxnSpLocks/>
+          </p:cNvCxnSpPr>
+          <p:nvPr/>
+        </p:nvCxnSpPr>
+        <p:spPr>
+          <a:xfrm flipH="1">
+            <a:off x="2774859" y="2087984"/>
+            <a:ext cx="711149" cy="818445"/>
+          </a:xfrm>
+          <a:prstGeom prst="straightConnector1">
+            <a:avLst/>
+          </a:prstGeom>
+          <a:ln w="9525">
+            <a:solidFill>
+              <a:schemeClr val="accent2"/>
+            </a:solidFill>
+            <a:headEnd type="none" w="med" len="med"/>
+            <a:tailEnd type="none" w="med" len="med"/>
+          </a:ln>
+        </p:spPr>
+        <p:style>
+          <a:lnRef idx="1">
+            <a:schemeClr val="accent1"/>
+          </a:lnRef>
+          <a:fillRef idx="0">
+            <a:schemeClr val="accent1"/>
+          </a:fillRef>
+          <a:effectRef idx="0">
+            <a:schemeClr val="accent1"/>
+          </a:effectRef>
+          <a:fontRef idx="minor">
+            <a:schemeClr val="tx1"/>
+          </a:fontRef>
+        </p:style>
+      </p:cxnSp>
+      <p:cxnSp>
+        <p:nvCxnSpPr>
+          <p:cNvPr id="44" name="Connecteur droit avec flèche 43">
+            <a:extLst>
+              <a:ext uri="{FF2B5EF4-FFF2-40B4-BE49-F238E27FC236}">
+                <a16:creationId xmlns:a16="http://schemas.microsoft.com/office/drawing/2014/main" id="{C18B4168-FC58-44AA-A017-7A88529A8FC3}"/>
+              </a:ext>
+            </a:extLst>
+          </p:cNvPr>
+          <p:cNvCxnSpPr>
+            <a:cxnSpLocks/>
+          </p:cNvCxnSpPr>
+          <p:nvPr/>
+        </p:nvCxnSpPr>
+        <p:spPr>
+          <a:xfrm flipH="1" flipV="1">
+            <a:off x="2774859" y="4770016"/>
+            <a:ext cx="711149" cy="1264194"/>
+          </a:xfrm>
+          <a:prstGeom prst="straightConnector1">
+            <a:avLst/>
+          </a:prstGeom>
+          <a:ln w="9525">
+            <a:solidFill>
+              <a:schemeClr val="accent2"/>
+            </a:solidFill>
+            <a:headEnd type="none" w="med" len="med"/>
+            <a:tailEnd type="none" w="med" len="med"/>
+          </a:ln>
+        </p:spPr>
+        <p:style>
+          <a:lnRef idx="1">
+            <a:schemeClr val="accent1"/>
+          </a:lnRef>
+          <a:fillRef idx="0">
+            <a:schemeClr val="accent1"/>
+          </a:fillRef>
+          <a:effectRef idx="0">
+            <a:schemeClr val="accent1"/>
+          </a:effectRef>
+          <a:fontRef idx="minor">
+            <a:schemeClr val="tx1"/>
+          </a:fontRef>
+        </p:style>
+      </p:cxnSp>
+      <p:sp>
+        <p:nvSpPr>
+          <p:cNvPr id="45" name="ZoneTexte 44">
+            <a:extLst>
+              <a:ext uri="{FF2B5EF4-FFF2-40B4-BE49-F238E27FC236}">
+                <a16:creationId xmlns:a16="http://schemas.microsoft.com/office/drawing/2014/main" id="{092BD9AD-B714-492E-BA65-D1027564EB41}"/>
+              </a:ext>
+            </a:extLst>
+          </p:cNvPr>
+          <p:cNvSpPr txBox="1"/>
+          <p:nvPr/>
+        </p:nvSpPr>
+        <p:spPr>
+          <a:xfrm>
+            <a:off x="1012038" y="3118630"/>
+            <a:ext cx="1162746" cy="400110"/>
+          </a:xfrm>
+          <a:prstGeom prst="rect">
+            <a:avLst/>
+          </a:prstGeom>
+          <a:noFill/>
+        </p:spPr>
+        <p:txBody>
+          <a:bodyPr wrap="square">
+            <a:spAutoFit/>
+          </a:bodyPr>
+          <a:lstStyle/>
+          <a:p>
+            <a:r>
+              <a:rPr lang="es-ES" sz="2000" b="1" strike="noStrike" dirty="0">
+                <a:solidFill>
+                  <a:srgbClr val="008080"/>
+                </a:solidFill>
+                <a:latin typeface="docs-Roboto"/>
+              </a:rPr>
+              <a:t>La Chine</a:t>
+            </a:r>
+            <a:endParaRPr lang="fr-FR" sz="2000" b="1" strike="noStrike" dirty="0">
+              <a:solidFill>
+                <a:srgbClr val="008080"/>
+              </a:solidFill>
+              <a:latin typeface="docs-Roboto"/>
+            </a:endParaRPr>
+          </a:p>
+        </p:txBody>
+      </p:sp>
+      <p:sp>
+        <p:nvSpPr>
+          <p:cNvPr id="46" name="ZoneTexte 45">
+            <a:extLst>
+              <a:ext uri="{FF2B5EF4-FFF2-40B4-BE49-F238E27FC236}">
+                <a16:creationId xmlns:a16="http://schemas.microsoft.com/office/drawing/2014/main" id="{50C4C90D-BE68-49D7-A9A0-7132BDE05AFC}"/>
+              </a:ext>
+            </a:extLst>
+          </p:cNvPr>
+          <p:cNvSpPr txBox="1"/>
+          <p:nvPr/>
+        </p:nvSpPr>
+        <p:spPr>
+          <a:xfrm>
+            <a:off x="1012038" y="3640749"/>
+            <a:ext cx="1000044" cy="707886"/>
+          </a:xfrm>
+          <a:prstGeom prst="rect">
+            <a:avLst/>
+          </a:prstGeom>
+          <a:noFill/>
+        </p:spPr>
+        <p:txBody>
+          <a:bodyPr wrap="square">
+            <a:spAutoFit/>
+          </a:bodyPr>
+          <a:lstStyle/>
+          <a:p>
+            <a:r>
+              <a:rPr lang="es-ES" sz="2000" b="1" dirty="0" err="1">
+                <a:solidFill>
+                  <a:srgbClr val="008080"/>
+                </a:solidFill>
+                <a:latin typeface="docs-Roboto"/>
+              </a:rPr>
+              <a:t>L</a:t>
+            </a:r>
+            <a:r>
+              <a:rPr lang="es-ES" sz="2000" b="1" strike="noStrike" dirty="0" err="1">
+                <a:solidFill>
+                  <a:srgbClr val="008080"/>
+                </a:solidFill>
+                <a:latin typeface="docs-Roboto"/>
+              </a:rPr>
+              <a:t>'Inde</a:t>
+            </a:r>
+            <a:endParaRPr lang="es-ES" sz="2000" b="1" strike="noStrike" dirty="0">
+              <a:solidFill>
+                <a:srgbClr val="008080"/>
+              </a:solidFill>
+              <a:latin typeface="docs-Roboto"/>
+            </a:endParaRPr>
+          </a:p>
+          <a:p>
+            <a:endParaRPr lang="fr-FR" sz="2000" b="1" strike="noStrike" dirty="0">
+              <a:solidFill>
+                <a:srgbClr val="008080"/>
+              </a:solidFill>
+              <a:latin typeface="docs-Roboto"/>
+            </a:endParaRPr>
+          </a:p>
+        </p:txBody>
+      </p:sp>
+      <p:sp>
+        <p:nvSpPr>
+          <p:cNvPr id="47" name="ZoneTexte 46">
+            <a:extLst>
+              <a:ext uri="{FF2B5EF4-FFF2-40B4-BE49-F238E27FC236}">
+                <a16:creationId xmlns:a16="http://schemas.microsoft.com/office/drawing/2014/main" id="{A84DEDDE-A872-435C-9607-E15EF26063F8}"/>
+              </a:ext>
+            </a:extLst>
+          </p:cNvPr>
+          <p:cNvSpPr txBox="1"/>
+          <p:nvPr/>
+        </p:nvSpPr>
+        <p:spPr>
+          <a:xfrm>
+            <a:off x="1012038" y="4157704"/>
+            <a:ext cx="1650968" cy="400110"/>
+          </a:xfrm>
+          <a:prstGeom prst="rect">
+            <a:avLst/>
+          </a:prstGeom>
+          <a:noFill/>
+        </p:spPr>
+        <p:txBody>
+          <a:bodyPr wrap="square">
+            <a:spAutoFit/>
+          </a:bodyPr>
+          <a:lstStyle/>
+          <a:p>
+            <a:r>
+              <a:rPr lang="es-ES" sz="2000" b="1" strike="noStrike" dirty="0">
+                <a:solidFill>
+                  <a:srgbClr val="008080"/>
+                </a:solidFill>
+                <a:latin typeface="docs-Roboto"/>
+              </a:rPr>
+              <a:t>Les </a:t>
+            </a:r>
+            <a:r>
+              <a:rPr lang="es-ES" sz="2000" b="1" strike="noStrike" dirty="0" err="1">
+                <a:solidFill>
+                  <a:srgbClr val="008080"/>
+                </a:solidFill>
+                <a:latin typeface="docs-Roboto"/>
+              </a:rPr>
+              <a:t>États-Unis</a:t>
+            </a:r>
+            <a:r>
+              <a:rPr lang="es-ES" sz="2000" b="1" strike="noStrike" dirty="0">
+                <a:solidFill>
+                  <a:srgbClr val="008080"/>
+                </a:solidFill>
+                <a:latin typeface="docs-Roboto"/>
+              </a:rPr>
+              <a:t> </a:t>
+            </a:r>
+            <a:endParaRPr lang="fr-FR" sz="2000" b="1" strike="noStrike" dirty="0">
+              <a:solidFill>
+                <a:srgbClr val="008080"/>
+              </a:solidFill>
+              <a:latin typeface="docs-Roboto"/>
+            </a:endParaRPr>
+          </a:p>
+        </p:txBody>
+      </p:sp>
+      <p:pic>
+        <p:nvPicPr>
+          <p:cNvPr id="48" name="Image 47">
+            <a:extLst>
+              <a:ext uri="{FF2B5EF4-FFF2-40B4-BE49-F238E27FC236}">
+                <a16:creationId xmlns:a16="http://schemas.microsoft.com/office/drawing/2014/main" id="{4CC8C9B7-10EB-4078-9CC9-44547C6F364D}"/>
+              </a:ext>
+            </a:extLst>
+          </p:cNvPr>
+          <p:cNvPicPr>
+            <a:picLocks noChangeAspect="1"/>
+          </p:cNvPicPr>
+          <p:nvPr/>
+        </p:nvPicPr>
+        <p:blipFill>
+          <a:blip r:embed="rId3">
+            <a:extLst>
+              <a:ext uri="{28A0092B-C50C-407E-A947-70E740481C1C}">
+                <a14:useLocalDpi xmlns:a14="http://schemas.microsoft.com/office/drawing/2010/main" val="0"/>
+              </a:ext>
+            </a:extLst>
+          </a:blip>
+          <a:stretch>
+            <a:fillRect/>
+          </a:stretch>
+        </p:blipFill>
+        <p:spPr>
+          <a:xfrm>
+            <a:off x="385761" y="3534804"/>
+            <a:ext cx="612000" cy="612000"/>
+          </a:xfrm>
+          <a:prstGeom prst="rect">
+            <a:avLst/>
+          </a:prstGeom>
+        </p:spPr>
+      </p:pic>
+      <p:pic>
+        <p:nvPicPr>
+          <p:cNvPr id="52" name="Image 51">
+            <a:extLst>
+              <a:ext uri="{FF2B5EF4-FFF2-40B4-BE49-F238E27FC236}">
+                <a16:creationId xmlns:a16="http://schemas.microsoft.com/office/drawing/2014/main" id="{E9678F34-68A3-49E2-BA1B-6AF13F4EA9D0}"/>
+              </a:ext>
+            </a:extLst>
+          </p:cNvPr>
+          <p:cNvPicPr>
+            <a:picLocks noChangeAspect="1"/>
+          </p:cNvPicPr>
+          <p:nvPr/>
+        </p:nvPicPr>
+        <p:blipFill>
+          <a:blip r:embed="rId4">
+            <a:extLst>
+              <a:ext uri="{28A0092B-C50C-407E-A947-70E740481C1C}">
+                <a14:useLocalDpi xmlns:a14="http://schemas.microsoft.com/office/drawing/2010/main" val="0"/>
+              </a:ext>
+            </a:extLst>
+          </a:blip>
+          <a:stretch>
+            <a:fillRect/>
+          </a:stretch>
+        </p:blipFill>
+        <p:spPr>
+          <a:xfrm>
+            <a:off x="385761" y="3012685"/>
+            <a:ext cx="612000" cy="612000"/>
+          </a:xfrm>
+          <a:prstGeom prst="rect">
+            <a:avLst/>
+          </a:prstGeom>
+        </p:spPr>
+      </p:pic>
+      <p:pic>
+        <p:nvPicPr>
+          <p:cNvPr id="53" name="Image 52">
+            <a:extLst>
+              <a:ext uri="{FF2B5EF4-FFF2-40B4-BE49-F238E27FC236}">
+                <a16:creationId xmlns:a16="http://schemas.microsoft.com/office/drawing/2014/main" id="{ADFB3A6F-ADA8-4B3B-9218-D7C9262AEAFF}"/>
+              </a:ext>
+            </a:extLst>
+          </p:cNvPr>
+          <p:cNvPicPr>
+            <a:picLocks noChangeAspect="1"/>
+          </p:cNvPicPr>
+          <p:nvPr/>
+        </p:nvPicPr>
+        <p:blipFill>
+          <a:blip r:embed="rId5">
+            <a:extLst>
+              <a:ext uri="{28A0092B-C50C-407E-A947-70E740481C1C}">
+                <a14:useLocalDpi xmlns:a14="http://schemas.microsoft.com/office/drawing/2010/main" val="0"/>
+              </a:ext>
+            </a:extLst>
+          </a:blip>
+          <a:stretch>
+            <a:fillRect/>
+          </a:stretch>
+        </p:blipFill>
+        <p:spPr>
+          <a:xfrm>
+            <a:off x="385761" y="4051759"/>
+            <a:ext cx="612000" cy="612000"/>
+          </a:xfrm>
+          <a:prstGeom prst="rect">
+            <a:avLst/>
+          </a:prstGeom>
+        </p:spPr>
+      </p:pic>
+      <p:sp>
+        <p:nvSpPr>
+          <p:cNvPr id="54" name="Titre 1">
+            <a:extLst>
+              <a:ext uri="{FF2B5EF4-FFF2-40B4-BE49-F238E27FC236}">
+                <a16:creationId xmlns:a16="http://schemas.microsoft.com/office/drawing/2014/main" id="{52318C9E-D931-4D39-9D73-8574601E23ED}"/>
+              </a:ext>
+            </a:extLst>
+          </p:cNvPr>
+          <p:cNvSpPr txBox="1">
+            <a:spLocks/>
+          </p:cNvSpPr>
+          <p:nvPr/>
+        </p:nvSpPr>
+        <p:spPr>
+          <a:xfrm>
+            <a:off x="279916" y="432794"/>
+            <a:ext cx="11112333" cy="820048"/>
+          </a:xfrm>
+          <a:prstGeom prst="rect">
+            <a:avLst/>
+          </a:prstGeom>
+        </p:spPr>
+        <p:txBody>
+          <a:bodyPr vert="horz" lIns="91440" tIns="45720" rIns="91440" bIns="45720" rtlCol="0" anchor="ctr">
+            <a:noAutofit/>
+          </a:bodyPr>
+          <a:lstStyle>
+            <a:lvl1pPr algn="l" defTabSz="914400" rtl="0" eaLnBrk="1" latinLnBrk="0" hangingPunct="1">
+              <a:lnSpc>
+                <a:spcPct val="90000"/>
+              </a:lnSpc>
+              <a:spcBef>
+                <a:spcPct val="0"/>
+              </a:spcBef>
+              <a:buNone/>
+              <a:defRPr sz="4400" kern="1200">
+                <a:solidFill>
+                  <a:schemeClr val="tx1"/>
+                </a:solidFill>
+                <a:latin typeface="+mj-lt"/>
+                <a:ea typeface="+mj-ea"/>
+                <a:cs typeface="+mj-cs"/>
+              </a:defRPr>
+            </a:lvl1pPr>
+          </a:lstStyle>
+          <a:p>
+            <a:r>
+              <a:rPr lang="fr-FR" sz="4000" b="1" dirty="0">
+                <a:ln>
+                  <a:solidFill>
+                    <a:srgbClr val="7451EB"/>
+                  </a:solidFill>
+                </a:ln>
+                <a:solidFill>
+                  <a:srgbClr val="7451EB"/>
+                </a:solidFill>
+                <a:latin typeface="Google Sans"/>
+              </a:rPr>
+              <a:t>Pays potentiels </a:t>
+            </a:r>
+            <a:r>
+              <a:rPr lang="fr-FR" sz="2800" i="1" dirty="0">
+                <a:ln>
+                  <a:solidFill>
+                    <a:srgbClr val="7451EB"/>
+                  </a:solidFill>
+                </a:ln>
+                <a:solidFill>
+                  <a:srgbClr val="7451EB"/>
+                </a:solidFill>
+                <a:latin typeface="Google Sans"/>
+              </a:rPr>
+              <a:t>(Score par pays)</a:t>
+            </a:r>
+            <a:endParaRPr lang="es-419" sz="4000" b="1" dirty="0">
+              <a:ln>
+                <a:solidFill>
+                  <a:srgbClr val="7451EB"/>
+                </a:solidFill>
+              </a:ln>
+              <a:solidFill>
+                <a:srgbClr val="7451EB"/>
+              </a:solidFill>
+              <a:latin typeface="Google Sans"/>
+            </a:endParaRPr>
+          </a:p>
+        </p:txBody>
+      </p:sp>
+      <p:sp>
+        <p:nvSpPr>
+          <p:cNvPr id="20" name="Rectangle 19">
+            <a:extLst>
+              <a:ext uri="{FF2B5EF4-FFF2-40B4-BE49-F238E27FC236}">
+                <a16:creationId xmlns:a16="http://schemas.microsoft.com/office/drawing/2014/main" id="{EB915DA7-6B75-4568-8DFF-01F286CB5827}"/>
+              </a:ext>
+            </a:extLst>
+          </p:cNvPr>
+          <p:cNvSpPr/>
+          <p:nvPr/>
+        </p:nvSpPr>
+        <p:spPr>
+          <a:xfrm>
+            <a:off x="0" y="1218795"/>
+            <a:ext cx="5660571" cy="400110"/>
+          </a:xfrm>
+          <a:prstGeom prst="rect">
+            <a:avLst/>
+          </a:prstGeom>
+          <a:solidFill>
+            <a:srgbClr val="70AD47"/>
+          </a:solidFill>
+          <a:ln>
+            <a:solidFill>
+              <a:srgbClr val="70AD47"/>
+            </a:solidFill>
+          </a:ln>
+        </p:spPr>
+        <p:style>
+          <a:lnRef idx="2">
+            <a:schemeClr val="accent1">
+              <a:shade val="50000"/>
+            </a:schemeClr>
+          </a:lnRef>
+          <a:fillRef idx="1">
+            <a:schemeClr val="accent1"/>
+          </a:fillRef>
+          <a:effectRef idx="0">
+            <a:schemeClr val="accent1"/>
+          </a:effectRef>
+          <a:fontRef idx="minor">
+            <a:schemeClr val="lt1"/>
+          </a:fontRef>
+        </p:style>
+        <p:txBody>
+          <a:bodyPr rtlCol="0" anchor="ctr"/>
+          <a:lstStyle/>
+          <a:p>
+            <a:pPr algn="ctr"/>
+            <a:endParaRPr lang="en-US" dirty="0">
+              <a:ln>
+                <a:solidFill>
+                  <a:srgbClr val="70AD47"/>
+                </a:solidFill>
+              </a:ln>
+              <a:solidFill>
+                <a:srgbClr val="70AD47"/>
+              </a:solidFill>
+            </a:endParaRPr>
+          </a:p>
+        </p:txBody>
+      </p:sp>
+      <p:sp>
+        <p:nvSpPr>
+          <p:cNvPr id="21" name="ZoneTexte 20">
+            <a:extLst>
+              <a:ext uri="{FF2B5EF4-FFF2-40B4-BE49-F238E27FC236}">
+                <a16:creationId xmlns:a16="http://schemas.microsoft.com/office/drawing/2014/main" id="{524FDA3C-F7AD-4F51-BFA9-43A6D52E2C20}"/>
+              </a:ext>
+            </a:extLst>
+          </p:cNvPr>
+          <p:cNvSpPr txBox="1"/>
+          <p:nvPr/>
+        </p:nvSpPr>
+        <p:spPr>
+          <a:xfrm>
+            <a:off x="1" y="1234184"/>
+            <a:ext cx="5564776" cy="369332"/>
+          </a:xfrm>
+          <a:prstGeom prst="rect">
+            <a:avLst/>
+          </a:prstGeom>
+          <a:noFill/>
+        </p:spPr>
+        <p:txBody>
+          <a:bodyPr wrap="square">
+            <a:spAutoFit/>
+          </a:bodyPr>
+          <a:lstStyle/>
+          <a:p>
+            <a:r>
+              <a:rPr lang="fr-FR" i="1" u="none" strike="noStrike" dirty="0">
+                <a:ln>
+                  <a:solidFill>
+                    <a:schemeClr val="bg1"/>
+                  </a:solidFill>
+                </a:ln>
+                <a:solidFill>
+                  <a:schemeClr val="bg1"/>
+                </a:solidFill>
+                <a:effectLst/>
+                <a:latin typeface="docs-Roboto"/>
+              </a:rPr>
+              <a:t>Dans quels pays l'entreprise doit-elle opérer en priorité ?</a:t>
+            </a:r>
+            <a:endParaRPr lang="fr-FR" i="1" dirty="0">
+              <a:ln>
+                <a:solidFill>
+                  <a:schemeClr val="bg1"/>
+                </a:solidFill>
+              </a:ln>
+              <a:solidFill>
+                <a:schemeClr val="bg1"/>
+              </a:solidFill>
+              <a:latin typeface="Google Sans"/>
+            </a:endParaRPr>
+          </a:p>
+        </p:txBody>
+      </p:sp>
+    </p:spTree>
+    <p:extLst>
+      <p:ext uri="{BB962C8B-B14F-4D97-AF65-F5344CB8AC3E}">
+        <p14:creationId xmlns:p14="http://schemas.microsoft.com/office/powerpoint/2010/main" val="695683725"/>
+      </p:ext>
+    </p:extLst>
+  </p:cSld>
+  <p:clrMapOvr>
+    <a:masterClrMapping/>
+  </p:clrMapOvr>
+</p:sld>
+</file>
+
 <file path=ppt/slides/slide17.xml><?xml version="1.0" encoding="utf-8"?>
 <p:sld xmlns:a="http://schemas.openxmlformats.org/drawingml/2006/main" xmlns:r="http://schemas.openxmlformats.org/officeDocument/2006/relationships" xmlns:p="http://schemas.openxmlformats.org/presentationml/2006/main">
   <p:cSld>
@@ -11386,10 +11734,67 @@
       </p:sp>
       <p:sp>
         <p:nvSpPr>
-          <p:cNvPr id="50" name="TextBox 3">
-            <a:extLst>
-              <a:ext uri="{FF2B5EF4-FFF2-40B4-BE49-F238E27FC236}">
-                <a16:creationId xmlns:a16="http://schemas.microsoft.com/office/drawing/2014/main" id="{429AA34A-78F4-4444-99C0-08CE847B7552}"/>
+          <p:cNvPr id="51" name="TextBox 3">
+            <a:extLst>
+              <a:ext uri="{FF2B5EF4-FFF2-40B4-BE49-F238E27FC236}">
+                <a16:creationId xmlns:a16="http://schemas.microsoft.com/office/drawing/2014/main" id="{B9755B8F-D0AB-4F91-A171-D70F2C0C85DF}"/>
+              </a:ext>
+            </a:extLst>
+          </p:cNvPr>
+          <p:cNvSpPr txBox="1"/>
+          <p:nvPr/>
+        </p:nvSpPr>
+        <p:spPr>
+          <a:xfrm>
+            <a:off x="10543592" y="6475247"/>
+            <a:ext cx="1648408" cy="307777"/>
+          </a:xfrm>
+          <a:prstGeom prst="rect">
+            <a:avLst/>
+          </a:prstGeom>
+          <a:noFill/>
+        </p:spPr>
+        <p:txBody>
+          <a:bodyPr wrap="square" rtlCol="0">
+            <a:spAutoFit/>
+          </a:bodyPr>
+          <a:lstStyle/>
+          <a:p>
+            <a:pPr algn="r"/>
+            <a:r>
+              <a:rPr lang="fr-FR" sz="1400" b="1" i="1" dirty="0" err="1">
+                <a:ln>
+                  <a:solidFill>
+                    <a:schemeClr val="bg1"/>
+                  </a:solidFill>
+                </a:ln>
+                <a:solidFill>
+                  <a:schemeClr val="bg1"/>
+                </a:solidFill>
+                <a:latin typeface="+mj-lt"/>
+              </a:rPr>
+              <a:t>OpenClassrooms</a:t>
+            </a:r>
+            <a:endParaRPr lang="fr-FR" sz="1400" b="1" i="1" dirty="0">
+              <a:ln>
+                <a:solidFill>
+                  <a:schemeClr val="bg1"/>
+                </a:solidFill>
+              </a:ln>
+              <a:solidFill>
+                <a:schemeClr val="bg1"/>
+              </a:solidFill>
+              <a:latin typeface="+mj-lt"/>
+            </a:endParaRPr>
+          </a:p>
+        </p:txBody>
+      </p:sp>
+      <p:sp>
+        <p:nvSpPr>
+          <p:cNvPr id="9" name="TextBox 3">
+            <a:extLst>
+              <a:ext uri="{FF2B5EF4-FFF2-40B4-BE49-F238E27FC236}">
+                <a16:creationId xmlns:a16="http://schemas.microsoft.com/office/drawing/2014/main" id="{8804ED11-9C3E-478A-BEF5-9AEC21F5715F}"/>
               </a:ext>
             </a:extLst>
           </p:cNvPr>
@@ -11456,67 +11861,10 @@
       </p:sp>
       <p:sp>
         <p:nvSpPr>
-          <p:cNvPr id="51" name="TextBox 3">
-            <a:extLst>
-              <a:ext uri="{FF2B5EF4-FFF2-40B4-BE49-F238E27FC236}">
-                <a16:creationId xmlns:a16="http://schemas.microsoft.com/office/drawing/2014/main" id="{B9755B8F-D0AB-4F91-A171-D70F2C0C85DF}"/>
-              </a:ext>
-            </a:extLst>
-          </p:cNvPr>
-          <p:cNvSpPr txBox="1"/>
-          <p:nvPr/>
-        </p:nvSpPr>
-        <p:spPr>
-          <a:xfrm>
-            <a:off x="10543592" y="6475247"/>
-            <a:ext cx="1648408" cy="307777"/>
-          </a:xfrm>
-          <a:prstGeom prst="rect">
-            <a:avLst/>
-          </a:prstGeom>
-          <a:noFill/>
-        </p:spPr>
-        <p:txBody>
-          <a:bodyPr wrap="square" rtlCol="0">
-            <a:spAutoFit/>
-          </a:bodyPr>
-          <a:lstStyle/>
-          <a:p>
-            <a:pPr algn="r"/>
-            <a:r>
-              <a:rPr lang="fr-FR" sz="1400" b="1" i="1" dirty="0" err="1">
-                <a:ln>
-                  <a:solidFill>
-                    <a:schemeClr val="bg1"/>
-                  </a:solidFill>
-                </a:ln>
-                <a:solidFill>
-                  <a:schemeClr val="bg1"/>
-                </a:solidFill>
-                <a:latin typeface="+mj-lt"/>
-              </a:rPr>
-              <a:t>OpenClassrooms</a:t>
-            </a:r>
-            <a:endParaRPr lang="fr-FR" sz="1400" b="1" i="1" dirty="0">
-              <a:ln>
-                <a:solidFill>
-                  <a:schemeClr val="bg1"/>
-                </a:solidFill>
-              </a:ln>
-              <a:solidFill>
-                <a:schemeClr val="bg1"/>
-              </a:solidFill>
-              <a:latin typeface="+mj-lt"/>
-            </a:endParaRPr>
-          </a:p>
-        </p:txBody>
-      </p:sp>
-      <p:sp>
-        <p:nvSpPr>
-          <p:cNvPr id="38" name="Rectángulo 4">
-            <a:extLst>
-              <a:ext uri="{FF2B5EF4-FFF2-40B4-BE49-F238E27FC236}">
-                <a16:creationId xmlns:a16="http://schemas.microsoft.com/office/drawing/2014/main" id="{6730C881-9288-45D9-BA7F-81FB5552AC42}"/>
+          <p:cNvPr id="13" name="Rectángulo 4">
+            <a:extLst>
+              <a:ext uri="{FF2B5EF4-FFF2-40B4-BE49-F238E27FC236}">
+                <a16:creationId xmlns:a16="http://schemas.microsoft.com/office/drawing/2014/main" id="{74AB9722-099A-46BE-924E-3B502890BF1C}"/>
               </a:ext>
             </a:extLst>
           </p:cNvPr>
@@ -11574,78 +11922,33 @@
           </a:p>
         </p:txBody>
       </p:sp>
-      <p:pic>
-        <p:nvPicPr>
-          <p:cNvPr id="39" name="Image 38">
-            <a:extLst>
-              <a:ext uri="{FF2B5EF4-FFF2-40B4-BE49-F238E27FC236}">
-                <a16:creationId xmlns:a16="http://schemas.microsoft.com/office/drawing/2014/main" id="{FE8EA4CF-43A3-4A14-A9D2-286E65AF0ADF}"/>
-              </a:ext>
-            </a:extLst>
-          </p:cNvPr>
-          <p:cNvPicPr>
-            <a:picLocks noChangeAspect="1"/>
-          </p:cNvPicPr>
+      <p:sp>
+        <p:nvSpPr>
+          <p:cNvPr id="19" name="Rectangle 18">
+            <a:extLst>
+              <a:ext uri="{FF2B5EF4-FFF2-40B4-BE49-F238E27FC236}">
+                <a16:creationId xmlns:a16="http://schemas.microsoft.com/office/drawing/2014/main" id="{E9EA470D-9136-4199-ABA6-A965B64610C0}"/>
+              </a:ext>
+            </a:extLst>
+          </p:cNvPr>
+          <p:cNvSpPr/>
           <p:nvPr/>
-        </p:nvPicPr>
-        <p:blipFill>
-          <a:blip r:embed="rId2">
-            <a:extLst>
-              <a:ext uri="{28A0092B-C50C-407E-A947-70E740481C1C}">
-                <a14:useLocalDpi xmlns:a14="http://schemas.microsoft.com/office/drawing/2010/main" val="0"/>
-              </a:ext>
-            </a:extLst>
-          </a:blip>
-          <a:stretch>
-            <a:fillRect/>
-          </a:stretch>
-        </p:blipFill>
-        <p:spPr>
-          <a:xfrm>
-            <a:off x="3794596" y="1910042"/>
-            <a:ext cx="8067539" cy="4033770"/>
+        </p:nvSpPr>
+        <p:spPr>
+          <a:xfrm>
+            <a:off x="1" y="1218795"/>
+            <a:ext cx="3352800" cy="938719"/>
           </a:xfrm>
           <a:prstGeom prst="rect">
             <a:avLst/>
           </a:prstGeom>
+          <a:solidFill>
+            <a:srgbClr val="70AD47"/>
+          </a:solidFill>
           <a:ln>
-            <a:noFill/>
-          </a:ln>
-          <a:effectLst>
-            <a:outerShdw blurRad="292100" dist="139700" dir="2700000" algn="tl" rotWithShape="0">
-              <a:srgbClr val="333333">
-                <a:alpha val="65000"/>
-              </a:srgbClr>
-            </a:outerShdw>
-          </a:effectLst>
-        </p:spPr>
-      </p:pic>
-      <p:sp>
-        <p:nvSpPr>
-          <p:cNvPr id="41" name="Rectangle 40">
-            <a:extLst>
-              <a:ext uri="{FF2B5EF4-FFF2-40B4-BE49-F238E27FC236}">
-                <a16:creationId xmlns:a16="http://schemas.microsoft.com/office/drawing/2014/main" id="{A94FE132-F401-4853-B86B-189F59E3CEB7}"/>
-              </a:ext>
-            </a:extLst>
-          </p:cNvPr>
-          <p:cNvSpPr/>
-          <p:nvPr/>
-        </p:nvSpPr>
-        <p:spPr>
-          <a:xfrm>
-            <a:off x="4119194" y="2155962"/>
-            <a:ext cx="3866566" cy="3759072"/>
-          </a:xfrm>
-          <a:prstGeom prst="rect">
-            <a:avLst/>
-          </a:prstGeom>
-          <a:noFill/>
-          <a:ln w="38100">
             <a:solidFill>
-              <a:schemeClr val="accent2"/>
+              <a:srgbClr val="70AD47"/>
             </a:solidFill>
-            <a:prstDash val="solid"/>
           </a:ln>
         </p:spPr>
         <p:style>
@@ -11669,36 +11972,268 @@
           <a:lstStyle/>
           <a:p>
             <a:pPr algn="ctr"/>
-            <a:endParaRPr lang="es-419"/>
+            <a:endParaRPr lang="en-US" dirty="0">
+              <a:ln>
+                <a:solidFill>
+                  <a:srgbClr val="70AD47"/>
+                </a:solidFill>
+              </a:ln>
+              <a:solidFill>
+                <a:srgbClr val="70AD47"/>
+              </a:solidFill>
+            </a:endParaRPr>
           </a:p>
         </p:txBody>
       </p:sp>
       <p:sp>
         <p:nvSpPr>
-          <p:cNvPr id="42" name="Rectangle 41">
-            <a:extLst>
-              <a:ext uri="{FF2B5EF4-FFF2-40B4-BE49-F238E27FC236}">
-                <a16:creationId xmlns:a16="http://schemas.microsoft.com/office/drawing/2014/main" id="{8FB47CA7-FB1F-4070-9752-707FA4B49B99}"/>
-              </a:ext>
-            </a:extLst>
-          </p:cNvPr>
-          <p:cNvSpPr/>
+          <p:cNvPr id="20" name="ZoneTexte 19">
+            <a:extLst>
+              <a:ext uri="{FF2B5EF4-FFF2-40B4-BE49-F238E27FC236}">
+                <a16:creationId xmlns:a16="http://schemas.microsoft.com/office/drawing/2014/main" id="{D5258918-C334-4913-BD7C-C3E6B9D81AF4}"/>
+              </a:ext>
+            </a:extLst>
+          </p:cNvPr>
+          <p:cNvSpPr txBox="1"/>
           <p:nvPr/>
         </p:nvSpPr>
         <p:spPr>
           <a:xfrm>
-            <a:off x="571545" y="2906429"/>
-            <a:ext cx="2562180" cy="1863587"/>
+            <a:off x="1" y="1234184"/>
+            <a:ext cx="3248296" cy="923330"/>
           </a:xfrm>
           <a:prstGeom prst="rect">
             <a:avLst/>
           </a:prstGeom>
           <a:noFill/>
-          <a:ln w="38100">
+        </p:spPr>
+        <p:txBody>
+          <a:bodyPr wrap="square">
+            <a:spAutoFit/>
+          </a:bodyPr>
+          <a:lstStyle/>
+          <a:p>
+            <a:r>
+              <a:rPr lang="fr-FR" i="1" u="none" strike="noStrike" dirty="0">
+                <a:ln>
+                  <a:solidFill>
+                    <a:schemeClr val="bg1"/>
+                  </a:solidFill>
+                </a:ln>
+                <a:solidFill>
+                  <a:schemeClr val="bg1"/>
+                </a:solidFill>
+                <a:effectLst/>
+                <a:latin typeface="docs-Roboto"/>
+              </a:rPr>
+              <a:t>Pour chacun de ces pays, quelle sera l’évolution de ce potentiel de clients ?</a:t>
+            </a:r>
+            <a:endParaRPr lang="fr-FR" i="1" dirty="0">
+              <a:ln>
+                <a:solidFill>
+                  <a:schemeClr val="bg1"/>
+                </a:solidFill>
+              </a:ln>
+              <a:solidFill>
+                <a:schemeClr val="bg1"/>
+              </a:solidFill>
+              <a:latin typeface="Google Sans"/>
+            </a:endParaRPr>
+          </a:p>
+        </p:txBody>
+      </p:sp>
+      <p:sp>
+        <p:nvSpPr>
+          <p:cNvPr id="14" name="Titre 1">
+            <a:extLst>
+              <a:ext uri="{FF2B5EF4-FFF2-40B4-BE49-F238E27FC236}">
+                <a16:creationId xmlns:a16="http://schemas.microsoft.com/office/drawing/2014/main" id="{77134EDB-515B-4308-900E-262C417D5DA6}"/>
+              </a:ext>
+            </a:extLst>
+          </p:cNvPr>
+          <p:cNvSpPr txBox="1">
+            <a:spLocks/>
+          </p:cNvSpPr>
+          <p:nvPr/>
+        </p:nvSpPr>
+        <p:spPr>
+          <a:xfrm>
+            <a:off x="279916" y="432794"/>
+            <a:ext cx="11112333" cy="820048"/>
+          </a:xfrm>
+          <a:prstGeom prst="rect">
+            <a:avLst/>
+          </a:prstGeom>
+        </p:spPr>
+        <p:txBody>
+          <a:bodyPr vert="horz" lIns="91440" tIns="45720" rIns="91440" bIns="45720" rtlCol="0" anchor="ctr">
+            <a:noAutofit/>
+          </a:bodyPr>
+          <a:lstStyle>
+            <a:lvl1pPr algn="l" defTabSz="914400" rtl="0" eaLnBrk="1" latinLnBrk="0" hangingPunct="1">
+              <a:lnSpc>
+                <a:spcPct val="90000"/>
+              </a:lnSpc>
+              <a:spcBef>
+                <a:spcPct val="0"/>
+              </a:spcBef>
+              <a:buNone/>
+              <a:defRPr sz="4400" kern="1200">
+                <a:solidFill>
+                  <a:schemeClr val="tx1"/>
+                </a:solidFill>
+                <a:latin typeface="+mj-lt"/>
+                <a:ea typeface="+mj-ea"/>
+                <a:cs typeface="+mj-cs"/>
+              </a:defRPr>
+            </a:lvl1pPr>
+          </a:lstStyle>
+          <a:p>
+            <a:r>
+              <a:rPr lang="fr-FR" sz="4000" b="1" dirty="0">
+                <a:ln>
+                  <a:solidFill>
+                    <a:srgbClr val="7451EB"/>
+                  </a:solidFill>
+                </a:ln>
+                <a:solidFill>
+                  <a:srgbClr val="7451EB"/>
+                </a:solidFill>
+                <a:latin typeface="Google Sans"/>
+              </a:rPr>
+              <a:t>Pays potentiels </a:t>
+            </a:r>
+            <a:r>
+              <a:rPr lang="fr-FR" sz="2800" i="1" dirty="0">
+                <a:ln>
+                  <a:solidFill>
+                    <a:srgbClr val="7451EB"/>
+                  </a:solidFill>
+                </a:ln>
+                <a:solidFill>
+                  <a:srgbClr val="7451EB"/>
+                </a:solidFill>
+                <a:latin typeface="Google Sans"/>
+              </a:rPr>
+              <a:t>(L’évolution de ce potentiel de clients)</a:t>
+            </a:r>
+            <a:endParaRPr lang="es-419" sz="4000" b="1" dirty="0">
+              <a:ln>
+                <a:solidFill>
+                  <a:srgbClr val="7451EB"/>
+                </a:solidFill>
+              </a:ln>
+              <a:solidFill>
+                <a:srgbClr val="7451EB"/>
+              </a:solidFill>
+              <a:latin typeface="Google Sans"/>
+            </a:endParaRPr>
+          </a:p>
+        </p:txBody>
+      </p:sp>
+      <p:pic>
+        <p:nvPicPr>
+          <p:cNvPr id="6" name="Image 5">
+            <a:extLst>
+              <a:ext uri="{FF2B5EF4-FFF2-40B4-BE49-F238E27FC236}">
+                <a16:creationId xmlns:a16="http://schemas.microsoft.com/office/drawing/2014/main" id="{ADC50DE1-B447-4D10-868B-2BF2873EA3DF}"/>
+              </a:ext>
+            </a:extLst>
+          </p:cNvPr>
+          <p:cNvPicPr>
+            <a:picLocks noChangeAspect="1"/>
+          </p:cNvPicPr>
+          <p:nvPr/>
+        </p:nvPicPr>
+        <p:blipFill>
+          <a:blip r:embed="rId2">
+            <a:extLst>
+              <a:ext uri="{28A0092B-C50C-407E-A947-70E740481C1C}">
+                <a14:useLocalDpi xmlns:a14="http://schemas.microsoft.com/office/drawing/2010/main" val="0"/>
+              </a:ext>
+            </a:extLst>
+          </a:blip>
+          <a:stretch>
+            <a:fillRect/>
+          </a:stretch>
+        </p:blipFill>
+        <p:spPr>
+          <a:xfrm>
+            <a:off x="3643169" y="1252842"/>
+            <a:ext cx="7458711" cy="4972474"/>
+          </a:xfrm>
+          <a:prstGeom prst="rect">
+            <a:avLst/>
+          </a:prstGeom>
+          <a:ln>
+            <a:noFill/>
+          </a:ln>
+          <a:effectLst>
+            <a:outerShdw blurRad="292100" dist="139700" dir="2700000" algn="tl" rotWithShape="0">
+              <a:srgbClr val="333333">
+                <a:alpha val="65000"/>
+              </a:srgbClr>
+            </a:outerShdw>
+          </a:effectLst>
+        </p:spPr>
+      </p:pic>
+    </p:spTree>
+    <p:extLst>
+      <p:ext uri="{BB962C8B-B14F-4D97-AF65-F5344CB8AC3E}">
+        <p14:creationId xmlns:p14="http://schemas.microsoft.com/office/powerpoint/2010/main" val="1389879315"/>
+      </p:ext>
+    </p:extLst>
+  </p:cSld>
+  <p:clrMapOvr>
+    <a:masterClrMapping/>
+  </p:clrMapOvr>
+</p:sld>
+</file>
+
+<file path=ppt/slides/slide18.xml><?xml version="1.0" encoding="utf-8"?>
+<p:sld xmlns:a="http://schemas.openxmlformats.org/drawingml/2006/main" xmlns:r="http://schemas.openxmlformats.org/officeDocument/2006/relationships" xmlns:p="http://schemas.openxmlformats.org/presentationml/2006/main">
+  <p:cSld>
+    <p:spTree>
+      <p:nvGrpSpPr>
+        <p:cNvPr id="1" name=""/>
+        <p:cNvGrpSpPr/>
+        <p:nvPr/>
+      </p:nvGrpSpPr>
+      <p:grpSpPr>
+        <a:xfrm>
+          <a:off x="0" y="0"/>
+          <a:ext cx="0" cy="0"/>
+          <a:chOff x="0" y="0"/>
+          <a:chExt cx="0" cy="0"/>
+        </a:xfrm>
+      </p:grpSpPr>
+      <p:sp>
+        <p:nvSpPr>
+          <p:cNvPr id="49" name="Rectangle 48">
+            <a:extLst>
+              <a:ext uri="{FF2B5EF4-FFF2-40B4-BE49-F238E27FC236}">
+                <a16:creationId xmlns:a16="http://schemas.microsoft.com/office/drawing/2014/main" id="{BC140F3B-FEDA-48DB-B5EE-18F425E8B175}"/>
+              </a:ext>
+            </a:extLst>
+          </p:cNvPr>
+          <p:cNvSpPr/>
+          <p:nvPr/>
+        </p:nvSpPr>
+        <p:spPr>
+          <a:xfrm>
+            <a:off x="0" y="6400273"/>
+            <a:ext cx="12192000" cy="457727"/>
+          </a:xfrm>
+          <a:prstGeom prst="rect">
+            <a:avLst/>
+          </a:prstGeom>
+          <a:solidFill>
+            <a:srgbClr val="7451EB"/>
+          </a:solidFill>
+          <a:ln>
             <a:solidFill>
-              <a:schemeClr val="accent2"/>
+              <a:srgbClr val="7451EB"/>
             </a:solidFill>
-            <a:prstDash val="solid"/>
           </a:ln>
         </p:spPr>
         <p:style>
@@ -11722,106 +12257,16 @@
           <a:lstStyle/>
           <a:p>
             <a:pPr algn="ctr"/>
-            <a:endParaRPr lang="es-419"/>
+            <a:endParaRPr lang="en-US" dirty="0"/>
           </a:p>
         </p:txBody>
       </p:sp>
-      <p:cxnSp>
-        <p:nvCxnSpPr>
-          <p:cNvPr id="43" name="Connecteur droit avec flèche 42">
-            <a:extLst>
-              <a:ext uri="{FF2B5EF4-FFF2-40B4-BE49-F238E27FC236}">
-                <a16:creationId xmlns:a16="http://schemas.microsoft.com/office/drawing/2014/main" id="{D821E19D-2B6C-4D99-A3C4-B0B3F23A58E9}"/>
-              </a:ext>
-            </a:extLst>
-          </p:cNvPr>
-          <p:cNvCxnSpPr>
-            <a:cxnSpLocks/>
-          </p:cNvCxnSpPr>
-          <p:nvPr/>
-        </p:nvCxnSpPr>
-        <p:spPr>
-          <a:xfrm flipH="1">
-            <a:off x="3133725" y="2155963"/>
-            <a:ext cx="985470" cy="750466"/>
-          </a:xfrm>
-          <a:prstGeom prst="straightConnector1">
-            <a:avLst/>
-          </a:prstGeom>
-          <a:ln w="9525">
-            <a:solidFill>
-              <a:schemeClr val="accent2"/>
-            </a:solidFill>
-            <a:headEnd type="none" w="med" len="med"/>
-            <a:tailEnd type="none" w="med" len="med"/>
-          </a:ln>
-        </p:spPr>
-        <p:style>
-          <a:lnRef idx="1">
-            <a:schemeClr val="accent1"/>
-          </a:lnRef>
-          <a:fillRef idx="0">
-            <a:schemeClr val="accent1"/>
-          </a:fillRef>
-          <a:effectRef idx="0">
-            <a:schemeClr val="accent1"/>
-          </a:effectRef>
-          <a:fontRef idx="minor">
-            <a:schemeClr val="tx1"/>
-          </a:fontRef>
-        </p:style>
-      </p:cxnSp>
-      <p:cxnSp>
-        <p:nvCxnSpPr>
-          <p:cNvPr id="44" name="Connecteur droit avec flèche 43">
-            <a:extLst>
-              <a:ext uri="{FF2B5EF4-FFF2-40B4-BE49-F238E27FC236}">
-                <a16:creationId xmlns:a16="http://schemas.microsoft.com/office/drawing/2014/main" id="{C18B4168-FC58-44AA-A017-7A88529A8FC3}"/>
-              </a:ext>
-            </a:extLst>
-          </p:cNvPr>
-          <p:cNvCxnSpPr>
-            <a:cxnSpLocks/>
-          </p:cNvCxnSpPr>
-          <p:nvPr/>
-        </p:nvCxnSpPr>
-        <p:spPr>
-          <a:xfrm flipH="1" flipV="1">
-            <a:off x="3133725" y="4770016"/>
-            <a:ext cx="985470" cy="1145020"/>
-          </a:xfrm>
-          <a:prstGeom prst="straightConnector1">
-            <a:avLst/>
-          </a:prstGeom>
-          <a:ln w="9525">
-            <a:solidFill>
-              <a:schemeClr val="accent2"/>
-            </a:solidFill>
-            <a:headEnd type="none" w="med" len="med"/>
-            <a:tailEnd type="none" w="med" len="med"/>
-          </a:ln>
-        </p:spPr>
-        <p:style>
-          <a:lnRef idx="1">
-            <a:schemeClr val="accent1"/>
-          </a:lnRef>
-          <a:fillRef idx="0">
-            <a:schemeClr val="accent1"/>
-          </a:fillRef>
-          <a:effectRef idx="0">
-            <a:schemeClr val="accent1"/>
-          </a:effectRef>
-          <a:fontRef idx="minor">
-            <a:schemeClr val="tx1"/>
-          </a:fontRef>
-        </p:style>
-      </p:cxnSp>
       <p:sp>
         <p:nvSpPr>
-          <p:cNvPr id="45" name="ZoneTexte 44">
-            <a:extLst>
-              <a:ext uri="{FF2B5EF4-FFF2-40B4-BE49-F238E27FC236}">
-                <a16:creationId xmlns:a16="http://schemas.microsoft.com/office/drawing/2014/main" id="{092BD9AD-B714-492E-BA65-D1027564EB41}"/>
+          <p:cNvPr id="51" name="TextBox 3">
+            <a:extLst>
+              <a:ext uri="{FF2B5EF4-FFF2-40B4-BE49-F238E27FC236}">
+                <a16:creationId xmlns:a16="http://schemas.microsoft.com/office/drawing/2014/main" id="{B9755B8F-D0AB-4F91-A171-D70F2C0C85DF}"/>
               </a:ext>
             </a:extLst>
           </p:cNvPr>
@@ -11830,8 +12275,8 @@
         </p:nvSpPr>
         <p:spPr>
           <a:xfrm>
-            <a:off x="1370904" y="3118630"/>
-            <a:ext cx="1162746" cy="400110"/>
+            <a:off x="10543592" y="6475247"/>
+            <a:ext cx="1648408" cy="307777"/>
           </a:xfrm>
           <a:prstGeom prst="rect">
             <a:avLst/>
@@ -11839,35 +12284,46 @@
           <a:noFill/>
         </p:spPr>
         <p:txBody>
-          <a:bodyPr wrap="square">
+          <a:bodyPr wrap="square" rtlCol="0">
             <a:spAutoFit/>
           </a:bodyPr>
           <a:lstStyle/>
           <a:p>
-            <a:r>
-              <a:rPr lang="es-ES" sz="2000" b="1" strike="noStrike" dirty="0">
-                <a:solidFill>
-                  <a:srgbClr val="008080"/>
-                </a:solidFill>
-                <a:latin typeface="docs-Roboto"/>
+            <a:pPr algn="r"/>
+            <a:r>
+              <a:rPr lang="fr-FR" sz="1400" b="1" i="1" dirty="0" err="1">
+                <a:ln>
+                  <a:solidFill>
+                    <a:schemeClr val="bg1"/>
+                  </a:solidFill>
+                </a:ln>
+                <a:solidFill>
+                  <a:schemeClr val="bg1"/>
+                </a:solidFill>
+                <a:latin typeface="+mj-lt"/>
               </a:rPr>
-              <a:t>La Chine</a:t>
-            </a:r>
-            <a:endParaRPr lang="fr-FR" sz="2000" b="1" strike="noStrike" dirty="0">
+              <a:t>OpenClassrooms</a:t>
+            </a:r>
+            <a:endParaRPr lang="fr-FR" sz="1400" b="1" i="1" dirty="0">
+              <a:ln>
+                <a:solidFill>
+                  <a:schemeClr val="bg1"/>
+                </a:solidFill>
+              </a:ln>
               <a:solidFill>
-                <a:srgbClr val="008080"/>
+                <a:schemeClr val="bg1"/>
               </a:solidFill>
-              <a:latin typeface="docs-Roboto"/>
+              <a:latin typeface="+mj-lt"/>
             </a:endParaRPr>
           </a:p>
         </p:txBody>
       </p:sp>
       <p:sp>
         <p:nvSpPr>
-          <p:cNvPr id="46" name="ZoneTexte 45">
-            <a:extLst>
-              <a:ext uri="{FF2B5EF4-FFF2-40B4-BE49-F238E27FC236}">
-                <a16:creationId xmlns:a16="http://schemas.microsoft.com/office/drawing/2014/main" id="{50C4C90D-BE68-49D7-A9A0-7132BDE05AFC}"/>
+          <p:cNvPr id="9" name="TextBox 3">
+            <a:extLst>
+              <a:ext uri="{FF2B5EF4-FFF2-40B4-BE49-F238E27FC236}">
+                <a16:creationId xmlns:a16="http://schemas.microsoft.com/office/drawing/2014/main" id="{8804ED11-9C3E-478A-BEF5-9AEC21F5715F}"/>
               </a:ext>
             </a:extLst>
           </p:cNvPr>
@@ -11876,8 +12332,8 @@
         </p:nvSpPr>
         <p:spPr>
           <a:xfrm>
-            <a:off x="1370904" y="3640749"/>
-            <a:ext cx="1000044" cy="707886"/>
+            <a:off x="0" y="6475247"/>
+            <a:ext cx="4438395" cy="307777"/>
           </a:xfrm>
           <a:prstGeom prst="rect">
             <a:avLst/>
@@ -11885,313 +12341,59 @@
           <a:noFill/>
         </p:spPr>
         <p:txBody>
-          <a:bodyPr wrap="square">
+          <a:bodyPr wrap="square" rtlCol="0">
             <a:spAutoFit/>
           </a:bodyPr>
           <a:lstStyle/>
           <a:p>
             <a:r>
-              <a:rPr lang="es-ES" sz="2000" b="1" dirty="0" err="1">
-                <a:solidFill>
-                  <a:srgbClr val="008080"/>
-                </a:solidFill>
-                <a:latin typeface="docs-Roboto"/>
+              <a:rPr lang="es-CO" sz="1400" b="1" dirty="0">
+                <a:ln>
+                  <a:solidFill>
+                    <a:schemeClr val="bg1"/>
+                  </a:solidFill>
+                </a:ln>
+                <a:solidFill>
+                  <a:schemeClr val="bg1"/>
+                </a:solidFill>
+                <a:latin typeface="+mj-lt"/>
               </a:rPr>
-              <a:t>L</a:t>
-            </a:r>
-            <a:r>
-              <a:rPr lang="es-ES" sz="2000" b="1" strike="noStrike" dirty="0" err="1">
-                <a:solidFill>
-                  <a:srgbClr val="008080"/>
-                </a:solidFill>
-                <a:latin typeface="docs-Roboto"/>
+              <a:t>Project 2 - </a:t>
+            </a:r>
+            <a:r>
+              <a:rPr lang="fr-FR" sz="1400" b="1" dirty="0">
+                <a:ln>
+                  <a:solidFill>
+                    <a:schemeClr val="bg1"/>
+                  </a:solidFill>
+                </a:ln>
+                <a:solidFill>
+                  <a:schemeClr val="bg1"/>
+                </a:solidFill>
+                <a:latin typeface="+mj-lt"/>
               </a:rPr>
-              <a:t>'Inde</a:t>
-            </a:r>
-            <a:endParaRPr lang="es-ES" sz="2000" b="1" strike="noStrike" dirty="0">
+              <a:t> Analyse des données de systèmes éducatifs </a:t>
+            </a:r>
+            <a:endParaRPr lang="en-US" sz="1400" b="1" dirty="0">
+              <a:ln>
+                <a:solidFill>
+                  <a:schemeClr val="bg1"/>
+                </a:solidFill>
+              </a:ln>
               <a:solidFill>
-                <a:srgbClr val="008080"/>
+                <a:schemeClr val="bg1"/>
               </a:solidFill>
-              <a:latin typeface="docs-Roboto"/>
-            </a:endParaRPr>
-          </a:p>
-          <a:p>
-            <a:endParaRPr lang="fr-FR" sz="2000" b="1" strike="noStrike" dirty="0">
-              <a:solidFill>
-                <a:srgbClr val="008080"/>
-              </a:solidFill>
-              <a:latin typeface="docs-Roboto"/>
+              <a:latin typeface="+mj-lt"/>
             </a:endParaRPr>
           </a:p>
         </p:txBody>
       </p:sp>
       <p:sp>
         <p:nvSpPr>
-          <p:cNvPr id="47" name="ZoneTexte 46">
-            <a:extLst>
-              <a:ext uri="{FF2B5EF4-FFF2-40B4-BE49-F238E27FC236}">
-                <a16:creationId xmlns:a16="http://schemas.microsoft.com/office/drawing/2014/main" id="{A84DEDDE-A872-435C-9607-E15EF26063F8}"/>
-              </a:ext>
-            </a:extLst>
-          </p:cNvPr>
-          <p:cNvSpPr txBox="1"/>
-          <p:nvPr/>
-        </p:nvSpPr>
-        <p:spPr>
-          <a:xfrm>
-            <a:off x="1370904" y="4157704"/>
-            <a:ext cx="1650968" cy="400110"/>
-          </a:xfrm>
-          <a:prstGeom prst="rect">
-            <a:avLst/>
-          </a:prstGeom>
-          <a:noFill/>
-        </p:spPr>
-        <p:txBody>
-          <a:bodyPr wrap="square">
-            <a:spAutoFit/>
-          </a:bodyPr>
-          <a:lstStyle/>
-          <a:p>
-            <a:r>
-              <a:rPr lang="es-ES" sz="2000" b="1" strike="noStrike" dirty="0">
-                <a:solidFill>
-                  <a:srgbClr val="008080"/>
-                </a:solidFill>
-                <a:latin typeface="docs-Roboto"/>
-              </a:rPr>
-              <a:t>Les </a:t>
-            </a:r>
-            <a:r>
-              <a:rPr lang="es-ES" sz="2000" b="1" strike="noStrike" dirty="0" err="1">
-                <a:solidFill>
-                  <a:srgbClr val="008080"/>
-                </a:solidFill>
-                <a:latin typeface="docs-Roboto"/>
-              </a:rPr>
-              <a:t>États-Unis</a:t>
-            </a:r>
-            <a:r>
-              <a:rPr lang="es-ES" sz="2000" b="1" strike="noStrike" dirty="0">
-                <a:solidFill>
-                  <a:srgbClr val="008080"/>
-                </a:solidFill>
-                <a:latin typeface="docs-Roboto"/>
-              </a:rPr>
-              <a:t> </a:t>
-            </a:r>
-            <a:endParaRPr lang="fr-FR" sz="2000" b="1" strike="noStrike" dirty="0">
-              <a:solidFill>
-                <a:srgbClr val="008080"/>
-              </a:solidFill>
-              <a:latin typeface="docs-Roboto"/>
-            </a:endParaRPr>
-          </a:p>
-        </p:txBody>
-      </p:sp>
-      <p:pic>
-        <p:nvPicPr>
-          <p:cNvPr id="48" name="Image 47">
-            <a:extLst>
-              <a:ext uri="{FF2B5EF4-FFF2-40B4-BE49-F238E27FC236}">
-                <a16:creationId xmlns:a16="http://schemas.microsoft.com/office/drawing/2014/main" id="{4CC8C9B7-10EB-4078-9CC9-44547C6F364D}"/>
-              </a:ext>
-            </a:extLst>
-          </p:cNvPr>
-          <p:cNvPicPr>
-            <a:picLocks noChangeAspect="1"/>
-          </p:cNvPicPr>
-          <p:nvPr/>
-        </p:nvPicPr>
-        <p:blipFill>
-          <a:blip r:embed="rId3">
-            <a:extLst>
-              <a:ext uri="{28A0092B-C50C-407E-A947-70E740481C1C}">
-                <a14:useLocalDpi xmlns:a14="http://schemas.microsoft.com/office/drawing/2010/main" val="0"/>
-              </a:ext>
-            </a:extLst>
-          </a:blip>
-          <a:stretch>
-            <a:fillRect/>
-          </a:stretch>
-        </p:blipFill>
-        <p:spPr>
-          <a:xfrm>
-            <a:off x="744627" y="3534804"/>
-            <a:ext cx="612000" cy="612000"/>
-          </a:xfrm>
-          <a:prstGeom prst="rect">
-            <a:avLst/>
-          </a:prstGeom>
-        </p:spPr>
-      </p:pic>
-      <p:pic>
-        <p:nvPicPr>
-          <p:cNvPr id="52" name="Image 51">
-            <a:extLst>
-              <a:ext uri="{FF2B5EF4-FFF2-40B4-BE49-F238E27FC236}">
-                <a16:creationId xmlns:a16="http://schemas.microsoft.com/office/drawing/2014/main" id="{E9678F34-68A3-49E2-BA1B-6AF13F4EA9D0}"/>
-              </a:ext>
-            </a:extLst>
-          </p:cNvPr>
-          <p:cNvPicPr>
-            <a:picLocks noChangeAspect="1"/>
-          </p:cNvPicPr>
-          <p:nvPr/>
-        </p:nvPicPr>
-        <p:blipFill>
-          <a:blip r:embed="rId4">
-            <a:extLst>
-              <a:ext uri="{28A0092B-C50C-407E-A947-70E740481C1C}">
-                <a14:useLocalDpi xmlns:a14="http://schemas.microsoft.com/office/drawing/2010/main" val="0"/>
-              </a:ext>
-            </a:extLst>
-          </a:blip>
-          <a:stretch>
-            <a:fillRect/>
-          </a:stretch>
-        </p:blipFill>
-        <p:spPr>
-          <a:xfrm>
-            <a:off x="744627" y="3012685"/>
-            <a:ext cx="612000" cy="612000"/>
-          </a:xfrm>
-          <a:prstGeom prst="rect">
-            <a:avLst/>
-          </a:prstGeom>
-        </p:spPr>
-      </p:pic>
-      <p:pic>
-        <p:nvPicPr>
-          <p:cNvPr id="53" name="Image 52">
-            <a:extLst>
-              <a:ext uri="{FF2B5EF4-FFF2-40B4-BE49-F238E27FC236}">
-                <a16:creationId xmlns:a16="http://schemas.microsoft.com/office/drawing/2014/main" id="{ADFB3A6F-ADA8-4B3B-9218-D7C9262AEAFF}"/>
-              </a:ext>
-            </a:extLst>
-          </p:cNvPr>
-          <p:cNvPicPr>
-            <a:picLocks noChangeAspect="1"/>
-          </p:cNvPicPr>
-          <p:nvPr/>
-        </p:nvPicPr>
-        <p:blipFill>
-          <a:blip r:embed="rId5">
-            <a:extLst>
-              <a:ext uri="{28A0092B-C50C-407E-A947-70E740481C1C}">
-                <a14:useLocalDpi xmlns:a14="http://schemas.microsoft.com/office/drawing/2010/main" val="0"/>
-              </a:ext>
-            </a:extLst>
-          </a:blip>
-          <a:stretch>
-            <a:fillRect/>
-          </a:stretch>
-        </p:blipFill>
-        <p:spPr>
-          <a:xfrm>
-            <a:off x="744627" y="4051759"/>
-            <a:ext cx="612000" cy="612000"/>
-          </a:xfrm>
-          <a:prstGeom prst="rect">
-            <a:avLst/>
-          </a:prstGeom>
-        </p:spPr>
-      </p:pic>
-      <p:sp>
-        <p:nvSpPr>
-          <p:cNvPr id="54" name="Titre 1">
-            <a:extLst>
-              <a:ext uri="{FF2B5EF4-FFF2-40B4-BE49-F238E27FC236}">
-                <a16:creationId xmlns:a16="http://schemas.microsoft.com/office/drawing/2014/main" id="{52318C9E-D931-4D39-9D73-8574601E23ED}"/>
-              </a:ext>
-            </a:extLst>
-          </p:cNvPr>
-          <p:cNvSpPr txBox="1">
-            <a:spLocks/>
-          </p:cNvSpPr>
-          <p:nvPr/>
-        </p:nvSpPr>
-        <p:spPr>
-          <a:xfrm>
-            <a:off x="279916" y="432794"/>
-            <a:ext cx="11112333" cy="820048"/>
-          </a:xfrm>
-          <a:prstGeom prst="rect">
-            <a:avLst/>
-          </a:prstGeom>
-        </p:spPr>
-        <p:txBody>
-          <a:bodyPr vert="horz" lIns="91440" tIns="45720" rIns="91440" bIns="45720" rtlCol="0" anchor="ctr">
-            <a:noAutofit/>
-          </a:bodyPr>
-          <a:lstStyle>
-            <a:lvl1pPr algn="l" defTabSz="914400" rtl="0" eaLnBrk="1" latinLnBrk="0" hangingPunct="1">
-              <a:lnSpc>
-                <a:spcPct val="90000"/>
-              </a:lnSpc>
-              <a:spcBef>
-                <a:spcPct val="0"/>
-              </a:spcBef>
-              <a:buNone/>
-              <a:defRPr sz="4400" kern="1200">
-                <a:solidFill>
-                  <a:schemeClr val="tx1"/>
-                </a:solidFill>
-                <a:latin typeface="+mj-lt"/>
-                <a:ea typeface="+mj-ea"/>
-                <a:cs typeface="+mj-cs"/>
-              </a:defRPr>
-            </a:lvl1pPr>
-          </a:lstStyle>
-          <a:p>
-            <a:r>
-              <a:rPr lang="fr-FR" sz="4000" b="1" dirty="0">
-                <a:ln>
-                  <a:solidFill>
-                    <a:srgbClr val="7451EB"/>
-                  </a:solidFill>
-                </a:ln>
-                <a:solidFill>
-                  <a:srgbClr val="7451EB"/>
-                </a:solidFill>
-                <a:latin typeface="Google Sans"/>
-              </a:rPr>
-              <a:t>Pays potentiels </a:t>
-            </a:r>
-            <a:r>
-              <a:rPr lang="fr-FR" sz="2800" i="1" dirty="0">
-                <a:ln>
-                  <a:solidFill>
-                    <a:srgbClr val="7451EB"/>
-                  </a:solidFill>
-                </a:ln>
-                <a:solidFill>
-                  <a:srgbClr val="7451EB"/>
-                </a:solidFill>
-                <a:latin typeface="Google Sans"/>
-              </a:rPr>
-              <a:t>(Score par pays)</a:t>
-            </a:r>
-            <a:endParaRPr lang="es-419" sz="4000" b="1" dirty="0">
-              <a:ln>
-                <a:solidFill>
-                  <a:srgbClr val="7451EB"/>
-                </a:solidFill>
-              </a:ln>
-              <a:solidFill>
-                <a:srgbClr val="7451EB"/>
-              </a:solidFill>
-              <a:latin typeface="Google Sans"/>
-            </a:endParaRPr>
-          </a:p>
-        </p:txBody>
-      </p:sp>
-      <p:sp>
-        <p:nvSpPr>
-          <p:cNvPr id="20" name="Rectangle 19">
-            <a:extLst>
-              <a:ext uri="{FF2B5EF4-FFF2-40B4-BE49-F238E27FC236}">
-                <a16:creationId xmlns:a16="http://schemas.microsoft.com/office/drawing/2014/main" id="{EB915DA7-6B75-4568-8DFF-01F286CB5827}"/>
+          <p:cNvPr id="13" name="Rectángulo 4">
+            <a:extLst>
+              <a:ext uri="{FF2B5EF4-FFF2-40B4-BE49-F238E27FC236}">
+                <a16:creationId xmlns:a16="http://schemas.microsoft.com/office/drawing/2014/main" id="{74AB9722-099A-46BE-924E-3B502890BF1C}"/>
               </a:ext>
             </a:extLst>
           </p:cNvPr>
@@ -12200,18 +12402,18 @@
         </p:nvSpPr>
         <p:spPr>
           <a:xfrm>
-            <a:off x="0" y="1218795"/>
-            <a:ext cx="5660571" cy="400110"/>
+            <a:off x="377906" y="378794"/>
+            <a:ext cx="366721" cy="54000"/>
           </a:xfrm>
           <a:prstGeom prst="rect">
             <a:avLst/>
           </a:prstGeom>
           <a:solidFill>
-            <a:srgbClr val="70AD47"/>
+            <a:srgbClr val="7451EB"/>
           </a:solidFill>
           <a:ln>
             <a:solidFill>
-              <a:srgbClr val="70AD47"/>
+              <a:srgbClr val="7451EB"/>
             </a:solidFill>
           </a:ln>
         </p:spPr>
@@ -12236,14 +12438,14 @@
           <a:lstStyle/>
           <a:p>
             <a:pPr algn="ctr"/>
-            <a:endParaRPr lang="en-US" dirty="0">
+            <a:endParaRPr lang="es-AR" dirty="0">
               <a:ln>
                 <a:solidFill>
-                  <a:srgbClr val="70AD47"/>
+                  <a:srgbClr val="7451EB"/>
                 </a:solidFill>
               </a:ln>
               <a:solidFill>
-                <a:srgbClr val="70AD47"/>
+                <a:srgbClr val="7451EB"/>
               </a:solidFill>
             </a:endParaRPr>
           </a:p>
@@ -12251,65 +12453,137 @@
       </p:sp>
       <p:sp>
         <p:nvSpPr>
-          <p:cNvPr id="21" name="ZoneTexte 20">
-            <a:extLst>
-              <a:ext uri="{FF2B5EF4-FFF2-40B4-BE49-F238E27FC236}">
-                <a16:creationId xmlns:a16="http://schemas.microsoft.com/office/drawing/2014/main" id="{524FDA3C-F7AD-4F51-BFA9-43A6D52E2C20}"/>
-              </a:ext>
-            </a:extLst>
-          </p:cNvPr>
-          <p:cNvSpPr txBox="1"/>
+          <p:cNvPr id="14" name="Titre 1">
+            <a:extLst>
+              <a:ext uri="{FF2B5EF4-FFF2-40B4-BE49-F238E27FC236}">
+                <a16:creationId xmlns:a16="http://schemas.microsoft.com/office/drawing/2014/main" id="{77134EDB-515B-4308-900E-262C417D5DA6}"/>
+              </a:ext>
+            </a:extLst>
+          </p:cNvPr>
+          <p:cNvSpPr txBox="1">
+            <a:spLocks/>
+          </p:cNvSpPr>
           <p:nvPr/>
         </p:nvSpPr>
         <p:spPr>
           <a:xfrm>
-            <a:off x="1" y="1234184"/>
-            <a:ext cx="5564776" cy="369332"/>
+            <a:off x="279916" y="432794"/>
+            <a:ext cx="11112333" cy="820048"/>
           </a:xfrm>
           <a:prstGeom prst="rect">
             <a:avLst/>
           </a:prstGeom>
-          <a:noFill/>
         </p:spPr>
         <p:txBody>
-          <a:bodyPr wrap="square">
-            <a:spAutoFit/>
+          <a:bodyPr vert="horz" lIns="91440" tIns="45720" rIns="91440" bIns="45720" rtlCol="0" anchor="ctr">
+            <a:noAutofit/>
           </a:bodyPr>
-          <a:lstStyle/>
-          <a:p>
-            <a:r>
-              <a:rPr lang="fr-FR" i="1" u="none" strike="noStrike" dirty="0">
+          <a:lstStyle>
+            <a:lvl1pPr algn="l" defTabSz="914400" rtl="0" eaLnBrk="1" latinLnBrk="0" hangingPunct="1">
+              <a:lnSpc>
+                <a:spcPct val="90000"/>
+              </a:lnSpc>
+              <a:spcBef>
+                <a:spcPct val="0"/>
+              </a:spcBef>
+              <a:buNone/>
+              <a:defRPr sz="4400" kern="1200">
+                <a:solidFill>
+                  <a:schemeClr val="tx1"/>
+                </a:solidFill>
+                <a:latin typeface="+mj-lt"/>
+                <a:ea typeface="+mj-ea"/>
+                <a:cs typeface="+mj-cs"/>
+              </a:defRPr>
+            </a:lvl1pPr>
+          </a:lstStyle>
+          <a:p>
+            <a:r>
+              <a:rPr lang="fr-FR" sz="4000" b="1" dirty="0">
                 <a:ln>
                   <a:solidFill>
-                    <a:schemeClr val="bg1"/>
+                    <a:srgbClr val="7451EB"/>
                   </a:solidFill>
                 </a:ln>
                 <a:solidFill>
-                  <a:schemeClr val="bg1"/>
-                </a:solidFill>
-                <a:effectLst/>
-                <a:latin typeface="docs-Roboto"/>
+                  <a:srgbClr val="7451EB"/>
+                </a:solidFill>
+                <a:latin typeface="Google Sans"/>
               </a:rPr>
-              <a:t>Dans quels pays l'entreprise doit-elle opérer en priorité ?</a:t>
-            </a:r>
-            <a:endParaRPr lang="fr-FR" i="1" dirty="0">
+              <a:t>Pays potentiels </a:t>
+            </a:r>
+            <a:r>
+              <a:rPr lang="fr-FR" sz="2800" i="1" dirty="0">
+                <a:ln>
+                  <a:solidFill>
+                    <a:srgbClr val="7451EB"/>
+                  </a:solidFill>
+                </a:ln>
+                <a:solidFill>
+                  <a:srgbClr val="7451EB"/>
+                </a:solidFill>
+                <a:latin typeface="Google Sans"/>
+              </a:rPr>
+              <a:t>(L’évolution de L’Internet)</a:t>
+            </a:r>
+            <a:endParaRPr lang="es-419" sz="4000" b="1" dirty="0">
               <a:ln>
                 <a:solidFill>
-                  <a:schemeClr val="bg1"/>
+                  <a:srgbClr val="7451EB"/>
                 </a:solidFill>
               </a:ln>
               <a:solidFill>
-                <a:schemeClr val="bg1"/>
+                <a:srgbClr val="7451EB"/>
               </a:solidFill>
               <a:latin typeface="Google Sans"/>
             </a:endParaRPr>
           </a:p>
         </p:txBody>
       </p:sp>
+      <p:pic>
+        <p:nvPicPr>
+          <p:cNvPr id="11" name="Image 10">
+            <a:extLst>
+              <a:ext uri="{FF2B5EF4-FFF2-40B4-BE49-F238E27FC236}">
+                <a16:creationId xmlns:a16="http://schemas.microsoft.com/office/drawing/2014/main" id="{BA2C6227-6719-4932-9619-1E0E9D091072}"/>
+              </a:ext>
+            </a:extLst>
+          </p:cNvPr>
+          <p:cNvPicPr>
+            <a:picLocks noChangeAspect="1"/>
+          </p:cNvPicPr>
+          <p:nvPr/>
+        </p:nvPicPr>
+        <p:blipFill>
+          <a:blip r:embed="rId2"/>
+          <a:stretch>
+            <a:fillRect/>
+          </a:stretch>
+        </p:blipFill>
+        <p:spPr>
+          <a:xfrm>
+            <a:off x="1645921" y="1133562"/>
+            <a:ext cx="9033404" cy="5119192"/>
+          </a:xfrm>
+          <a:prstGeom prst="rect">
+            <a:avLst/>
+          </a:prstGeom>
+          <a:ln>
+            <a:noFill/>
+          </a:ln>
+          <a:effectLst>
+            <a:outerShdw blurRad="292100" dist="139700" dir="2700000" algn="tl" rotWithShape="0">
+              <a:srgbClr val="333333">
+                <a:alpha val="65000"/>
+              </a:srgbClr>
+            </a:outerShdw>
+          </a:effectLst>
+        </p:spPr>
+      </p:pic>
     </p:spTree>
     <p:extLst>
       <p:ext uri="{BB962C8B-B14F-4D97-AF65-F5344CB8AC3E}">
-        <p14:creationId xmlns:p14="http://schemas.microsoft.com/office/powerpoint/2010/main" val="695683725"/>
+        <p14:creationId xmlns:p14="http://schemas.microsoft.com/office/powerpoint/2010/main" val="3887561813"/>
       </p:ext>
     </p:extLst>
   </p:cSld>
@@ -12319,7 +12593,7 @@
 </p:sld>
 </file>
 
-<file path=ppt/slides/slide18.xml><?xml version="1.0" encoding="utf-8"?>
+<file path=ppt/slides/slide19.xml><?xml version="1.0" encoding="utf-8"?>
 <p:sld xmlns:a="http://schemas.openxmlformats.org/drawingml/2006/main" xmlns:r="http://schemas.openxmlformats.org/officeDocument/2006/relationships" xmlns:p="http://schemas.openxmlformats.org/presentationml/2006/main">
   <p:cSld>
     <p:bg>
@@ -13098,1021 +13372,6 @@
     <p:extLst>
       <p:ext uri="{BB962C8B-B14F-4D97-AF65-F5344CB8AC3E}">
         <p14:creationId xmlns:p14="http://schemas.microsoft.com/office/powerpoint/2010/main" val="3190185224"/>
-      </p:ext>
-    </p:extLst>
-  </p:cSld>
-  <p:clrMapOvr>
-    <a:masterClrMapping/>
-  </p:clrMapOvr>
-</p:sld>
-</file>
-
-<file path=ppt/slides/slide19.xml><?xml version="1.0" encoding="utf-8"?>
-<p:sld xmlns:a="http://schemas.openxmlformats.org/drawingml/2006/main" xmlns:r="http://schemas.openxmlformats.org/officeDocument/2006/relationships" xmlns:p="http://schemas.openxmlformats.org/presentationml/2006/main">
-  <p:cSld>
-    <p:spTree>
-      <p:nvGrpSpPr>
-        <p:cNvPr id="1" name=""/>
-        <p:cNvGrpSpPr/>
-        <p:nvPr/>
-      </p:nvGrpSpPr>
-      <p:grpSpPr>
-        <a:xfrm>
-          <a:off x="0" y="0"/>
-          <a:ext cx="0" cy="0"/>
-          <a:chOff x="0" y="0"/>
-          <a:chExt cx="0" cy="0"/>
-        </a:xfrm>
-      </p:grpSpPr>
-      <p:sp>
-        <p:nvSpPr>
-          <p:cNvPr id="5" name="Rectangle 4">
-            <a:extLst>
-              <a:ext uri="{FF2B5EF4-FFF2-40B4-BE49-F238E27FC236}">
-                <a16:creationId xmlns:a16="http://schemas.microsoft.com/office/drawing/2014/main" id="{A00233D2-38CE-441F-90C9-32F91999758A}"/>
-              </a:ext>
-            </a:extLst>
-          </p:cNvPr>
-          <p:cNvSpPr/>
-          <p:nvPr/>
-        </p:nvSpPr>
-        <p:spPr>
-          <a:xfrm>
-            <a:off x="0" y="6400273"/>
-            <a:ext cx="12192000" cy="457727"/>
-          </a:xfrm>
-          <a:prstGeom prst="rect">
-            <a:avLst/>
-          </a:prstGeom>
-          <a:solidFill>
-            <a:srgbClr val="7451EB"/>
-          </a:solidFill>
-          <a:ln>
-            <a:solidFill>
-              <a:srgbClr val="7451EB"/>
-            </a:solidFill>
-          </a:ln>
-        </p:spPr>
-        <p:style>
-          <a:lnRef idx="2">
-            <a:schemeClr val="accent1">
-              <a:shade val="50000"/>
-            </a:schemeClr>
-          </a:lnRef>
-          <a:fillRef idx="1">
-            <a:schemeClr val="accent1"/>
-          </a:fillRef>
-          <a:effectRef idx="0">
-            <a:schemeClr val="accent1"/>
-          </a:effectRef>
-          <a:fontRef idx="minor">
-            <a:schemeClr val="lt1"/>
-          </a:fontRef>
-        </p:style>
-        <p:txBody>
-          <a:bodyPr rtlCol="0" anchor="ctr"/>
-          <a:lstStyle/>
-          <a:p>
-            <a:pPr algn="ctr"/>
-            <a:endParaRPr lang="en-US" dirty="0"/>
-          </a:p>
-        </p:txBody>
-      </p:sp>
-      <p:sp>
-        <p:nvSpPr>
-          <p:cNvPr id="15" name="TextBox 3">
-            <a:extLst>
-              <a:ext uri="{FF2B5EF4-FFF2-40B4-BE49-F238E27FC236}">
-                <a16:creationId xmlns:a16="http://schemas.microsoft.com/office/drawing/2014/main" id="{47FC2DCC-BDE9-485D-AF79-4177B5479110}"/>
-              </a:ext>
-            </a:extLst>
-          </p:cNvPr>
-          <p:cNvSpPr txBox="1"/>
-          <p:nvPr/>
-        </p:nvSpPr>
-        <p:spPr>
-          <a:xfrm>
-            <a:off x="10543592" y="6475247"/>
-            <a:ext cx="1648408" cy="307777"/>
-          </a:xfrm>
-          <a:prstGeom prst="rect">
-            <a:avLst/>
-          </a:prstGeom>
-          <a:noFill/>
-        </p:spPr>
-        <p:txBody>
-          <a:bodyPr wrap="square" rtlCol="0">
-            <a:spAutoFit/>
-          </a:bodyPr>
-          <a:lstStyle/>
-          <a:p>
-            <a:pPr algn="r"/>
-            <a:r>
-              <a:rPr lang="es-CO" sz="1400" b="1" i="1" dirty="0" err="1">
-                <a:ln>
-                  <a:solidFill>
-                    <a:schemeClr val="bg1"/>
-                  </a:solidFill>
-                </a:ln>
-                <a:solidFill>
-                  <a:schemeClr val="bg1"/>
-                </a:solidFill>
-                <a:latin typeface="+mj-lt"/>
-              </a:rPr>
-              <a:t>OpenClassrooms</a:t>
-            </a:r>
-            <a:endParaRPr lang="en-US" sz="1400" b="1" i="1" dirty="0">
-              <a:ln>
-                <a:solidFill>
-                  <a:schemeClr val="bg1"/>
-                </a:solidFill>
-              </a:ln>
-              <a:solidFill>
-                <a:schemeClr val="bg1"/>
-              </a:solidFill>
-              <a:latin typeface="+mj-lt"/>
-            </a:endParaRPr>
-          </a:p>
-        </p:txBody>
-      </p:sp>
-      <p:sp>
-        <p:nvSpPr>
-          <p:cNvPr id="10" name="Titre 1">
-            <a:extLst>
-              <a:ext uri="{FF2B5EF4-FFF2-40B4-BE49-F238E27FC236}">
-                <a16:creationId xmlns:a16="http://schemas.microsoft.com/office/drawing/2014/main" id="{224E5C7D-3656-459F-9C01-61200508167F}"/>
-              </a:ext>
-            </a:extLst>
-          </p:cNvPr>
-          <p:cNvSpPr txBox="1">
-            <a:spLocks/>
-          </p:cNvSpPr>
-          <p:nvPr/>
-        </p:nvSpPr>
-        <p:spPr>
-          <a:xfrm>
-            <a:off x="279916" y="432794"/>
-            <a:ext cx="11112333" cy="820048"/>
-          </a:xfrm>
-          <a:prstGeom prst="rect">
-            <a:avLst/>
-          </a:prstGeom>
-        </p:spPr>
-        <p:txBody>
-          <a:bodyPr vert="horz" lIns="91440" tIns="45720" rIns="91440" bIns="45720" rtlCol="0" anchor="ctr">
-            <a:noAutofit/>
-          </a:bodyPr>
-          <a:lstStyle>
-            <a:lvl1pPr algn="l" defTabSz="914400" rtl="0" eaLnBrk="1" latinLnBrk="0" hangingPunct="1">
-              <a:lnSpc>
-                <a:spcPct val="90000"/>
-              </a:lnSpc>
-              <a:spcBef>
-                <a:spcPct val="0"/>
-              </a:spcBef>
-              <a:buNone/>
-              <a:defRPr sz="4400" kern="1200">
-                <a:solidFill>
-                  <a:schemeClr val="tx1"/>
-                </a:solidFill>
-                <a:latin typeface="+mj-lt"/>
-                <a:ea typeface="+mj-ea"/>
-                <a:cs typeface="+mj-cs"/>
-              </a:defRPr>
-            </a:lvl1pPr>
-          </a:lstStyle>
-          <a:p>
-            <a:r>
-              <a:rPr lang="fr-FR" sz="4000" b="1" dirty="0">
-                <a:ln>
-                  <a:solidFill>
-                    <a:srgbClr val="7451EB"/>
-                  </a:solidFill>
-                </a:ln>
-                <a:solidFill>
-                  <a:srgbClr val="7451EB"/>
-                </a:solidFill>
-                <a:latin typeface="Google Sans"/>
-              </a:rPr>
-              <a:t>La pertinence du jeu de données</a:t>
-            </a:r>
-            <a:endParaRPr lang="es-419" sz="4000" b="1" u="sng" dirty="0">
-              <a:ln>
-                <a:solidFill>
-                  <a:srgbClr val="7451EB"/>
-                </a:solidFill>
-              </a:ln>
-              <a:solidFill>
-                <a:srgbClr val="7451EB"/>
-              </a:solidFill>
-              <a:effectLst>
-                <a:outerShdw blurRad="38100" dist="38100" dir="2700000" algn="tl">
-                  <a:srgbClr val="000000">
-                    <a:alpha val="43137"/>
-                  </a:srgbClr>
-                </a:outerShdw>
-              </a:effectLst>
-            </a:endParaRPr>
-          </a:p>
-        </p:txBody>
-      </p:sp>
-      <p:sp>
-        <p:nvSpPr>
-          <p:cNvPr id="11" name="Rectángulo 4">
-            <a:extLst>
-              <a:ext uri="{FF2B5EF4-FFF2-40B4-BE49-F238E27FC236}">
-                <a16:creationId xmlns:a16="http://schemas.microsoft.com/office/drawing/2014/main" id="{B84F0FDC-2C73-4C87-9CC7-F9F129B3A699}"/>
-              </a:ext>
-            </a:extLst>
-          </p:cNvPr>
-          <p:cNvSpPr/>
-          <p:nvPr/>
-        </p:nvSpPr>
-        <p:spPr>
-          <a:xfrm>
-            <a:off x="377906" y="378794"/>
-            <a:ext cx="366721" cy="54000"/>
-          </a:xfrm>
-          <a:prstGeom prst="rect">
-            <a:avLst/>
-          </a:prstGeom>
-          <a:solidFill>
-            <a:srgbClr val="7451EB"/>
-          </a:solidFill>
-          <a:ln>
-            <a:solidFill>
-              <a:srgbClr val="7451EB"/>
-            </a:solidFill>
-          </a:ln>
-        </p:spPr>
-        <p:style>
-          <a:lnRef idx="2">
-            <a:schemeClr val="accent1">
-              <a:shade val="50000"/>
-            </a:schemeClr>
-          </a:lnRef>
-          <a:fillRef idx="1">
-            <a:schemeClr val="accent1"/>
-          </a:fillRef>
-          <a:effectRef idx="0">
-            <a:schemeClr val="accent1"/>
-          </a:effectRef>
-          <a:fontRef idx="minor">
-            <a:schemeClr val="lt1"/>
-          </a:fontRef>
-        </p:style>
-        <p:txBody>
-          <a:bodyPr rtlCol="0" anchor="ctr"/>
-          <a:lstStyle/>
-          <a:p>
-            <a:pPr algn="ctr"/>
-            <a:endParaRPr lang="es-AR">
-              <a:ln>
-                <a:solidFill>
-                  <a:srgbClr val="7451EB"/>
-                </a:solidFill>
-              </a:ln>
-              <a:solidFill>
-                <a:srgbClr val="7451EB"/>
-              </a:solidFill>
-            </a:endParaRPr>
-          </a:p>
-        </p:txBody>
-      </p:sp>
-      <p:sp>
-        <p:nvSpPr>
-          <p:cNvPr id="54" name="ZoneTexte 53">
-            <a:extLst>
-              <a:ext uri="{FF2B5EF4-FFF2-40B4-BE49-F238E27FC236}">
-                <a16:creationId xmlns:a16="http://schemas.microsoft.com/office/drawing/2014/main" id="{A405F446-F75C-4715-9DCF-799EF03FFD88}"/>
-              </a:ext>
-            </a:extLst>
-          </p:cNvPr>
-          <p:cNvSpPr txBox="1"/>
-          <p:nvPr/>
-        </p:nvSpPr>
-        <p:spPr>
-          <a:xfrm>
-            <a:off x="844895" y="1620987"/>
-            <a:ext cx="7082953" cy="400110"/>
-          </a:xfrm>
-          <a:prstGeom prst="rect">
-            <a:avLst/>
-          </a:prstGeom>
-          <a:noFill/>
-        </p:spPr>
-        <p:txBody>
-          <a:bodyPr wrap="square">
-            <a:spAutoFit/>
-          </a:bodyPr>
-          <a:lstStyle/>
-          <a:p>
-            <a:r>
-              <a:rPr lang="es-419" sz="2000" dirty="0" err="1"/>
-              <a:t>Certains</a:t>
-            </a:r>
-            <a:r>
-              <a:rPr lang="es-419" sz="2000" dirty="0"/>
-              <a:t> </a:t>
-            </a:r>
-            <a:r>
-              <a:rPr lang="es-419" sz="2000" dirty="0" err="1"/>
-              <a:t>datasets</a:t>
-            </a:r>
-            <a:r>
-              <a:rPr lang="es-419" sz="2000" dirty="0"/>
-              <a:t> </a:t>
-            </a:r>
-            <a:r>
-              <a:rPr lang="es-419" sz="2000" dirty="0" err="1"/>
-              <a:t>n'ajoutent</a:t>
-            </a:r>
-            <a:r>
-              <a:rPr lang="es-419" sz="2000" dirty="0"/>
-              <a:t> </a:t>
-            </a:r>
-            <a:r>
-              <a:rPr lang="es-419" sz="2000" dirty="0" err="1"/>
-              <a:t>pas</a:t>
-            </a:r>
-            <a:r>
-              <a:rPr lang="es-419" sz="2000" dirty="0"/>
-              <a:t> de </a:t>
-            </a:r>
-            <a:r>
-              <a:rPr lang="es-419" sz="2000" dirty="0" err="1"/>
-              <a:t>valeur</a:t>
-            </a:r>
-            <a:endParaRPr lang="fr-FR" sz="2000" u="none" strike="noStrike" dirty="0">
-              <a:solidFill>
-                <a:srgbClr val="000000"/>
-              </a:solidFill>
-              <a:effectLst/>
-              <a:latin typeface="docs-Roboto"/>
-            </a:endParaRPr>
-          </a:p>
-        </p:txBody>
-      </p:sp>
-      <p:pic>
-        <p:nvPicPr>
-          <p:cNvPr id="57" name="Image 56">
-            <a:extLst>
-              <a:ext uri="{FF2B5EF4-FFF2-40B4-BE49-F238E27FC236}">
-                <a16:creationId xmlns:a16="http://schemas.microsoft.com/office/drawing/2014/main" id="{D42241FF-4BA4-4A7F-AEDD-223140AAF8BE}"/>
-              </a:ext>
-            </a:extLst>
-          </p:cNvPr>
-          <p:cNvPicPr>
-            <a:picLocks noChangeAspect="1"/>
-          </p:cNvPicPr>
-          <p:nvPr/>
-        </p:nvPicPr>
-        <p:blipFill>
-          <a:blip r:embed="rId2">
-            <a:duotone>
-              <a:schemeClr val="accent2">
-                <a:shade val="45000"/>
-                <a:satMod val="135000"/>
-              </a:schemeClr>
-              <a:prstClr val="white"/>
-            </a:duotone>
-            <a:extLst>
-              <a:ext uri="{28A0092B-C50C-407E-A947-70E740481C1C}">
-                <a14:useLocalDpi xmlns:a14="http://schemas.microsoft.com/office/drawing/2010/main" val="0"/>
-              </a:ext>
-            </a:extLst>
-          </a:blip>
-          <a:stretch>
-            <a:fillRect/>
-          </a:stretch>
-        </p:blipFill>
-        <p:spPr>
-          <a:xfrm>
-            <a:off x="377906" y="1607564"/>
-            <a:ext cx="457727" cy="427272"/>
-          </a:xfrm>
-          <a:prstGeom prst="rect">
-            <a:avLst/>
-          </a:prstGeom>
-        </p:spPr>
-      </p:pic>
-      <p:sp>
-        <p:nvSpPr>
-          <p:cNvPr id="58" name="ZoneTexte 57">
-            <a:extLst>
-              <a:ext uri="{FF2B5EF4-FFF2-40B4-BE49-F238E27FC236}">
-                <a16:creationId xmlns:a16="http://schemas.microsoft.com/office/drawing/2014/main" id="{FBA538E3-25E4-4BED-A2E4-08388E715370}"/>
-              </a:ext>
-            </a:extLst>
-          </p:cNvPr>
-          <p:cNvSpPr txBox="1"/>
-          <p:nvPr/>
-        </p:nvSpPr>
-        <p:spPr>
-          <a:xfrm>
-            <a:off x="844894" y="2304026"/>
-            <a:ext cx="8445409" cy="400110"/>
-          </a:xfrm>
-          <a:prstGeom prst="rect">
-            <a:avLst/>
-          </a:prstGeom>
-          <a:noFill/>
-        </p:spPr>
-        <p:txBody>
-          <a:bodyPr wrap="square">
-            <a:spAutoFit/>
-          </a:bodyPr>
-          <a:lstStyle/>
-          <a:p>
-            <a:r>
-              <a:rPr lang="es-419" sz="2000" dirty="0" err="1"/>
-              <a:t>Il</a:t>
-            </a:r>
-            <a:r>
-              <a:rPr lang="es-419" sz="2000" dirty="0"/>
-              <a:t> manque des </a:t>
-            </a:r>
-            <a:r>
-              <a:rPr lang="es-419" sz="2000" dirty="0" err="1"/>
-              <a:t>informations</a:t>
-            </a:r>
-            <a:r>
-              <a:rPr lang="es-419" sz="2000" dirty="0"/>
-              <a:t> sur </a:t>
-            </a:r>
-            <a:r>
-              <a:rPr lang="es-419" sz="2000" dirty="0" err="1"/>
-              <a:t>Academy</a:t>
-            </a:r>
-            <a:r>
-              <a:rPr lang="es-419" sz="2000" dirty="0"/>
-              <a:t> </a:t>
-            </a:r>
-            <a:r>
-              <a:rPr lang="es-419" sz="2000" dirty="0" err="1"/>
-              <a:t>pour</a:t>
-            </a:r>
-            <a:r>
-              <a:rPr lang="es-419" sz="2000" dirty="0"/>
-              <a:t> </a:t>
-            </a:r>
-            <a:r>
-              <a:rPr lang="es-419" sz="2000" dirty="0" err="1"/>
-              <a:t>rendre</a:t>
-            </a:r>
-            <a:r>
-              <a:rPr lang="es-419" sz="2000" dirty="0"/>
-              <a:t> </a:t>
-            </a:r>
-            <a:r>
-              <a:rPr lang="es-419" sz="2000" dirty="0" err="1"/>
-              <a:t>l’analyse</a:t>
-            </a:r>
-            <a:r>
-              <a:rPr lang="es-419" sz="2000" dirty="0"/>
-              <a:t> plus </a:t>
-            </a:r>
-            <a:r>
-              <a:rPr lang="es-419" sz="2000" dirty="0" err="1"/>
-              <a:t>précise</a:t>
-            </a:r>
-            <a:endParaRPr lang="fr-FR" sz="2000" u="none" strike="noStrike" dirty="0">
-              <a:solidFill>
-                <a:srgbClr val="000000"/>
-              </a:solidFill>
-              <a:effectLst/>
-              <a:latin typeface="docs-Roboto"/>
-            </a:endParaRPr>
-          </a:p>
-        </p:txBody>
-      </p:sp>
-      <p:pic>
-        <p:nvPicPr>
-          <p:cNvPr id="59" name="Image 58">
-            <a:extLst>
-              <a:ext uri="{FF2B5EF4-FFF2-40B4-BE49-F238E27FC236}">
-                <a16:creationId xmlns:a16="http://schemas.microsoft.com/office/drawing/2014/main" id="{FFA8C3FB-EC9F-4840-942B-1E7C224A9C65}"/>
-              </a:ext>
-            </a:extLst>
-          </p:cNvPr>
-          <p:cNvPicPr>
-            <a:picLocks noChangeAspect="1"/>
-          </p:cNvPicPr>
-          <p:nvPr/>
-        </p:nvPicPr>
-        <p:blipFill>
-          <a:blip r:embed="rId2">
-            <a:duotone>
-              <a:schemeClr val="accent2">
-                <a:shade val="45000"/>
-                <a:satMod val="135000"/>
-              </a:schemeClr>
-              <a:prstClr val="white"/>
-            </a:duotone>
-            <a:extLst>
-              <a:ext uri="{28A0092B-C50C-407E-A947-70E740481C1C}">
-                <a14:useLocalDpi xmlns:a14="http://schemas.microsoft.com/office/drawing/2010/main" val="0"/>
-              </a:ext>
-            </a:extLst>
-          </a:blip>
-          <a:stretch>
-            <a:fillRect/>
-          </a:stretch>
-        </p:blipFill>
-        <p:spPr>
-          <a:xfrm>
-            <a:off x="377906" y="2295234"/>
-            <a:ext cx="457727" cy="427272"/>
-          </a:xfrm>
-          <a:prstGeom prst="rect">
-            <a:avLst/>
-          </a:prstGeom>
-        </p:spPr>
-      </p:pic>
-      <p:sp>
-        <p:nvSpPr>
-          <p:cNvPr id="62" name="ZoneTexte 61">
-            <a:extLst>
-              <a:ext uri="{FF2B5EF4-FFF2-40B4-BE49-F238E27FC236}">
-                <a16:creationId xmlns:a16="http://schemas.microsoft.com/office/drawing/2014/main" id="{745D3EB8-5E9B-47E6-AFB5-21A1B4107B52}"/>
-              </a:ext>
-            </a:extLst>
-          </p:cNvPr>
-          <p:cNvSpPr txBox="1"/>
-          <p:nvPr/>
-        </p:nvSpPr>
-        <p:spPr>
-          <a:xfrm>
-            <a:off x="854156" y="3728821"/>
-            <a:ext cx="9240820" cy="400110"/>
-          </a:xfrm>
-          <a:prstGeom prst="rect">
-            <a:avLst/>
-          </a:prstGeom>
-          <a:noFill/>
-        </p:spPr>
-        <p:txBody>
-          <a:bodyPr wrap="square">
-            <a:spAutoFit/>
-          </a:bodyPr>
-          <a:lstStyle/>
-          <a:p>
-            <a:r>
-              <a:rPr lang="es-ES" sz="2000" strike="noStrike" dirty="0">
-                <a:ln>
-                  <a:solidFill>
-                    <a:srgbClr val="70AD47"/>
-                  </a:solidFill>
-                </a:ln>
-                <a:solidFill>
-                  <a:srgbClr val="70AD47"/>
-                </a:solidFill>
-                <a:effectLst/>
-                <a:latin typeface="docs-Roboto"/>
-              </a:rPr>
-              <a:t>Le </a:t>
-            </a:r>
-            <a:r>
-              <a:rPr lang="es-ES" sz="2000" strike="noStrike" dirty="0" err="1">
-                <a:ln>
-                  <a:solidFill>
-                    <a:srgbClr val="70AD47"/>
-                  </a:solidFill>
-                </a:ln>
-                <a:solidFill>
-                  <a:srgbClr val="70AD47"/>
-                </a:solidFill>
-                <a:effectLst/>
-                <a:latin typeface="docs-Roboto"/>
-              </a:rPr>
-              <a:t>jeu</a:t>
-            </a:r>
-            <a:r>
-              <a:rPr lang="es-ES" sz="2000" strike="noStrike" dirty="0">
-                <a:ln>
-                  <a:solidFill>
-                    <a:srgbClr val="70AD47"/>
-                  </a:solidFill>
-                </a:ln>
-                <a:solidFill>
-                  <a:srgbClr val="70AD47"/>
-                </a:solidFill>
-                <a:effectLst/>
-                <a:latin typeface="docs-Roboto"/>
-              </a:rPr>
-              <a:t> de </a:t>
-            </a:r>
-            <a:r>
-              <a:rPr lang="es-ES" sz="2000" strike="noStrike" dirty="0" err="1">
-                <a:ln>
-                  <a:solidFill>
-                    <a:srgbClr val="70AD47"/>
-                  </a:solidFill>
-                </a:ln>
-                <a:solidFill>
-                  <a:srgbClr val="70AD47"/>
-                </a:solidFill>
-                <a:effectLst/>
-                <a:latin typeface="docs-Roboto"/>
-              </a:rPr>
-              <a:t>données</a:t>
-            </a:r>
-            <a:r>
-              <a:rPr lang="es-ES" sz="2000" strike="noStrike" dirty="0">
-                <a:ln>
-                  <a:solidFill>
-                    <a:srgbClr val="70AD47"/>
-                  </a:solidFill>
-                </a:ln>
-                <a:solidFill>
-                  <a:srgbClr val="70AD47"/>
-                </a:solidFill>
-                <a:effectLst/>
-                <a:latin typeface="docs-Roboto"/>
-              </a:rPr>
-              <a:t> </a:t>
-            </a:r>
-            <a:r>
-              <a:rPr lang="es-ES" sz="2000" strike="noStrike" dirty="0" err="1">
-                <a:ln>
-                  <a:solidFill>
-                    <a:srgbClr val="70AD47"/>
-                  </a:solidFill>
-                </a:ln>
-                <a:solidFill>
-                  <a:srgbClr val="70AD47"/>
-                </a:solidFill>
-                <a:effectLst/>
-                <a:latin typeface="docs-Roboto"/>
-              </a:rPr>
-              <a:t>permet</a:t>
-            </a:r>
-            <a:r>
-              <a:rPr lang="es-ES" sz="2000" strike="noStrike" dirty="0">
-                <a:ln>
-                  <a:solidFill>
-                    <a:srgbClr val="70AD47"/>
-                  </a:solidFill>
-                </a:ln>
-                <a:solidFill>
-                  <a:srgbClr val="70AD47"/>
-                </a:solidFill>
-                <a:effectLst/>
-                <a:latin typeface="docs-Roboto"/>
-              </a:rPr>
-              <a:t> de </a:t>
-            </a:r>
-            <a:r>
-              <a:rPr lang="es-ES" sz="2000" strike="noStrike" dirty="0" err="1">
-                <a:ln>
-                  <a:solidFill>
-                    <a:srgbClr val="70AD47"/>
-                  </a:solidFill>
-                </a:ln>
-                <a:solidFill>
-                  <a:srgbClr val="70AD47"/>
-                </a:solidFill>
-                <a:effectLst/>
-                <a:latin typeface="docs-Roboto"/>
-              </a:rPr>
-              <a:t>répondre</a:t>
-            </a:r>
-            <a:r>
-              <a:rPr lang="es-ES" sz="2000" strike="noStrike" dirty="0">
-                <a:ln>
-                  <a:solidFill>
-                    <a:srgbClr val="70AD47"/>
-                  </a:solidFill>
-                </a:ln>
-                <a:solidFill>
-                  <a:srgbClr val="70AD47"/>
-                </a:solidFill>
-                <a:effectLst/>
-                <a:latin typeface="docs-Roboto"/>
-              </a:rPr>
-              <a:t> </a:t>
-            </a:r>
-            <a:r>
-              <a:rPr lang="es-ES" sz="2000" strike="noStrike" dirty="0" err="1">
-                <a:ln>
-                  <a:solidFill>
-                    <a:srgbClr val="70AD47"/>
-                  </a:solidFill>
-                </a:ln>
-                <a:solidFill>
-                  <a:srgbClr val="70AD47"/>
-                </a:solidFill>
-                <a:effectLst/>
-                <a:latin typeface="docs-Roboto"/>
-              </a:rPr>
-              <a:t>aux</a:t>
-            </a:r>
-            <a:r>
-              <a:rPr lang="es-ES" sz="2000" strike="noStrike" dirty="0">
-                <a:ln>
-                  <a:solidFill>
-                    <a:srgbClr val="70AD47"/>
-                  </a:solidFill>
-                </a:ln>
-                <a:solidFill>
-                  <a:srgbClr val="70AD47"/>
-                </a:solidFill>
-                <a:effectLst/>
-                <a:latin typeface="docs-Roboto"/>
-              </a:rPr>
-              <a:t> </a:t>
-            </a:r>
-            <a:r>
-              <a:rPr lang="es-ES" sz="2000" strike="noStrike" dirty="0" err="1">
-                <a:ln>
-                  <a:solidFill>
-                    <a:srgbClr val="70AD47"/>
-                  </a:solidFill>
-                </a:ln>
-                <a:solidFill>
-                  <a:srgbClr val="70AD47"/>
-                </a:solidFill>
-                <a:effectLst/>
-                <a:latin typeface="docs-Roboto"/>
-              </a:rPr>
-              <a:t>attentes</a:t>
-            </a:r>
-            <a:r>
-              <a:rPr lang="es-ES" sz="2000" strike="noStrike" dirty="0">
-                <a:ln>
-                  <a:solidFill>
-                    <a:srgbClr val="70AD47"/>
-                  </a:solidFill>
-                </a:ln>
-                <a:solidFill>
-                  <a:srgbClr val="70AD47"/>
-                </a:solidFill>
-                <a:effectLst/>
-                <a:latin typeface="docs-Roboto"/>
-              </a:rPr>
-              <a:t> </a:t>
-            </a:r>
-            <a:r>
-              <a:rPr lang="es-ES" sz="2000" strike="noStrike" dirty="0" err="1">
-                <a:ln>
-                  <a:solidFill>
-                    <a:srgbClr val="70AD47"/>
-                  </a:solidFill>
-                </a:ln>
-                <a:solidFill>
-                  <a:srgbClr val="70AD47"/>
-                </a:solidFill>
-                <a:effectLst/>
-                <a:latin typeface="docs-Roboto"/>
-              </a:rPr>
-              <a:t>d’Academy</a:t>
-            </a:r>
-            <a:endParaRPr lang="fr-FR" sz="2000" strike="noStrike" dirty="0">
-              <a:ln>
-                <a:solidFill>
-                  <a:srgbClr val="70AD47"/>
-                </a:solidFill>
-              </a:ln>
-              <a:solidFill>
-                <a:srgbClr val="70AD47"/>
-              </a:solidFill>
-              <a:effectLst/>
-              <a:latin typeface="docs-Roboto"/>
-            </a:endParaRPr>
-          </a:p>
-        </p:txBody>
-      </p:sp>
-      <p:pic>
-        <p:nvPicPr>
-          <p:cNvPr id="65" name="Image 64">
-            <a:extLst>
-              <a:ext uri="{FF2B5EF4-FFF2-40B4-BE49-F238E27FC236}">
-                <a16:creationId xmlns:a16="http://schemas.microsoft.com/office/drawing/2014/main" id="{E5B478BE-134E-4A80-8B2E-6DDD07C93760}"/>
-              </a:ext>
-            </a:extLst>
-          </p:cNvPr>
-          <p:cNvPicPr>
-            <a:picLocks noChangeAspect="1"/>
-          </p:cNvPicPr>
-          <p:nvPr/>
-        </p:nvPicPr>
-        <p:blipFill>
-          <a:blip r:embed="rId2">
-            <a:duotone>
-              <a:schemeClr val="accent6">
-                <a:shade val="45000"/>
-                <a:satMod val="135000"/>
-              </a:schemeClr>
-              <a:prstClr val="white"/>
-            </a:duotone>
-            <a:extLst>
-              <a:ext uri="{28A0092B-C50C-407E-A947-70E740481C1C}">
-                <a14:useLocalDpi xmlns:a14="http://schemas.microsoft.com/office/drawing/2010/main" val="0"/>
-              </a:ext>
-            </a:extLst>
-          </a:blip>
-          <a:stretch>
-            <a:fillRect/>
-          </a:stretch>
-        </p:blipFill>
-        <p:spPr>
-          <a:xfrm>
-            <a:off x="387167" y="3720029"/>
-            <a:ext cx="457727" cy="427272"/>
-          </a:xfrm>
-          <a:prstGeom prst="rect">
-            <a:avLst/>
-          </a:prstGeom>
-        </p:spPr>
-      </p:pic>
-      <p:sp>
-        <p:nvSpPr>
-          <p:cNvPr id="66" name="ZoneTexte 65">
-            <a:extLst>
-              <a:ext uri="{FF2B5EF4-FFF2-40B4-BE49-F238E27FC236}">
-                <a16:creationId xmlns:a16="http://schemas.microsoft.com/office/drawing/2014/main" id="{6805456A-61A8-42A4-823A-37F4727A148F}"/>
-              </a:ext>
-            </a:extLst>
-          </p:cNvPr>
-          <p:cNvSpPr txBox="1"/>
-          <p:nvPr/>
-        </p:nvSpPr>
-        <p:spPr>
-          <a:xfrm>
-            <a:off x="854156" y="2750365"/>
-            <a:ext cx="8445409" cy="707886"/>
-          </a:xfrm>
-          <a:prstGeom prst="rect">
-            <a:avLst/>
-          </a:prstGeom>
-          <a:noFill/>
-        </p:spPr>
-        <p:txBody>
-          <a:bodyPr wrap="square">
-            <a:spAutoFit/>
-          </a:bodyPr>
-          <a:lstStyle/>
-          <a:p>
-            <a:pPr marL="342900" indent="-342900">
-              <a:buFont typeface="Wingdings" panose="05000000000000000000" pitchFamily="2" charset="2"/>
-              <a:buChar char="§"/>
-            </a:pPr>
-            <a:r>
-              <a:rPr lang="es-419" sz="2000" dirty="0"/>
-              <a:t>La </a:t>
-            </a:r>
-            <a:r>
-              <a:rPr lang="es-419" sz="2000" dirty="0" err="1"/>
-              <a:t>langue</a:t>
-            </a:r>
-            <a:r>
-              <a:rPr lang="es-419" sz="2000" dirty="0"/>
-              <a:t> des </a:t>
-            </a:r>
-            <a:r>
-              <a:rPr lang="es-419" sz="2000" dirty="0" err="1"/>
-              <a:t>cours</a:t>
-            </a:r>
-            <a:endParaRPr lang="es-419" sz="2000" dirty="0"/>
-          </a:p>
-          <a:p>
-            <a:pPr marL="342900" indent="-342900">
-              <a:buFont typeface="Wingdings" panose="05000000000000000000" pitchFamily="2" charset="2"/>
-              <a:buChar char="§"/>
-            </a:pPr>
-            <a:r>
-              <a:rPr lang="es-419" sz="2000" u="none" strike="noStrike" dirty="0">
-                <a:solidFill>
-                  <a:srgbClr val="000000"/>
-                </a:solidFill>
-                <a:effectLst/>
-                <a:latin typeface="docs-Roboto"/>
-              </a:rPr>
-              <a:t>Le </a:t>
-            </a:r>
-            <a:r>
-              <a:rPr lang="es-419" sz="2000" dirty="0" err="1">
-                <a:solidFill>
-                  <a:srgbClr val="000000"/>
-                </a:solidFill>
-                <a:latin typeface="docs-Roboto"/>
-              </a:rPr>
-              <a:t>p</a:t>
-            </a:r>
-            <a:r>
-              <a:rPr lang="es-419" sz="2000" u="none" strike="noStrike" dirty="0" err="1">
-                <a:solidFill>
-                  <a:srgbClr val="000000"/>
-                </a:solidFill>
-                <a:effectLst/>
-                <a:latin typeface="docs-Roboto"/>
-              </a:rPr>
-              <a:t>rix</a:t>
-            </a:r>
-            <a:r>
-              <a:rPr lang="es-419" sz="2000" u="none" strike="noStrike" dirty="0">
-                <a:solidFill>
-                  <a:srgbClr val="000000"/>
-                </a:solidFill>
-                <a:effectLst/>
-                <a:latin typeface="docs-Roboto"/>
-              </a:rPr>
-              <a:t> de la </a:t>
-            </a:r>
-            <a:r>
-              <a:rPr lang="es-419" sz="2000" u="none" strike="noStrike" dirty="0" err="1">
-                <a:solidFill>
-                  <a:srgbClr val="000000"/>
-                </a:solidFill>
-                <a:effectLst/>
-                <a:latin typeface="docs-Roboto"/>
-              </a:rPr>
-              <a:t>formation</a:t>
-            </a:r>
-            <a:endParaRPr lang="fr-FR" sz="2000" u="none" strike="noStrike" dirty="0">
-              <a:solidFill>
-                <a:srgbClr val="000000"/>
-              </a:solidFill>
-              <a:effectLst/>
-              <a:latin typeface="docs-Roboto"/>
-            </a:endParaRPr>
-          </a:p>
-        </p:txBody>
-      </p:sp>
-      <p:sp>
-        <p:nvSpPr>
-          <p:cNvPr id="14" name="TextBox 3">
-            <a:extLst>
-              <a:ext uri="{FF2B5EF4-FFF2-40B4-BE49-F238E27FC236}">
-                <a16:creationId xmlns:a16="http://schemas.microsoft.com/office/drawing/2014/main" id="{853AE2F2-8C49-4EE7-88A5-57C871541633}"/>
-              </a:ext>
-            </a:extLst>
-          </p:cNvPr>
-          <p:cNvSpPr txBox="1"/>
-          <p:nvPr/>
-        </p:nvSpPr>
-        <p:spPr>
-          <a:xfrm>
-            <a:off x="0" y="6475247"/>
-            <a:ext cx="4438395" cy="307777"/>
-          </a:xfrm>
-          <a:prstGeom prst="rect">
-            <a:avLst/>
-          </a:prstGeom>
-          <a:noFill/>
-        </p:spPr>
-        <p:txBody>
-          <a:bodyPr wrap="square" rtlCol="0">
-            <a:spAutoFit/>
-          </a:bodyPr>
-          <a:lstStyle/>
-          <a:p>
-            <a:r>
-              <a:rPr lang="es-CO" sz="1400" b="1" dirty="0">
-                <a:ln>
-                  <a:solidFill>
-                    <a:schemeClr val="bg1"/>
-                  </a:solidFill>
-                </a:ln>
-                <a:solidFill>
-                  <a:schemeClr val="bg1"/>
-                </a:solidFill>
-                <a:latin typeface="+mj-lt"/>
-              </a:rPr>
-              <a:t>Project 2 - </a:t>
-            </a:r>
-            <a:r>
-              <a:rPr lang="fr-FR" sz="1400" b="1" dirty="0">
-                <a:ln>
-                  <a:solidFill>
-                    <a:schemeClr val="bg1"/>
-                  </a:solidFill>
-                </a:ln>
-                <a:solidFill>
-                  <a:schemeClr val="bg1"/>
-                </a:solidFill>
-                <a:latin typeface="+mj-lt"/>
-              </a:rPr>
-              <a:t> Analyse des données de systèmes éducatifs </a:t>
-            </a:r>
-            <a:endParaRPr lang="en-US" sz="1400" b="1" dirty="0">
-              <a:ln>
-                <a:solidFill>
-                  <a:schemeClr val="bg1"/>
-                </a:solidFill>
-              </a:ln>
-              <a:solidFill>
-                <a:schemeClr val="bg1"/>
-              </a:solidFill>
-              <a:latin typeface="+mj-lt"/>
-            </a:endParaRPr>
-          </a:p>
-        </p:txBody>
-      </p:sp>
-    </p:spTree>
-    <p:extLst>
-      <p:ext uri="{BB962C8B-B14F-4D97-AF65-F5344CB8AC3E}">
-        <p14:creationId xmlns:p14="http://schemas.microsoft.com/office/powerpoint/2010/main" val="1582511228"/>
       </p:ext>
     </p:extLst>
   </p:cSld>
@@ -14834,7 +14093,7 @@
                 </a:solidFill>
                 <a:latin typeface="Google Sans"/>
               </a:rPr>
-              <a:t>Avez-vous des questions ?</a:t>
+              <a:t>La pertinence du jeu de données</a:t>
             </a:r>
             <a:endParaRPr lang="es-419" sz="4000" b="1" u="sng" dirty="0">
               <a:ln>
@@ -14919,6 +14178,1021 @@
           </a:p>
         </p:txBody>
       </p:sp>
+      <p:sp>
+        <p:nvSpPr>
+          <p:cNvPr id="54" name="ZoneTexte 53">
+            <a:extLst>
+              <a:ext uri="{FF2B5EF4-FFF2-40B4-BE49-F238E27FC236}">
+                <a16:creationId xmlns:a16="http://schemas.microsoft.com/office/drawing/2014/main" id="{A405F446-F75C-4715-9DCF-799EF03FFD88}"/>
+              </a:ext>
+            </a:extLst>
+          </p:cNvPr>
+          <p:cNvSpPr txBox="1"/>
+          <p:nvPr/>
+        </p:nvSpPr>
+        <p:spPr>
+          <a:xfrm>
+            <a:off x="844895" y="1620987"/>
+            <a:ext cx="7082953" cy="400110"/>
+          </a:xfrm>
+          <a:prstGeom prst="rect">
+            <a:avLst/>
+          </a:prstGeom>
+          <a:noFill/>
+        </p:spPr>
+        <p:txBody>
+          <a:bodyPr wrap="square">
+            <a:spAutoFit/>
+          </a:bodyPr>
+          <a:lstStyle/>
+          <a:p>
+            <a:r>
+              <a:rPr lang="es-419" sz="2000" dirty="0" err="1"/>
+              <a:t>Certains</a:t>
+            </a:r>
+            <a:r>
+              <a:rPr lang="es-419" sz="2000" dirty="0"/>
+              <a:t> </a:t>
+            </a:r>
+            <a:r>
+              <a:rPr lang="es-419" sz="2000" dirty="0" err="1"/>
+              <a:t>datasets</a:t>
+            </a:r>
+            <a:r>
+              <a:rPr lang="es-419" sz="2000" dirty="0"/>
+              <a:t> </a:t>
+            </a:r>
+            <a:r>
+              <a:rPr lang="es-419" sz="2000" dirty="0" err="1"/>
+              <a:t>n'ajoutent</a:t>
+            </a:r>
+            <a:r>
+              <a:rPr lang="es-419" sz="2000" dirty="0"/>
+              <a:t> </a:t>
+            </a:r>
+            <a:r>
+              <a:rPr lang="es-419" sz="2000" dirty="0" err="1"/>
+              <a:t>pas</a:t>
+            </a:r>
+            <a:r>
+              <a:rPr lang="es-419" sz="2000" dirty="0"/>
+              <a:t> de </a:t>
+            </a:r>
+            <a:r>
+              <a:rPr lang="es-419" sz="2000" dirty="0" err="1"/>
+              <a:t>valeur</a:t>
+            </a:r>
+            <a:endParaRPr lang="fr-FR" sz="2000" u="none" strike="noStrike" dirty="0">
+              <a:solidFill>
+                <a:srgbClr val="000000"/>
+              </a:solidFill>
+              <a:effectLst/>
+              <a:latin typeface="docs-Roboto"/>
+            </a:endParaRPr>
+          </a:p>
+        </p:txBody>
+      </p:sp>
+      <p:pic>
+        <p:nvPicPr>
+          <p:cNvPr id="57" name="Image 56">
+            <a:extLst>
+              <a:ext uri="{FF2B5EF4-FFF2-40B4-BE49-F238E27FC236}">
+                <a16:creationId xmlns:a16="http://schemas.microsoft.com/office/drawing/2014/main" id="{D42241FF-4BA4-4A7F-AEDD-223140AAF8BE}"/>
+              </a:ext>
+            </a:extLst>
+          </p:cNvPr>
+          <p:cNvPicPr>
+            <a:picLocks noChangeAspect="1"/>
+          </p:cNvPicPr>
+          <p:nvPr/>
+        </p:nvPicPr>
+        <p:blipFill>
+          <a:blip r:embed="rId2">
+            <a:duotone>
+              <a:schemeClr val="accent2">
+                <a:shade val="45000"/>
+                <a:satMod val="135000"/>
+              </a:schemeClr>
+              <a:prstClr val="white"/>
+            </a:duotone>
+            <a:extLst>
+              <a:ext uri="{28A0092B-C50C-407E-A947-70E740481C1C}">
+                <a14:useLocalDpi xmlns:a14="http://schemas.microsoft.com/office/drawing/2010/main" val="0"/>
+              </a:ext>
+            </a:extLst>
+          </a:blip>
+          <a:stretch>
+            <a:fillRect/>
+          </a:stretch>
+        </p:blipFill>
+        <p:spPr>
+          <a:xfrm>
+            <a:off x="377906" y="1607564"/>
+            <a:ext cx="457727" cy="427272"/>
+          </a:xfrm>
+          <a:prstGeom prst="rect">
+            <a:avLst/>
+          </a:prstGeom>
+        </p:spPr>
+      </p:pic>
+      <p:sp>
+        <p:nvSpPr>
+          <p:cNvPr id="58" name="ZoneTexte 57">
+            <a:extLst>
+              <a:ext uri="{FF2B5EF4-FFF2-40B4-BE49-F238E27FC236}">
+                <a16:creationId xmlns:a16="http://schemas.microsoft.com/office/drawing/2014/main" id="{FBA538E3-25E4-4BED-A2E4-08388E715370}"/>
+              </a:ext>
+            </a:extLst>
+          </p:cNvPr>
+          <p:cNvSpPr txBox="1"/>
+          <p:nvPr/>
+        </p:nvSpPr>
+        <p:spPr>
+          <a:xfrm>
+            <a:off x="844894" y="2304026"/>
+            <a:ext cx="8445409" cy="400110"/>
+          </a:xfrm>
+          <a:prstGeom prst="rect">
+            <a:avLst/>
+          </a:prstGeom>
+          <a:noFill/>
+        </p:spPr>
+        <p:txBody>
+          <a:bodyPr wrap="square">
+            <a:spAutoFit/>
+          </a:bodyPr>
+          <a:lstStyle/>
+          <a:p>
+            <a:r>
+              <a:rPr lang="es-419" sz="2000" dirty="0" err="1"/>
+              <a:t>Il</a:t>
+            </a:r>
+            <a:r>
+              <a:rPr lang="es-419" sz="2000" dirty="0"/>
+              <a:t> manque des </a:t>
+            </a:r>
+            <a:r>
+              <a:rPr lang="es-419" sz="2000" dirty="0" err="1"/>
+              <a:t>informations</a:t>
+            </a:r>
+            <a:r>
+              <a:rPr lang="es-419" sz="2000" dirty="0"/>
+              <a:t> sur </a:t>
+            </a:r>
+            <a:r>
+              <a:rPr lang="es-419" sz="2000" dirty="0" err="1"/>
+              <a:t>Academy</a:t>
+            </a:r>
+            <a:r>
+              <a:rPr lang="es-419" sz="2000" dirty="0"/>
+              <a:t> </a:t>
+            </a:r>
+            <a:r>
+              <a:rPr lang="es-419" sz="2000" dirty="0" err="1"/>
+              <a:t>pour</a:t>
+            </a:r>
+            <a:r>
+              <a:rPr lang="es-419" sz="2000" dirty="0"/>
+              <a:t> </a:t>
+            </a:r>
+            <a:r>
+              <a:rPr lang="es-419" sz="2000" dirty="0" err="1"/>
+              <a:t>rendre</a:t>
+            </a:r>
+            <a:r>
+              <a:rPr lang="es-419" sz="2000" dirty="0"/>
+              <a:t> </a:t>
+            </a:r>
+            <a:r>
+              <a:rPr lang="es-419" sz="2000" dirty="0" err="1"/>
+              <a:t>l’analyse</a:t>
+            </a:r>
+            <a:r>
+              <a:rPr lang="es-419" sz="2000" dirty="0"/>
+              <a:t> plus </a:t>
+            </a:r>
+            <a:r>
+              <a:rPr lang="es-419" sz="2000" dirty="0" err="1"/>
+              <a:t>précise</a:t>
+            </a:r>
+            <a:endParaRPr lang="fr-FR" sz="2000" u="none" strike="noStrike" dirty="0">
+              <a:solidFill>
+                <a:srgbClr val="000000"/>
+              </a:solidFill>
+              <a:effectLst/>
+              <a:latin typeface="docs-Roboto"/>
+            </a:endParaRPr>
+          </a:p>
+        </p:txBody>
+      </p:sp>
+      <p:pic>
+        <p:nvPicPr>
+          <p:cNvPr id="59" name="Image 58">
+            <a:extLst>
+              <a:ext uri="{FF2B5EF4-FFF2-40B4-BE49-F238E27FC236}">
+                <a16:creationId xmlns:a16="http://schemas.microsoft.com/office/drawing/2014/main" id="{FFA8C3FB-EC9F-4840-942B-1E7C224A9C65}"/>
+              </a:ext>
+            </a:extLst>
+          </p:cNvPr>
+          <p:cNvPicPr>
+            <a:picLocks noChangeAspect="1"/>
+          </p:cNvPicPr>
+          <p:nvPr/>
+        </p:nvPicPr>
+        <p:blipFill>
+          <a:blip r:embed="rId2">
+            <a:duotone>
+              <a:schemeClr val="accent2">
+                <a:shade val="45000"/>
+                <a:satMod val="135000"/>
+              </a:schemeClr>
+              <a:prstClr val="white"/>
+            </a:duotone>
+            <a:extLst>
+              <a:ext uri="{28A0092B-C50C-407E-A947-70E740481C1C}">
+                <a14:useLocalDpi xmlns:a14="http://schemas.microsoft.com/office/drawing/2010/main" val="0"/>
+              </a:ext>
+            </a:extLst>
+          </a:blip>
+          <a:stretch>
+            <a:fillRect/>
+          </a:stretch>
+        </p:blipFill>
+        <p:spPr>
+          <a:xfrm>
+            <a:off x="377906" y="2295234"/>
+            <a:ext cx="457727" cy="427272"/>
+          </a:xfrm>
+          <a:prstGeom prst="rect">
+            <a:avLst/>
+          </a:prstGeom>
+        </p:spPr>
+      </p:pic>
+      <p:sp>
+        <p:nvSpPr>
+          <p:cNvPr id="62" name="ZoneTexte 61">
+            <a:extLst>
+              <a:ext uri="{FF2B5EF4-FFF2-40B4-BE49-F238E27FC236}">
+                <a16:creationId xmlns:a16="http://schemas.microsoft.com/office/drawing/2014/main" id="{745D3EB8-5E9B-47E6-AFB5-21A1B4107B52}"/>
+              </a:ext>
+            </a:extLst>
+          </p:cNvPr>
+          <p:cNvSpPr txBox="1"/>
+          <p:nvPr/>
+        </p:nvSpPr>
+        <p:spPr>
+          <a:xfrm>
+            <a:off x="854156" y="3728821"/>
+            <a:ext cx="9240820" cy="400110"/>
+          </a:xfrm>
+          <a:prstGeom prst="rect">
+            <a:avLst/>
+          </a:prstGeom>
+          <a:noFill/>
+        </p:spPr>
+        <p:txBody>
+          <a:bodyPr wrap="square">
+            <a:spAutoFit/>
+          </a:bodyPr>
+          <a:lstStyle/>
+          <a:p>
+            <a:r>
+              <a:rPr lang="es-ES" sz="2000" strike="noStrike" dirty="0">
+                <a:ln>
+                  <a:solidFill>
+                    <a:srgbClr val="70AD47"/>
+                  </a:solidFill>
+                </a:ln>
+                <a:solidFill>
+                  <a:srgbClr val="70AD47"/>
+                </a:solidFill>
+                <a:effectLst/>
+                <a:latin typeface="docs-Roboto"/>
+              </a:rPr>
+              <a:t>Le </a:t>
+            </a:r>
+            <a:r>
+              <a:rPr lang="es-ES" sz="2000" strike="noStrike" dirty="0" err="1">
+                <a:ln>
+                  <a:solidFill>
+                    <a:srgbClr val="70AD47"/>
+                  </a:solidFill>
+                </a:ln>
+                <a:solidFill>
+                  <a:srgbClr val="70AD47"/>
+                </a:solidFill>
+                <a:effectLst/>
+                <a:latin typeface="docs-Roboto"/>
+              </a:rPr>
+              <a:t>jeu</a:t>
+            </a:r>
+            <a:r>
+              <a:rPr lang="es-ES" sz="2000" strike="noStrike" dirty="0">
+                <a:ln>
+                  <a:solidFill>
+                    <a:srgbClr val="70AD47"/>
+                  </a:solidFill>
+                </a:ln>
+                <a:solidFill>
+                  <a:srgbClr val="70AD47"/>
+                </a:solidFill>
+                <a:effectLst/>
+                <a:latin typeface="docs-Roboto"/>
+              </a:rPr>
+              <a:t> de </a:t>
+            </a:r>
+            <a:r>
+              <a:rPr lang="es-ES" sz="2000" strike="noStrike" dirty="0" err="1">
+                <a:ln>
+                  <a:solidFill>
+                    <a:srgbClr val="70AD47"/>
+                  </a:solidFill>
+                </a:ln>
+                <a:solidFill>
+                  <a:srgbClr val="70AD47"/>
+                </a:solidFill>
+                <a:effectLst/>
+                <a:latin typeface="docs-Roboto"/>
+              </a:rPr>
+              <a:t>données</a:t>
+            </a:r>
+            <a:r>
+              <a:rPr lang="es-ES" sz="2000" strike="noStrike" dirty="0">
+                <a:ln>
+                  <a:solidFill>
+                    <a:srgbClr val="70AD47"/>
+                  </a:solidFill>
+                </a:ln>
+                <a:solidFill>
+                  <a:srgbClr val="70AD47"/>
+                </a:solidFill>
+                <a:effectLst/>
+                <a:latin typeface="docs-Roboto"/>
+              </a:rPr>
+              <a:t> </a:t>
+            </a:r>
+            <a:r>
+              <a:rPr lang="es-ES" sz="2000" strike="noStrike" dirty="0" err="1">
+                <a:ln>
+                  <a:solidFill>
+                    <a:srgbClr val="70AD47"/>
+                  </a:solidFill>
+                </a:ln>
+                <a:solidFill>
+                  <a:srgbClr val="70AD47"/>
+                </a:solidFill>
+                <a:effectLst/>
+                <a:latin typeface="docs-Roboto"/>
+              </a:rPr>
+              <a:t>permet</a:t>
+            </a:r>
+            <a:r>
+              <a:rPr lang="es-ES" sz="2000" strike="noStrike" dirty="0">
+                <a:ln>
+                  <a:solidFill>
+                    <a:srgbClr val="70AD47"/>
+                  </a:solidFill>
+                </a:ln>
+                <a:solidFill>
+                  <a:srgbClr val="70AD47"/>
+                </a:solidFill>
+                <a:effectLst/>
+                <a:latin typeface="docs-Roboto"/>
+              </a:rPr>
+              <a:t> de </a:t>
+            </a:r>
+            <a:r>
+              <a:rPr lang="es-ES" sz="2000" strike="noStrike" dirty="0" err="1">
+                <a:ln>
+                  <a:solidFill>
+                    <a:srgbClr val="70AD47"/>
+                  </a:solidFill>
+                </a:ln>
+                <a:solidFill>
+                  <a:srgbClr val="70AD47"/>
+                </a:solidFill>
+                <a:effectLst/>
+                <a:latin typeface="docs-Roboto"/>
+              </a:rPr>
+              <a:t>répondre</a:t>
+            </a:r>
+            <a:r>
+              <a:rPr lang="es-ES" sz="2000" strike="noStrike" dirty="0">
+                <a:ln>
+                  <a:solidFill>
+                    <a:srgbClr val="70AD47"/>
+                  </a:solidFill>
+                </a:ln>
+                <a:solidFill>
+                  <a:srgbClr val="70AD47"/>
+                </a:solidFill>
+                <a:effectLst/>
+                <a:latin typeface="docs-Roboto"/>
+              </a:rPr>
+              <a:t> </a:t>
+            </a:r>
+            <a:r>
+              <a:rPr lang="es-ES" sz="2000" strike="noStrike" dirty="0" err="1">
+                <a:ln>
+                  <a:solidFill>
+                    <a:srgbClr val="70AD47"/>
+                  </a:solidFill>
+                </a:ln>
+                <a:solidFill>
+                  <a:srgbClr val="70AD47"/>
+                </a:solidFill>
+                <a:effectLst/>
+                <a:latin typeface="docs-Roboto"/>
+              </a:rPr>
+              <a:t>aux</a:t>
+            </a:r>
+            <a:r>
+              <a:rPr lang="es-ES" sz="2000" strike="noStrike" dirty="0">
+                <a:ln>
+                  <a:solidFill>
+                    <a:srgbClr val="70AD47"/>
+                  </a:solidFill>
+                </a:ln>
+                <a:solidFill>
+                  <a:srgbClr val="70AD47"/>
+                </a:solidFill>
+                <a:effectLst/>
+                <a:latin typeface="docs-Roboto"/>
+              </a:rPr>
+              <a:t> </a:t>
+            </a:r>
+            <a:r>
+              <a:rPr lang="es-ES" sz="2000" strike="noStrike" dirty="0" err="1">
+                <a:ln>
+                  <a:solidFill>
+                    <a:srgbClr val="70AD47"/>
+                  </a:solidFill>
+                </a:ln>
+                <a:solidFill>
+                  <a:srgbClr val="70AD47"/>
+                </a:solidFill>
+                <a:effectLst/>
+                <a:latin typeface="docs-Roboto"/>
+              </a:rPr>
+              <a:t>attentes</a:t>
+            </a:r>
+            <a:r>
+              <a:rPr lang="es-ES" sz="2000" strike="noStrike" dirty="0">
+                <a:ln>
+                  <a:solidFill>
+                    <a:srgbClr val="70AD47"/>
+                  </a:solidFill>
+                </a:ln>
+                <a:solidFill>
+                  <a:srgbClr val="70AD47"/>
+                </a:solidFill>
+                <a:effectLst/>
+                <a:latin typeface="docs-Roboto"/>
+              </a:rPr>
+              <a:t> </a:t>
+            </a:r>
+            <a:r>
+              <a:rPr lang="es-ES" sz="2000" strike="noStrike" dirty="0" err="1">
+                <a:ln>
+                  <a:solidFill>
+                    <a:srgbClr val="70AD47"/>
+                  </a:solidFill>
+                </a:ln>
+                <a:solidFill>
+                  <a:srgbClr val="70AD47"/>
+                </a:solidFill>
+                <a:effectLst/>
+                <a:latin typeface="docs-Roboto"/>
+              </a:rPr>
+              <a:t>d’Academy</a:t>
+            </a:r>
+            <a:endParaRPr lang="fr-FR" sz="2000" strike="noStrike" dirty="0">
+              <a:ln>
+                <a:solidFill>
+                  <a:srgbClr val="70AD47"/>
+                </a:solidFill>
+              </a:ln>
+              <a:solidFill>
+                <a:srgbClr val="70AD47"/>
+              </a:solidFill>
+              <a:effectLst/>
+              <a:latin typeface="docs-Roboto"/>
+            </a:endParaRPr>
+          </a:p>
+        </p:txBody>
+      </p:sp>
+      <p:pic>
+        <p:nvPicPr>
+          <p:cNvPr id="65" name="Image 64">
+            <a:extLst>
+              <a:ext uri="{FF2B5EF4-FFF2-40B4-BE49-F238E27FC236}">
+                <a16:creationId xmlns:a16="http://schemas.microsoft.com/office/drawing/2014/main" id="{E5B478BE-134E-4A80-8B2E-6DDD07C93760}"/>
+              </a:ext>
+            </a:extLst>
+          </p:cNvPr>
+          <p:cNvPicPr>
+            <a:picLocks noChangeAspect="1"/>
+          </p:cNvPicPr>
+          <p:nvPr/>
+        </p:nvPicPr>
+        <p:blipFill>
+          <a:blip r:embed="rId2">
+            <a:duotone>
+              <a:schemeClr val="accent6">
+                <a:shade val="45000"/>
+                <a:satMod val="135000"/>
+              </a:schemeClr>
+              <a:prstClr val="white"/>
+            </a:duotone>
+            <a:extLst>
+              <a:ext uri="{28A0092B-C50C-407E-A947-70E740481C1C}">
+                <a14:useLocalDpi xmlns:a14="http://schemas.microsoft.com/office/drawing/2010/main" val="0"/>
+              </a:ext>
+            </a:extLst>
+          </a:blip>
+          <a:stretch>
+            <a:fillRect/>
+          </a:stretch>
+        </p:blipFill>
+        <p:spPr>
+          <a:xfrm>
+            <a:off x="387167" y="3720029"/>
+            <a:ext cx="457727" cy="427272"/>
+          </a:xfrm>
+          <a:prstGeom prst="rect">
+            <a:avLst/>
+          </a:prstGeom>
+        </p:spPr>
+      </p:pic>
+      <p:sp>
+        <p:nvSpPr>
+          <p:cNvPr id="66" name="ZoneTexte 65">
+            <a:extLst>
+              <a:ext uri="{FF2B5EF4-FFF2-40B4-BE49-F238E27FC236}">
+                <a16:creationId xmlns:a16="http://schemas.microsoft.com/office/drawing/2014/main" id="{6805456A-61A8-42A4-823A-37F4727A148F}"/>
+              </a:ext>
+            </a:extLst>
+          </p:cNvPr>
+          <p:cNvSpPr txBox="1"/>
+          <p:nvPr/>
+        </p:nvSpPr>
+        <p:spPr>
+          <a:xfrm>
+            <a:off x="854156" y="2750365"/>
+            <a:ext cx="8445409" cy="707886"/>
+          </a:xfrm>
+          <a:prstGeom prst="rect">
+            <a:avLst/>
+          </a:prstGeom>
+          <a:noFill/>
+        </p:spPr>
+        <p:txBody>
+          <a:bodyPr wrap="square">
+            <a:spAutoFit/>
+          </a:bodyPr>
+          <a:lstStyle/>
+          <a:p>
+            <a:pPr marL="342900" indent="-342900">
+              <a:buFont typeface="Wingdings" panose="05000000000000000000" pitchFamily="2" charset="2"/>
+              <a:buChar char="§"/>
+            </a:pPr>
+            <a:r>
+              <a:rPr lang="es-419" sz="2000" dirty="0"/>
+              <a:t>La </a:t>
+            </a:r>
+            <a:r>
+              <a:rPr lang="es-419" sz="2000" dirty="0" err="1"/>
+              <a:t>langue</a:t>
+            </a:r>
+            <a:r>
+              <a:rPr lang="es-419" sz="2000" dirty="0"/>
+              <a:t> des </a:t>
+            </a:r>
+            <a:r>
+              <a:rPr lang="es-419" sz="2000" dirty="0" err="1"/>
+              <a:t>cours</a:t>
+            </a:r>
+            <a:endParaRPr lang="es-419" sz="2000" dirty="0"/>
+          </a:p>
+          <a:p>
+            <a:pPr marL="342900" indent="-342900">
+              <a:buFont typeface="Wingdings" panose="05000000000000000000" pitchFamily="2" charset="2"/>
+              <a:buChar char="§"/>
+            </a:pPr>
+            <a:r>
+              <a:rPr lang="es-419" sz="2000" u="none" strike="noStrike" dirty="0">
+                <a:solidFill>
+                  <a:srgbClr val="000000"/>
+                </a:solidFill>
+                <a:effectLst/>
+                <a:latin typeface="docs-Roboto"/>
+              </a:rPr>
+              <a:t>Le </a:t>
+            </a:r>
+            <a:r>
+              <a:rPr lang="es-419" sz="2000" dirty="0" err="1">
+                <a:solidFill>
+                  <a:srgbClr val="000000"/>
+                </a:solidFill>
+                <a:latin typeface="docs-Roboto"/>
+              </a:rPr>
+              <a:t>p</a:t>
+            </a:r>
+            <a:r>
+              <a:rPr lang="es-419" sz="2000" u="none" strike="noStrike" dirty="0" err="1">
+                <a:solidFill>
+                  <a:srgbClr val="000000"/>
+                </a:solidFill>
+                <a:effectLst/>
+                <a:latin typeface="docs-Roboto"/>
+              </a:rPr>
+              <a:t>rix</a:t>
+            </a:r>
+            <a:r>
+              <a:rPr lang="es-419" sz="2000" u="none" strike="noStrike" dirty="0">
+                <a:solidFill>
+                  <a:srgbClr val="000000"/>
+                </a:solidFill>
+                <a:effectLst/>
+                <a:latin typeface="docs-Roboto"/>
+              </a:rPr>
+              <a:t> de la </a:t>
+            </a:r>
+            <a:r>
+              <a:rPr lang="es-419" sz="2000" u="none" strike="noStrike" dirty="0" err="1">
+                <a:solidFill>
+                  <a:srgbClr val="000000"/>
+                </a:solidFill>
+                <a:effectLst/>
+                <a:latin typeface="docs-Roboto"/>
+              </a:rPr>
+              <a:t>formation</a:t>
+            </a:r>
+            <a:endParaRPr lang="fr-FR" sz="2000" u="none" strike="noStrike" dirty="0">
+              <a:solidFill>
+                <a:srgbClr val="000000"/>
+              </a:solidFill>
+              <a:effectLst/>
+              <a:latin typeface="docs-Roboto"/>
+            </a:endParaRPr>
+          </a:p>
+        </p:txBody>
+      </p:sp>
+      <p:sp>
+        <p:nvSpPr>
+          <p:cNvPr id="14" name="TextBox 3">
+            <a:extLst>
+              <a:ext uri="{FF2B5EF4-FFF2-40B4-BE49-F238E27FC236}">
+                <a16:creationId xmlns:a16="http://schemas.microsoft.com/office/drawing/2014/main" id="{853AE2F2-8C49-4EE7-88A5-57C871541633}"/>
+              </a:ext>
+            </a:extLst>
+          </p:cNvPr>
+          <p:cNvSpPr txBox="1"/>
+          <p:nvPr/>
+        </p:nvSpPr>
+        <p:spPr>
+          <a:xfrm>
+            <a:off x="0" y="6475247"/>
+            <a:ext cx="4438395" cy="307777"/>
+          </a:xfrm>
+          <a:prstGeom prst="rect">
+            <a:avLst/>
+          </a:prstGeom>
+          <a:noFill/>
+        </p:spPr>
+        <p:txBody>
+          <a:bodyPr wrap="square" rtlCol="0">
+            <a:spAutoFit/>
+          </a:bodyPr>
+          <a:lstStyle/>
+          <a:p>
+            <a:r>
+              <a:rPr lang="es-CO" sz="1400" b="1" dirty="0">
+                <a:ln>
+                  <a:solidFill>
+                    <a:schemeClr val="bg1"/>
+                  </a:solidFill>
+                </a:ln>
+                <a:solidFill>
+                  <a:schemeClr val="bg1"/>
+                </a:solidFill>
+                <a:latin typeface="+mj-lt"/>
+              </a:rPr>
+              <a:t>Project 2 - </a:t>
+            </a:r>
+            <a:r>
+              <a:rPr lang="fr-FR" sz="1400" b="1" dirty="0">
+                <a:ln>
+                  <a:solidFill>
+                    <a:schemeClr val="bg1"/>
+                  </a:solidFill>
+                </a:ln>
+                <a:solidFill>
+                  <a:schemeClr val="bg1"/>
+                </a:solidFill>
+                <a:latin typeface="+mj-lt"/>
+              </a:rPr>
+              <a:t> Analyse des données de systèmes éducatifs </a:t>
+            </a:r>
+            <a:endParaRPr lang="en-US" sz="1400" b="1" dirty="0">
+              <a:ln>
+                <a:solidFill>
+                  <a:schemeClr val="bg1"/>
+                </a:solidFill>
+              </a:ln>
+              <a:solidFill>
+                <a:schemeClr val="bg1"/>
+              </a:solidFill>
+              <a:latin typeface="+mj-lt"/>
+            </a:endParaRPr>
+          </a:p>
+        </p:txBody>
+      </p:sp>
+    </p:spTree>
+    <p:extLst>
+      <p:ext uri="{BB962C8B-B14F-4D97-AF65-F5344CB8AC3E}">
+        <p14:creationId xmlns:p14="http://schemas.microsoft.com/office/powerpoint/2010/main" val="1582511228"/>
+      </p:ext>
+    </p:extLst>
+  </p:cSld>
+  <p:clrMapOvr>
+    <a:masterClrMapping/>
+  </p:clrMapOvr>
+</p:sld>
+</file>
+
+<file path=ppt/slides/slide21.xml><?xml version="1.0" encoding="utf-8"?>
+<p:sld xmlns:a="http://schemas.openxmlformats.org/drawingml/2006/main" xmlns:r="http://schemas.openxmlformats.org/officeDocument/2006/relationships" xmlns:p="http://schemas.openxmlformats.org/presentationml/2006/main">
+  <p:cSld>
+    <p:spTree>
+      <p:nvGrpSpPr>
+        <p:cNvPr id="1" name=""/>
+        <p:cNvGrpSpPr/>
+        <p:nvPr/>
+      </p:nvGrpSpPr>
+      <p:grpSpPr>
+        <a:xfrm>
+          <a:off x="0" y="0"/>
+          <a:ext cx="0" cy="0"/>
+          <a:chOff x="0" y="0"/>
+          <a:chExt cx="0" cy="0"/>
+        </a:xfrm>
+      </p:grpSpPr>
+      <p:sp>
+        <p:nvSpPr>
+          <p:cNvPr id="5" name="Rectangle 4">
+            <a:extLst>
+              <a:ext uri="{FF2B5EF4-FFF2-40B4-BE49-F238E27FC236}">
+                <a16:creationId xmlns:a16="http://schemas.microsoft.com/office/drawing/2014/main" id="{A00233D2-38CE-441F-90C9-32F91999758A}"/>
+              </a:ext>
+            </a:extLst>
+          </p:cNvPr>
+          <p:cNvSpPr/>
+          <p:nvPr/>
+        </p:nvSpPr>
+        <p:spPr>
+          <a:xfrm>
+            <a:off x="0" y="6400273"/>
+            <a:ext cx="12192000" cy="457727"/>
+          </a:xfrm>
+          <a:prstGeom prst="rect">
+            <a:avLst/>
+          </a:prstGeom>
+          <a:solidFill>
+            <a:srgbClr val="7451EB"/>
+          </a:solidFill>
+          <a:ln>
+            <a:solidFill>
+              <a:srgbClr val="7451EB"/>
+            </a:solidFill>
+          </a:ln>
+        </p:spPr>
+        <p:style>
+          <a:lnRef idx="2">
+            <a:schemeClr val="accent1">
+              <a:shade val="50000"/>
+            </a:schemeClr>
+          </a:lnRef>
+          <a:fillRef idx="1">
+            <a:schemeClr val="accent1"/>
+          </a:fillRef>
+          <a:effectRef idx="0">
+            <a:schemeClr val="accent1"/>
+          </a:effectRef>
+          <a:fontRef idx="minor">
+            <a:schemeClr val="lt1"/>
+          </a:fontRef>
+        </p:style>
+        <p:txBody>
+          <a:bodyPr rtlCol="0" anchor="ctr"/>
+          <a:lstStyle/>
+          <a:p>
+            <a:pPr algn="ctr"/>
+            <a:endParaRPr lang="en-US" dirty="0"/>
+          </a:p>
+        </p:txBody>
+      </p:sp>
+      <p:sp>
+        <p:nvSpPr>
+          <p:cNvPr id="15" name="TextBox 3">
+            <a:extLst>
+              <a:ext uri="{FF2B5EF4-FFF2-40B4-BE49-F238E27FC236}">
+                <a16:creationId xmlns:a16="http://schemas.microsoft.com/office/drawing/2014/main" id="{47FC2DCC-BDE9-485D-AF79-4177B5479110}"/>
+              </a:ext>
+            </a:extLst>
+          </p:cNvPr>
+          <p:cNvSpPr txBox="1"/>
+          <p:nvPr/>
+        </p:nvSpPr>
+        <p:spPr>
+          <a:xfrm>
+            <a:off x="10543592" y="6475247"/>
+            <a:ext cx="1648408" cy="307777"/>
+          </a:xfrm>
+          <a:prstGeom prst="rect">
+            <a:avLst/>
+          </a:prstGeom>
+          <a:noFill/>
+        </p:spPr>
+        <p:txBody>
+          <a:bodyPr wrap="square" rtlCol="0">
+            <a:spAutoFit/>
+          </a:bodyPr>
+          <a:lstStyle/>
+          <a:p>
+            <a:pPr algn="r"/>
+            <a:r>
+              <a:rPr lang="es-CO" sz="1400" b="1" i="1" dirty="0" err="1">
+                <a:ln>
+                  <a:solidFill>
+                    <a:schemeClr val="bg1"/>
+                  </a:solidFill>
+                </a:ln>
+                <a:solidFill>
+                  <a:schemeClr val="bg1"/>
+                </a:solidFill>
+                <a:latin typeface="+mj-lt"/>
+              </a:rPr>
+              <a:t>OpenClassrooms</a:t>
+            </a:r>
+            <a:endParaRPr lang="en-US" sz="1400" b="1" i="1" dirty="0">
+              <a:ln>
+                <a:solidFill>
+                  <a:schemeClr val="bg1"/>
+                </a:solidFill>
+              </a:ln>
+              <a:solidFill>
+                <a:schemeClr val="bg1"/>
+              </a:solidFill>
+              <a:latin typeface="+mj-lt"/>
+            </a:endParaRPr>
+          </a:p>
+        </p:txBody>
+      </p:sp>
+      <p:sp>
+        <p:nvSpPr>
+          <p:cNvPr id="10" name="Titre 1">
+            <a:extLst>
+              <a:ext uri="{FF2B5EF4-FFF2-40B4-BE49-F238E27FC236}">
+                <a16:creationId xmlns:a16="http://schemas.microsoft.com/office/drawing/2014/main" id="{224E5C7D-3656-459F-9C01-61200508167F}"/>
+              </a:ext>
+            </a:extLst>
+          </p:cNvPr>
+          <p:cNvSpPr txBox="1">
+            <a:spLocks/>
+          </p:cNvSpPr>
+          <p:nvPr/>
+        </p:nvSpPr>
+        <p:spPr>
+          <a:xfrm>
+            <a:off x="279916" y="432794"/>
+            <a:ext cx="11112333" cy="820048"/>
+          </a:xfrm>
+          <a:prstGeom prst="rect">
+            <a:avLst/>
+          </a:prstGeom>
+        </p:spPr>
+        <p:txBody>
+          <a:bodyPr vert="horz" lIns="91440" tIns="45720" rIns="91440" bIns="45720" rtlCol="0" anchor="ctr">
+            <a:noAutofit/>
+          </a:bodyPr>
+          <a:lstStyle>
+            <a:lvl1pPr algn="l" defTabSz="914400" rtl="0" eaLnBrk="1" latinLnBrk="0" hangingPunct="1">
+              <a:lnSpc>
+                <a:spcPct val="90000"/>
+              </a:lnSpc>
+              <a:spcBef>
+                <a:spcPct val="0"/>
+              </a:spcBef>
+              <a:buNone/>
+              <a:defRPr sz="4400" kern="1200">
+                <a:solidFill>
+                  <a:schemeClr val="tx1"/>
+                </a:solidFill>
+                <a:latin typeface="+mj-lt"/>
+                <a:ea typeface="+mj-ea"/>
+                <a:cs typeface="+mj-cs"/>
+              </a:defRPr>
+            </a:lvl1pPr>
+          </a:lstStyle>
+          <a:p>
+            <a:r>
+              <a:rPr lang="fr-FR" sz="4000" b="1" dirty="0">
+                <a:ln>
+                  <a:solidFill>
+                    <a:srgbClr val="7451EB"/>
+                  </a:solidFill>
+                </a:ln>
+                <a:solidFill>
+                  <a:srgbClr val="7451EB"/>
+                </a:solidFill>
+                <a:latin typeface="Google Sans"/>
+              </a:rPr>
+              <a:t>Avez-vous des questions ?</a:t>
+            </a:r>
+            <a:endParaRPr lang="es-419" sz="4000" b="1" u="sng" dirty="0">
+              <a:ln>
+                <a:solidFill>
+                  <a:srgbClr val="7451EB"/>
+                </a:solidFill>
+              </a:ln>
+              <a:solidFill>
+                <a:srgbClr val="7451EB"/>
+              </a:solidFill>
+              <a:effectLst>
+                <a:outerShdw blurRad="38100" dist="38100" dir="2700000" algn="tl">
+                  <a:srgbClr val="000000">
+                    <a:alpha val="43137"/>
+                  </a:srgbClr>
+                </a:outerShdw>
+              </a:effectLst>
+            </a:endParaRPr>
+          </a:p>
+        </p:txBody>
+      </p:sp>
+      <p:sp>
+        <p:nvSpPr>
+          <p:cNvPr id="11" name="Rectángulo 4">
+            <a:extLst>
+              <a:ext uri="{FF2B5EF4-FFF2-40B4-BE49-F238E27FC236}">
+                <a16:creationId xmlns:a16="http://schemas.microsoft.com/office/drawing/2014/main" id="{B84F0FDC-2C73-4C87-9CC7-F9F129B3A699}"/>
+              </a:ext>
+            </a:extLst>
+          </p:cNvPr>
+          <p:cNvSpPr/>
+          <p:nvPr/>
+        </p:nvSpPr>
+        <p:spPr>
+          <a:xfrm>
+            <a:off x="377906" y="378794"/>
+            <a:ext cx="366721" cy="54000"/>
+          </a:xfrm>
+          <a:prstGeom prst="rect">
+            <a:avLst/>
+          </a:prstGeom>
+          <a:solidFill>
+            <a:srgbClr val="7451EB"/>
+          </a:solidFill>
+          <a:ln>
+            <a:solidFill>
+              <a:srgbClr val="7451EB"/>
+            </a:solidFill>
+          </a:ln>
+        </p:spPr>
+        <p:style>
+          <a:lnRef idx="2">
+            <a:schemeClr val="accent1">
+              <a:shade val="50000"/>
+            </a:schemeClr>
+          </a:lnRef>
+          <a:fillRef idx="1">
+            <a:schemeClr val="accent1"/>
+          </a:fillRef>
+          <a:effectRef idx="0">
+            <a:schemeClr val="accent1"/>
+          </a:effectRef>
+          <a:fontRef idx="minor">
+            <a:schemeClr val="lt1"/>
+          </a:fontRef>
+        </p:style>
+        <p:txBody>
+          <a:bodyPr rtlCol="0" anchor="ctr"/>
+          <a:lstStyle/>
+          <a:p>
+            <a:pPr algn="ctr"/>
+            <a:endParaRPr lang="es-AR">
+              <a:ln>
+                <a:solidFill>
+                  <a:srgbClr val="7451EB"/>
+                </a:solidFill>
+              </a:ln>
+              <a:solidFill>
+                <a:srgbClr val="7451EB"/>
+              </a:solidFill>
+            </a:endParaRPr>
+          </a:p>
+        </p:txBody>
+      </p:sp>
       <p:pic>
         <p:nvPicPr>
           <p:cNvPr id="17" name="Image 16">
@@ -15038,7 +15312,7 @@
 </p:sld>
 </file>
 
-<file path=ppt/slides/slide21.xml><?xml version="1.0" encoding="utf-8"?>
+<file path=ppt/slides/slide22.xml><?xml version="1.0" encoding="utf-8"?>
 <p:sld xmlns:a="http://schemas.openxmlformats.org/drawingml/2006/main" xmlns:r="http://schemas.openxmlformats.org/officeDocument/2006/relationships" xmlns:p="http://schemas.openxmlformats.org/presentationml/2006/main">
   <p:cSld>
     <p:spTree>

--- a/supports/P2_02_presentation v1.pptx
+++ b/supports/P2_02_presentation v1.pptx
@@ -233,7 +233,7 @@
           <a:p>
             <a:fld id="{081908C2-F1FA-4AA1-810C-31F86594FA86}" type="datetimeFigureOut">
               <a:rPr lang="en-US" smtClean="0"/>
-              <a:t>4/30/2021</a:t>
+              <a:t>5/1/2021</a:t>
             </a:fld>
             <a:endParaRPr lang="en-US"/>
           </a:p>
@@ -398,7 +398,7 @@
           <a:p>
             <a:fld id="{56E8D31E-EEDD-42CA-A79A-B9539977145E}" type="datetimeFigureOut">
               <a:rPr lang="en-US" smtClean="0"/>
-              <a:t>4/30/2021</a:t>
+              <a:t>5/1/2021</a:t>
             </a:fld>
             <a:endParaRPr lang="en-US"/>
           </a:p>
@@ -812,7 +812,7 @@
           <a:p>
             <a:fld id="{E1DCD729-31D5-4480-98D7-69012EF3B7DD}" type="datetimeFigureOut">
               <a:rPr lang="en-US" smtClean="0"/>
-              <a:t>4/30/2021</a:t>
+              <a:t>5/1/2021</a:t>
             </a:fld>
             <a:endParaRPr lang="en-US"/>
           </a:p>
@@ -1010,7 +1010,7 @@
           <a:p>
             <a:fld id="{E1DCD729-31D5-4480-98D7-69012EF3B7DD}" type="datetimeFigureOut">
               <a:rPr lang="en-US" smtClean="0"/>
-              <a:t>4/30/2021</a:t>
+              <a:t>5/1/2021</a:t>
             </a:fld>
             <a:endParaRPr lang="en-US"/>
           </a:p>
@@ -1218,7 +1218,7 @@
           <a:p>
             <a:fld id="{E1DCD729-31D5-4480-98D7-69012EF3B7DD}" type="datetimeFigureOut">
               <a:rPr lang="en-US" smtClean="0"/>
-              <a:t>4/30/2021</a:t>
+              <a:t>5/1/2021</a:t>
             </a:fld>
             <a:endParaRPr lang="en-US"/>
           </a:p>
@@ -1416,7 +1416,7 @@
           <a:p>
             <a:fld id="{E1DCD729-31D5-4480-98D7-69012EF3B7DD}" type="datetimeFigureOut">
               <a:rPr lang="en-US" smtClean="0"/>
-              <a:t>4/30/2021</a:t>
+              <a:t>5/1/2021</a:t>
             </a:fld>
             <a:endParaRPr lang="en-US"/>
           </a:p>
@@ -1691,7 +1691,7 @@
           <a:p>
             <a:fld id="{E1DCD729-31D5-4480-98D7-69012EF3B7DD}" type="datetimeFigureOut">
               <a:rPr lang="en-US" smtClean="0"/>
-              <a:t>4/30/2021</a:t>
+              <a:t>5/1/2021</a:t>
             </a:fld>
             <a:endParaRPr lang="en-US"/>
           </a:p>
@@ -1956,7 +1956,7 @@
           <a:p>
             <a:fld id="{E1DCD729-31D5-4480-98D7-69012EF3B7DD}" type="datetimeFigureOut">
               <a:rPr lang="en-US" smtClean="0"/>
-              <a:t>4/30/2021</a:t>
+              <a:t>5/1/2021</a:t>
             </a:fld>
             <a:endParaRPr lang="en-US"/>
           </a:p>
@@ -2368,7 +2368,7 @@
           <a:p>
             <a:fld id="{E1DCD729-31D5-4480-98D7-69012EF3B7DD}" type="datetimeFigureOut">
               <a:rPr lang="en-US" smtClean="0"/>
-              <a:t>4/30/2021</a:t>
+              <a:t>5/1/2021</a:t>
             </a:fld>
             <a:endParaRPr lang="en-US"/>
           </a:p>
@@ -2509,7 +2509,7 @@
           <a:p>
             <a:fld id="{E1DCD729-31D5-4480-98D7-69012EF3B7DD}" type="datetimeFigureOut">
               <a:rPr lang="en-US" smtClean="0"/>
-              <a:t>4/30/2021</a:t>
+              <a:t>5/1/2021</a:t>
             </a:fld>
             <a:endParaRPr lang="en-US"/>
           </a:p>
@@ -2622,7 +2622,7 @@
           <a:p>
             <a:fld id="{E1DCD729-31D5-4480-98D7-69012EF3B7DD}" type="datetimeFigureOut">
               <a:rPr lang="en-US" smtClean="0"/>
-              <a:t>4/30/2021</a:t>
+              <a:t>5/1/2021</a:t>
             </a:fld>
             <a:endParaRPr lang="en-US"/>
           </a:p>
@@ -2933,7 +2933,7 @@
           <a:p>
             <a:fld id="{E1DCD729-31D5-4480-98D7-69012EF3B7DD}" type="datetimeFigureOut">
               <a:rPr lang="en-US" smtClean="0"/>
-              <a:t>4/30/2021</a:t>
+              <a:t>5/1/2021</a:t>
             </a:fld>
             <a:endParaRPr lang="en-US"/>
           </a:p>
@@ -3221,7 +3221,7 @@
           <a:p>
             <a:fld id="{E1DCD729-31D5-4480-98D7-69012EF3B7DD}" type="datetimeFigureOut">
               <a:rPr lang="en-US" smtClean="0"/>
-              <a:t>4/30/2021</a:t>
+              <a:t>5/1/2021</a:t>
             </a:fld>
             <a:endParaRPr lang="en-US"/>
           </a:p>
@@ -3471,7 +3471,7 @@
           <a:p>
             <a:fld id="{E1DCD729-31D5-4480-98D7-69012EF3B7DD}" type="datetimeFigureOut">
               <a:rPr lang="en-US" smtClean="0"/>
-              <a:t>4/30/2021</a:t>
+              <a:t>5/1/2021</a:t>
             </a:fld>
             <a:endParaRPr lang="en-US"/>
           </a:p>

--- a/supports/P2_02_presentation v1.pptx
+++ b/supports/P2_02_presentation v1.pptx
@@ -25,7 +25,7 @@
     <p:sldId id="389" r:id="rId13"/>
     <p:sldId id="390" r:id="rId14"/>
     <p:sldId id="391" r:id="rId15"/>
-    <p:sldId id="396" r:id="rId16"/>
+    <p:sldId id="401" r:id="rId16"/>
     <p:sldId id="398" r:id="rId17"/>
     <p:sldId id="393" r:id="rId18"/>
     <p:sldId id="400" r:id="rId19"/>
@@ -233,7 +233,7 @@
           <a:p>
             <a:fld id="{081908C2-F1FA-4AA1-810C-31F86594FA86}" type="datetimeFigureOut">
               <a:rPr lang="en-US" smtClean="0"/>
-              <a:t>5/1/2021</a:t>
+              <a:t>5/2/2021</a:t>
             </a:fld>
             <a:endParaRPr lang="en-US"/>
           </a:p>
@@ -398,7 +398,7 @@
           <a:p>
             <a:fld id="{56E8D31E-EEDD-42CA-A79A-B9539977145E}" type="datetimeFigureOut">
               <a:rPr lang="en-US" smtClean="0"/>
-              <a:t>5/1/2021</a:t>
+              <a:t>5/2/2021</a:t>
             </a:fld>
             <a:endParaRPr lang="en-US"/>
           </a:p>
@@ -812,7 +812,7 @@
           <a:p>
             <a:fld id="{E1DCD729-31D5-4480-98D7-69012EF3B7DD}" type="datetimeFigureOut">
               <a:rPr lang="en-US" smtClean="0"/>
-              <a:t>5/1/2021</a:t>
+              <a:t>5/2/2021</a:t>
             </a:fld>
             <a:endParaRPr lang="en-US"/>
           </a:p>
@@ -1010,7 +1010,7 @@
           <a:p>
             <a:fld id="{E1DCD729-31D5-4480-98D7-69012EF3B7DD}" type="datetimeFigureOut">
               <a:rPr lang="en-US" smtClean="0"/>
-              <a:t>5/1/2021</a:t>
+              <a:t>5/2/2021</a:t>
             </a:fld>
             <a:endParaRPr lang="en-US"/>
           </a:p>
@@ -1218,7 +1218,7 @@
           <a:p>
             <a:fld id="{E1DCD729-31D5-4480-98D7-69012EF3B7DD}" type="datetimeFigureOut">
               <a:rPr lang="en-US" smtClean="0"/>
-              <a:t>5/1/2021</a:t>
+              <a:t>5/2/2021</a:t>
             </a:fld>
             <a:endParaRPr lang="en-US"/>
           </a:p>
@@ -1416,7 +1416,7 @@
           <a:p>
             <a:fld id="{E1DCD729-31D5-4480-98D7-69012EF3B7DD}" type="datetimeFigureOut">
               <a:rPr lang="en-US" smtClean="0"/>
-              <a:t>5/1/2021</a:t>
+              <a:t>5/2/2021</a:t>
             </a:fld>
             <a:endParaRPr lang="en-US"/>
           </a:p>
@@ -1691,7 +1691,7 @@
           <a:p>
             <a:fld id="{E1DCD729-31D5-4480-98D7-69012EF3B7DD}" type="datetimeFigureOut">
               <a:rPr lang="en-US" smtClean="0"/>
-              <a:t>5/1/2021</a:t>
+              <a:t>5/2/2021</a:t>
             </a:fld>
             <a:endParaRPr lang="en-US"/>
           </a:p>
@@ -1956,7 +1956,7 @@
           <a:p>
             <a:fld id="{E1DCD729-31D5-4480-98D7-69012EF3B7DD}" type="datetimeFigureOut">
               <a:rPr lang="en-US" smtClean="0"/>
-              <a:t>5/1/2021</a:t>
+              <a:t>5/2/2021</a:t>
             </a:fld>
             <a:endParaRPr lang="en-US"/>
           </a:p>
@@ -2368,7 +2368,7 @@
           <a:p>
             <a:fld id="{E1DCD729-31D5-4480-98D7-69012EF3B7DD}" type="datetimeFigureOut">
               <a:rPr lang="en-US" smtClean="0"/>
-              <a:t>5/1/2021</a:t>
+              <a:t>5/2/2021</a:t>
             </a:fld>
             <a:endParaRPr lang="en-US"/>
           </a:p>
@@ -2509,7 +2509,7 @@
           <a:p>
             <a:fld id="{E1DCD729-31D5-4480-98D7-69012EF3B7DD}" type="datetimeFigureOut">
               <a:rPr lang="en-US" smtClean="0"/>
-              <a:t>5/1/2021</a:t>
+              <a:t>5/2/2021</a:t>
             </a:fld>
             <a:endParaRPr lang="en-US"/>
           </a:p>
@@ -2622,7 +2622,7 @@
           <a:p>
             <a:fld id="{E1DCD729-31D5-4480-98D7-69012EF3B7DD}" type="datetimeFigureOut">
               <a:rPr lang="en-US" smtClean="0"/>
-              <a:t>5/1/2021</a:t>
+              <a:t>5/2/2021</a:t>
             </a:fld>
             <a:endParaRPr lang="en-US"/>
           </a:p>
@@ -2933,7 +2933,7 @@
           <a:p>
             <a:fld id="{E1DCD729-31D5-4480-98D7-69012EF3B7DD}" type="datetimeFigureOut">
               <a:rPr lang="en-US" smtClean="0"/>
-              <a:t>5/1/2021</a:t>
+              <a:t>5/2/2021</a:t>
             </a:fld>
             <a:endParaRPr lang="en-US"/>
           </a:p>
@@ -3221,7 +3221,7 @@
           <a:p>
             <a:fld id="{E1DCD729-31D5-4480-98D7-69012EF3B7DD}" type="datetimeFigureOut">
               <a:rPr lang="en-US" smtClean="0"/>
-              <a:t>5/1/2021</a:t>
+              <a:t>5/2/2021</a:t>
             </a:fld>
             <a:endParaRPr lang="en-US"/>
           </a:p>
@@ -3471,7 +3471,7 @@
           <a:p>
             <a:fld id="{E1DCD729-31D5-4480-98D7-69012EF3B7DD}" type="datetimeFigureOut">
               <a:rPr lang="en-US" smtClean="0"/>
-              <a:t>5/1/2021</a:t>
+              <a:t>5/2/2021</a:t>
             </a:fld>
             <a:endParaRPr lang="en-US"/>
           </a:p>
@@ -9672,7 +9672,7 @@
         </p:nvSpPr>
         <p:spPr>
           <a:xfrm>
-            <a:off x="968338" y="1958394"/>
+            <a:off x="968338" y="2141366"/>
             <a:ext cx="1635526" cy="400110"/>
           </a:xfrm>
           <a:prstGeom prst="rect">
@@ -9714,7 +9714,7 @@
         </p:nvSpPr>
         <p:spPr>
           <a:xfrm>
-            <a:off x="384498" y="2422014"/>
+            <a:off x="384498" y="2604986"/>
             <a:ext cx="11575853" cy="969496"/>
           </a:xfrm>
           <a:prstGeom prst="rect">
@@ -9932,13 +9932,13 @@
           <p:nvPr>
             <p:extLst>
               <p:ext uri="{D42A27DB-BD31-4B8C-83A1-F6EECF244321}">
-                <p14:modId xmlns:p14="http://schemas.microsoft.com/office/powerpoint/2010/main" val="672458779"/>
+                <p14:modId xmlns:p14="http://schemas.microsoft.com/office/powerpoint/2010/main" val="3586941846"/>
               </p:ext>
             </p:extLst>
           </p:nvPr>
         </p:nvGraphicFramePr>
         <p:xfrm>
-          <a:off x="1464296" y="3531282"/>
+          <a:off x="1464296" y="3666334"/>
           <a:ext cx="9263408" cy="2549214"/>
         </p:xfrm>
         <a:graphic>
@@ -10112,9 +10112,18 @@
                     <a:p>
                       <a:pPr algn="ctr"/>
                       <a:r>
-                        <a:rPr lang="es-419" sz="1600"/>
-                        <a:t>Enrolment in education</a:t>
+                        <a:rPr lang="es-419" sz="1600" dirty="0" err="1"/>
+                        <a:t>Enrolment</a:t>
                       </a:r>
+                      <a:r>
+                        <a:rPr lang="es-419" sz="1600" dirty="0"/>
+                        <a:t> in </a:t>
+                      </a:r>
+                      <a:r>
+                        <a:rPr lang="es-419" sz="1600" dirty="0" err="1"/>
+                        <a:t>education</a:t>
+                      </a:r>
+                      <a:endParaRPr lang="es-419" sz="1600" dirty="0"/>
                     </a:p>
                   </a:txBody>
                   <a:tcPr anchor="ctr"/>
@@ -10443,12 +10452,55 @@
           </a:p>
         </p:txBody>
       </p:sp>
+      <p:pic>
+        <p:nvPicPr>
+          <p:cNvPr id="29" name="Image 28">
+            <a:extLst>
+              <a:ext uri="{FF2B5EF4-FFF2-40B4-BE49-F238E27FC236}">
+                <a16:creationId xmlns:a16="http://schemas.microsoft.com/office/drawing/2014/main" id="{C7EBAAB4-C3D3-446E-A47A-09B4D65BC8D4}"/>
+              </a:ext>
+            </a:extLst>
+          </p:cNvPr>
+          <p:cNvPicPr>
+            <a:picLocks noChangeAspect="1"/>
+          </p:cNvPicPr>
+          <p:nvPr/>
+        </p:nvPicPr>
+        <p:blipFill>
+          <a:blip r:embed="rId2">
+            <a:duotone>
+              <a:schemeClr val="accent6">
+                <a:shade val="45000"/>
+                <a:satMod val="135000"/>
+              </a:schemeClr>
+              <a:prstClr val="white"/>
+            </a:duotone>
+            <a:extLst>
+              <a:ext uri="{28A0092B-C50C-407E-A947-70E740481C1C}">
+                <a14:useLocalDpi xmlns:a14="http://schemas.microsoft.com/office/drawing/2010/main" val="0"/>
+              </a:ext>
+            </a:extLst>
+          </a:blip>
+          <a:stretch>
+            <a:fillRect/>
+          </a:stretch>
+        </p:blipFill>
+        <p:spPr>
+          <a:xfrm>
+            <a:off x="384498" y="2135968"/>
+            <a:ext cx="457727" cy="427272"/>
+          </a:xfrm>
+          <a:prstGeom prst="rect">
+            <a:avLst/>
+          </a:prstGeom>
+        </p:spPr>
+      </p:pic>
       <p:sp>
         <p:nvSpPr>
-          <p:cNvPr id="22" name="Rectangle 21">
-            <a:extLst>
-              <a:ext uri="{FF2B5EF4-FFF2-40B4-BE49-F238E27FC236}">
-                <a16:creationId xmlns:a16="http://schemas.microsoft.com/office/drawing/2014/main" id="{4D4B61B1-44DD-44E5-92E4-FF74A0651105}"/>
+          <p:cNvPr id="14" name="Rectangle 13">
+            <a:extLst>
+              <a:ext uri="{FF2B5EF4-FFF2-40B4-BE49-F238E27FC236}">
+                <a16:creationId xmlns:a16="http://schemas.microsoft.com/office/drawing/2014/main" id="{18EA4344-AA9C-43BE-BAEA-8401C7AA3A62}"/>
               </a:ext>
             </a:extLst>
           </p:cNvPr>
@@ -10457,8 +10509,8 @@
         </p:nvSpPr>
         <p:spPr>
           <a:xfrm>
-            <a:off x="1" y="1218795"/>
-            <a:ext cx="6219824" cy="400110"/>
+            <a:off x="1" y="1224174"/>
+            <a:ext cx="8445409" cy="743403"/>
           </a:xfrm>
           <a:prstGeom prst="rect">
             <a:avLst/>
@@ -10506,48 +10558,12 @@
           </a:p>
         </p:txBody>
       </p:sp>
-      <p:pic>
-        <p:nvPicPr>
-          <p:cNvPr id="24" name="Image 23">
-            <a:extLst>
-              <a:ext uri="{FF2B5EF4-FFF2-40B4-BE49-F238E27FC236}">
-                <a16:creationId xmlns:a16="http://schemas.microsoft.com/office/drawing/2014/main" id="{E055697F-32E1-4775-B46C-E7DC73AB23B3}"/>
-              </a:ext>
-            </a:extLst>
-          </p:cNvPr>
-          <p:cNvPicPr>
-            <a:picLocks noChangeAspect="1"/>
-          </p:cNvPicPr>
-          <p:nvPr/>
-        </p:nvPicPr>
-        <p:blipFill>
-          <a:blip r:embed="rId2">
-            <a:extLst>
-              <a:ext uri="{28A0092B-C50C-407E-A947-70E740481C1C}">
-                <a14:useLocalDpi xmlns:a14="http://schemas.microsoft.com/office/drawing/2010/main" val="0"/>
-              </a:ext>
-            </a:extLst>
-          </a:blip>
-          <a:stretch>
-            <a:fillRect/>
-          </a:stretch>
-        </p:blipFill>
-        <p:spPr>
-          <a:xfrm>
-            <a:off x="222968" y="1274850"/>
-            <a:ext cx="288000" cy="288000"/>
-          </a:xfrm>
-          <a:prstGeom prst="rect">
-            <a:avLst/>
-          </a:prstGeom>
-        </p:spPr>
-      </p:pic>
       <p:sp>
         <p:nvSpPr>
-          <p:cNvPr id="26" name="ZoneTexte 25">
-            <a:extLst>
-              <a:ext uri="{FF2B5EF4-FFF2-40B4-BE49-F238E27FC236}">
-                <a16:creationId xmlns:a16="http://schemas.microsoft.com/office/drawing/2014/main" id="{D62D4A7A-390D-45F0-BEC3-F4BB45C74EF0}"/>
+          <p:cNvPr id="16" name="ZoneTexte 15">
+            <a:extLst>
+              <a:ext uri="{FF2B5EF4-FFF2-40B4-BE49-F238E27FC236}">
+                <a16:creationId xmlns:a16="http://schemas.microsoft.com/office/drawing/2014/main" id="{61AF7E12-E5D6-4BA7-815E-422EFE3F35E7}"/>
               </a:ext>
             </a:extLst>
           </p:cNvPr>
@@ -10556,8 +10572,8 @@
         </p:nvSpPr>
         <p:spPr>
           <a:xfrm>
-            <a:off x="510968" y="1228311"/>
-            <a:ext cx="5486400" cy="369332"/>
+            <a:off x="854157" y="1268371"/>
+            <a:ext cx="7451644" cy="646331"/>
           </a:xfrm>
           <a:prstGeom prst="rect">
             <a:avLst/>
@@ -10597,14 +10613,42 @@
               <a:latin typeface="Google Sans"/>
             </a:endParaRPr>
           </a:p>
+          <a:p>
+            <a:r>
+              <a:rPr lang="fr-FR" i="1" u="none" strike="noStrike" dirty="0">
+                <a:ln>
+                  <a:solidFill>
+                    <a:schemeClr val="bg1"/>
+                  </a:solidFill>
+                </a:ln>
+                <a:solidFill>
+                  <a:schemeClr val="bg1"/>
+                </a:solidFill>
+                <a:effectLst/>
+                <a:latin typeface="docs-Roboto"/>
+              </a:rPr>
+              <a:t>Pour chacun de ces pays, quelle sera l’évolution de ce potentiel de clients ?</a:t>
+            </a:r>
+            <a:endParaRPr lang="fr-FR" i="1" dirty="0">
+              <a:ln>
+                <a:solidFill>
+                  <a:schemeClr val="bg1"/>
+                </a:solidFill>
+              </a:ln>
+              <a:solidFill>
+                <a:schemeClr val="bg1"/>
+              </a:solidFill>
+              <a:latin typeface="Google Sans"/>
+            </a:endParaRPr>
+          </a:p>
         </p:txBody>
       </p:sp>
       <p:pic>
         <p:nvPicPr>
-          <p:cNvPr id="29" name="Image 28">
-            <a:extLst>
-              <a:ext uri="{FF2B5EF4-FFF2-40B4-BE49-F238E27FC236}">
-                <a16:creationId xmlns:a16="http://schemas.microsoft.com/office/drawing/2014/main" id="{C7EBAAB4-C3D3-446E-A47A-09B4D65BC8D4}"/>
+          <p:cNvPr id="18" name="Image 17">
+            <a:extLst>
+              <a:ext uri="{FF2B5EF4-FFF2-40B4-BE49-F238E27FC236}">
+                <a16:creationId xmlns:a16="http://schemas.microsoft.com/office/drawing/2014/main" id="{452FD8D9-D5EC-47DE-A415-1CEA83FEB272}"/>
               </a:ext>
             </a:extLst>
           </p:cNvPr>
@@ -10615,13 +10659,6 @@
         </p:nvPicPr>
         <p:blipFill>
           <a:blip r:embed="rId3">
-            <a:duotone>
-              <a:schemeClr val="accent6">
-                <a:shade val="45000"/>
-                <a:satMod val="135000"/>
-              </a:schemeClr>
-              <a:prstClr val="white"/>
-            </a:duotone>
             <a:extLst>
               <a:ext uri="{28A0092B-C50C-407E-A947-70E740481C1C}">
                 <a14:useLocalDpi xmlns:a14="http://schemas.microsoft.com/office/drawing/2010/main" val="0"/>
@@ -10634,8 +10671,8 @@
         </p:blipFill>
         <p:spPr>
           <a:xfrm>
-            <a:off x="384498" y="1952996"/>
-            <a:ext cx="457727" cy="427272"/>
+            <a:off x="222968" y="1321536"/>
+            <a:ext cx="540000" cy="540000"/>
           </a:xfrm>
           <a:prstGeom prst="rect">
             <a:avLst/>
@@ -10645,7 +10682,7 @@
     </p:spTree>
     <p:extLst>
       <p:ext uri="{BB962C8B-B14F-4D97-AF65-F5344CB8AC3E}">
-        <p14:creationId xmlns:p14="http://schemas.microsoft.com/office/powerpoint/2010/main" val="2198567291"/>
+        <p14:creationId xmlns:p14="http://schemas.microsoft.com/office/powerpoint/2010/main" val="2027874800"/>
       </p:ext>
     </p:extLst>
   </p:cSld>
@@ -11678,6 +11715,49 @@
           <a:chExt cx="0" cy="0"/>
         </a:xfrm>
       </p:grpSpPr>
+      <p:pic>
+        <p:nvPicPr>
+          <p:cNvPr id="16" name="Image 15">
+            <a:extLst>
+              <a:ext uri="{FF2B5EF4-FFF2-40B4-BE49-F238E27FC236}">
+                <a16:creationId xmlns:a16="http://schemas.microsoft.com/office/drawing/2014/main" id="{503B8138-84C7-4E96-8B41-4407F524D302}"/>
+              </a:ext>
+            </a:extLst>
+          </p:cNvPr>
+          <p:cNvPicPr>
+            <a:picLocks noChangeAspect="1"/>
+          </p:cNvPicPr>
+          <p:nvPr/>
+        </p:nvPicPr>
+        <p:blipFill>
+          <a:blip r:embed="rId2">
+            <a:duotone>
+              <a:schemeClr val="accent6">
+                <a:shade val="45000"/>
+                <a:satMod val="135000"/>
+              </a:schemeClr>
+              <a:prstClr val="white"/>
+            </a:duotone>
+            <a:extLst>
+              <a:ext uri="{28A0092B-C50C-407E-A947-70E740481C1C}">
+                <a14:useLocalDpi xmlns:a14="http://schemas.microsoft.com/office/drawing/2010/main" val="0"/>
+              </a:ext>
+            </a:extLst>
+          </a:blip>
+          <a:stretch>
+            <a:fillRect/>
+          </a:stretch>
+        </p:blipFill>
+        <p:spPr>
+          <a:xfrm>
+            <a:off x="387167" y="2149348"/>
+            <a:ext cx="457727" cy="427272"/>
+          </a:xfrm>
+          <a:prstGeom prst="rect">
+            <a:avLst/>
+          </a:prstGeom>
+        </p:spPr>
+      </p:pic>
       <p:sp>
         <p:nvSpPr>
           <p:cNvPr id="49" name="Rectangle 48">
@@ -11936,8 +12016,8 @@
         </p:nvSpPr>
         <p:spPr>
           <a:xfrm>
-            <a:off x="1" y="1218795"/>
-            <a:ext cx="3352800" cy="938719"/>
+            <a:off x="0" y="1218796"/>
+            <a:ext cx="3933537" cy="723216"/>
           </a:xfrm>
           <a:prstGeom prst="rect">
             <a:avLst/>
@@ -11999,8 +12079,8 @@
         </p:nvSpPr>
         <p:spPr>
           <a:xfrm>
-            <a:off x="1" y="1234184"/>
-            <a:ext cx="3248296" cy="923330"/>
+            <a:off x="1" y="1260358"/>
+            <a:ext cx="3849188" cy="646331"/>
           </a:xfrm>
           <a:prstGeom prst="rect">
             <a:avLst/>
@@ -12146,7 +12226,7 @@
           <p:nvPr/>
         </p:nvPicPr>
         <p:blipFill>
-          <a:blip r:embed="rId2">
+          <a:blip r:embed="rId3">
             <a:extLst>
               <a:ext uri="{28A0092B-C50C-407E-A947-70E740481C1C}">
                 <a14:useLocalDpi xmlns:a14="http://schemas.microsoft.com/office/drawing/2010/main" val="0"/>
@@ -12159,7 +12239,7 @@
         </p:blipFill>
         <p:spPr>
           <a:xfrm>
-            <a:off x="3643169" y="1252842"/>
+            <a:off x="4332643" y="1252842"/>
             <a:ext cx="7458711" cy="4972474"/>
           </a:xfrm>
           <a:prstGeom prst="rect">
@@ -12177,6 +12257,118 @@
           </a:effectLst>
         </p:spPr>
       </p:pic>
+      <p:sp>
+        <p:nvSpPr>
+          <p:cNvPr id="10" name="ZoneTexte 9">
+            <a:extLst>
+              <a:ext uri="{FF2B5EF4-FFF2-40B4-BE49-F238E27FC236}">
+                <a16:creationId xmlns:a16="http://schemas.microsoft.com/office/drawing/2014/main" id="{C16E48DA-17F9-4DF7-A97F-2274270C2A38}"/>
+              </a:ext>
+            </a:extLst>
+          </p:cNvPr>
+          <p:cNvSpPr txBox="1"/>
+          <p:nvPr/>
+        </p:nvSpPr>
+        <p:spPr>
+          <a:xfrm>
+            <a:off x="844894" y="2149348"/>
+            <a:ext cx="3368559" cy="1631216"/>
+          </a:xfrm>
+          <a:prstGeom prst="rect">
+            <a:avLst/>
+          </a:prstGeom>
+          <a:noFill/>
+        </p:spPr>
+        <p:txBody>
+          <a:bodyPr wrap="square">
+            <a:spAutoFit/>
+          </a:bodyPr>
+          <a:lstStyle/>
+          <a:p>
+            <a:r>
+              <a:rPr lang="es-419" sz="2000" dirty="0" err="1"/>
+              <a:t>Sélection</a:t>
+            </a:r>
+            <a:r>
+              <a:rPr lang="es-419" sz="2000" dirty="0"/>
+              <a:t> des </a:t>
+            </a:r>
+            <a:r>
+              <a:rPr lang="es-419" sz="2000" dirty="0" err="1"/>
+              <a:t>trois</a:t>
+            </a:r>
+            <a:r>
+              <a:rPr lang="es-419" sz="2000" dirty="0"/>
+              <a:t> </a:t>
+            </a:r>
+            <a:r>
+              <a:rPr lang="es-419" sz="2000" dirty="0" err="1"/>
+              <a:t>dernières</a:t>
+            </a:r>
+            <a:r>
+              <a:rPr lang="es-419" sz="2000" dirty="0"/>
+              <a:t> </a:t>
+            </a:r>
+            <a:r>
+              <a:rPr lang="es-419" sz="2000" dirty="0" err="1"/>
+              <a:t>données</a:t>
+            </a:r>
+            <a:r>
+              <a:rPr lang="es-419" sz="2000" dirty="0"/>
+              <a:t> disponibles </a:t>
+            </a:r>
+            <a:r>
+              <a:rPr lang="es-419" sz="2000" dirty="0" err="1"/>
+              <a:t>pour</a:t>
+            </a:r>
+            <a:r>
+              <a:rPr lang="es-419" sz="2000" dirty="0"/>
+              <a:t> chaque </a:t>
+            </a:r>
+            <a:r>
+              <a:rPr lang="es-419" sz="2000" dirty="0" err="1"/>
+              <a:t>pays</a:t>
+            </a:r>
+            <a:r>
+              <a:rPr lang="es-419" sz="2000" dirty="0"/>
+              <a:t> par les </a:t>
+            </a:r>
+            <a:r>
+              <a:rPr lang="es-419" sz="2000" dirty="0" err="1"/>
+              <a:t>indicateurs</a:t>
+            </a:r>
+            <a:r>
+              <a:rPr lang="es-419" sz="2000" dirty="0"/>
+              <a:t> “</a:t>
+            </a:r>
+            <a:r>
+              <a:rPr lang="es-419" sz="2000" dirty="0" err="1"/>
+              <a:t>Enrolment</a:t>
+            </a:r>
+            <a:r>
+              <a:rPr lang="es-419" sz="2000" dirty="0"/>
+              <a:t> in </a:t>
+            </a:r>
+            <a:r>
+              <a:rPr lang="es-419" sz="2000" dirty="0" err="1"/>
+              <a:t>education</a:t>
+            </a:r>
+            <a:r>
+              <a:rPr lang="es-ES" sz="2000" dirty="0"/>
+              <a:t>” et “Internet </a:t>
+            </a:r>
+            <a:r>
+              <a:rPr lang="es-ES" sz="2000" dirty="0" err="1"/>
+              <a:t>users</a:t>
+            </a:r>
+            <a:r>
+              <a:rPr lang="es-ES" sz="2000" dirty="0"/>
+              <a:t>”</a:t>
+            </a:r>
+            <a:endParaRPr lang="es-419" sz="2000" dirty="0"/>
+          </a:p>
+        </p:txBody>
+      </p:sp>
     </p:spTree>
     <p:extLst>
       <p:ext uri="{BB962C8B-B14F-4D97-AF65-F5344CB8AC3E}">
@@ -12562,8 +12754,8 @@
         </p:blipFill>
         <p:spPr>
           <a:xfrm>
-            <a:off x="1645921" y="1133562"/>
-            <a:ext cx="9033404" cy="5119192"/>
+            <a:off x="3662320" y="1379733"/>
+            <a:ext cx="8142513" cy="4614328"/>
           </a:xfrm>
           <a:prstGeom prst="rect">
             <a:avLst/>
@@ -12580,6 +12772,149 @@
           </a:effectLst>
         </p:spPr>
       </p:pic>
+      <p:pic>
+        <p:nvPicPr>
+          <p:cNvPr id="8" name="Image 7">
+            <a:extLst>
+              <a:ext uri="{FF2B5EF4-FFF2-40B4-BE49-F238E27FC236}">
+                <a16:creationId xmlns:a16="http://schemas.microsoft.com/office/drawing/2014/main" id="{BDEB296A-8236-46C5-94E3-7FACDF099F32}"/>
+              </a:ext>
+            </a:extLst>
+          </p:cNvPr>
+          <p:cNvPicPr>
+            <a:picLocks noChangeAspect="1"/>
+          </p:cNvPicPr>
+          <p:nvPr/>
+        </p:nvPicPr>
+        <p:blipFill>
+          <a:blip r:embed="rId3">
+            <a:duotone>
+              <a:schemeClr val="accent6">
+                <a:shade val="45000"/>
+                <a:satMod val="135000"/>
+              </a:schemeClr>
+              <a:prstClr val="white"/>
+            </a:duotone>
+            <a:extLst>
+              <a:ext uri="{28A0092B-C50C-407E-A947-70E740481C1C}">
+                <a14:useLocalDpi xmlns:a14="http://schemas.microsoft.com/office/drawing/2010/main" val="0"/>
+              </a:ext>
+            </a:extLst>
+          </a:blip>
+          <a:stretch>
+            <a:fillRect/>
+          </a:stretch>
+        </p:blipFill>
+        <p:spPr>
+          <a:xfrm>
+            <a:off x="387167" y="1379733"/>
+            <a:ext cx="457727" cy="427272"/>
+          </a:xfrm>
+          <a:prstGeom prst="rect">
+            <a:avLst/>
+          </a:prstGeom>
+        </p:spPr>
+      </p:pic>
+      <p:sp>
+        <p:nvSpPr>
+          <p:cNvPr id="10" name="ZoneTexte 9">
+            <a:extLst>
+              <a:ext uri="{FF2B5EF4-FFF2-40B4-BE49-F238E27FC236}">
+                <a16:creationId xmlns:a16="http://schemas.microsoft.com/office/drawing/2014/main" id="{A3523DF0-2A0E-49FD-8377-773E444DB62F}"/>
+              </a:ext>
+            </a:extLst>
+          </p:cNvPr>
+          <p:cNvSpPr txBox="1"/>
+          <p:nvPr/>
+        </p:nvSpPr>
+        <p:spPr>
+          <a:xfrm>
+            <a:off x="844894" y="1379733"/>
+            <a:ext cx="2817425" cy="1631216"/>
+          </a:xfrm>
+          <a:prstGeom prst="rect">
+            <a:avLst/>
+          </a:prstGeom>
+          <a:noFill/>
+        </p:spPr>
+        <p:txBody>
+          <a:bodyPr wrap="square">
+            <a:spAutoFit/>
+          </a:bodyPr>
+          <a:lstStyle/>
+          <a:p>
+            <a:r>
+              <a:rPr lang="es-419" sz="2000" dirty="0" err="1"/>
+              <a:t>Sélection</a:t>
+            </a:r>
+            <a:r>
+              <a:rPr lang="es-419" sz="2000" dirty="0"/>
+              <a:t> des </a:t>
+            </a:r>
+            <a:r>
+              <a:rPr lang="es-419" sz="2000" dirty="0" err="1"/>
+              <a:t>trois</a:t>
+            </a:r>
+            <a:r>
+              <a:rPr lang="es-419" sz="2000" dirty="0"/>
+              <a:t> </a:t>
+            </a:r>
+            <a:r>
+              <a:rPr lang="es-419" sz="2000" dirty="0" err="1"/>
+              <a:t>dernières</a:t>
+            </a:r>
+            <a:r>
+              <a:rPr lang="es-419" sz="2000" dirty="0"/>
+              <a:t> </a:t>
+            </a:r>
+            <a:r>
+              <a:rPr lang="es-419" sz="2000" dirty="0" err="1"/>
+              <a:t>données</a:t>
+            </a:r>
+            <a:r>
+              <a:rPr lang="es-419" sz="2000" dirty="0"/>
+              <a:t> disponibles </a:t>
+            </a:r>
+            <a:r>
+              <a:rPr lang="es-419" sz="2000" dirty="0" err="1"/>
+              <a:t>pour</a:t>
+            </a:r>
+            <a:r>
+              <a:rPr lang="es-419" sz="2000" dirty="0"/>
+              <a:t> chaque </a:t>
+            </a:r>
+            <a:r>
+              <a:rPr lang="es-419" sz="2000" dirty="0" err="1"/>
+              <a:t>pays</a:t>
+            </a:r>
+            <a:r>
+              <a:rPr lang="es-419" sz="2000" dirty="0"/>
+              <a:t> par </a:t>
+            </a:r>
+            <a:r>
+              <a:rPr lang="es-419" sz="2000" dirty="0" err="1"/>
+              <a:t>l’indicateur</a:t>
+            </a:r>
+            <a:r>
+              <a:rPr lang="es-419" sz="2000" dirty="0"/>
+              <a:t> </a:t>
+            </a:r>
+            <a:r>
+              <a:rPr lang="es-ES" sz="2000" dirty="0"/>
+              <a:t>“Internet </a:t>
+            </a:r>
+            <a:r>
+              <a:rPr lang="es-ES" sz="2000" dirty="0" err="1"/>
+              <a:t>users</a:t>
+            </a:r>
+            <a:r>
+              <a:rPr lang="es-ES" sz="2000" dirty="0"/>
+              <a:t>”</a:t>
+            </a:r>
+            <a:endParaRPr lang="es-419" sz="2000" dirty="0"/>
+          </a:p>
+        </p:txBody>
+      </p:sp>
     </p:spTree>
     <p:extLst>
       <p:ext uri="{BB962C8B-B14F-4D97-AF65-F5344CB8AC3E}">
@@ -14309,7 +14644,7 @@
         </p:nvSpPr>
         <p:spPr>
           <a:xfrm>
-            <a:off x="844894" y="2304026"/>
+            <a:off x="844894" y="3301960"/>
             <a:ext cx="8445409" cy="400110"/>
           </a:xfrm>
           <a:prstGeom prst="rect">
@@ -14420,7 +14755,7 @@
         </p:blipFill>
         <p:spPr>
           <a:xfrm>
-            <a:off x="377906" y="2295234"/>
+            <a:off x="377906" y="3293168"/>
             <a:ext cx="457727" cy="427272"/>
           </a:xfrm>
           <a:prstGeom prst="rect">
@@ -14442,7 +14777,7 @@
         </p:nvSpPr>
         <p:spPr>
           <a:xfrm>
-            <a:off x="854156" y="3728821"/>
+            <a:off x="854156" y="4726755"/>
             <a:ext cx="9240820" cy="400110"/>
           </a:xfrm>
           <a:prstGeom prst="rect">
@@ -14716,7 +15051,7 @@
         </p:blipFill>
         <p:spPr>
           <a:xfrm>
-            <a:off x="387167" y="3720029"/>
+            <a:off x="387167" y="4717963"/>
             <a:ext cx="457727" cy="427272"/>
           </a:xfrm>
           <a:prstGeom prst="rect">
@@ -14738,7 +15073,7 @@
         </p:nvSpPr>
         <p:spPr>
           <a:xfrm>
-            <a:off x="854156" y="2750365"/>
+            <a:off x="854156" y="3748299"/>
             <a:ext cx="8445409" cy="707886"/>
           </a:xfrm>
           <a:prstGeom prst="rect">
@@ -14904,6 +15239,82 @@
                 <a:schemeClr val="bg1"/>
               </a:solidFill>
               <a:latin typeface="+mj-lt"/>
+            </a:endParaRPr>
+          </a:p>
+        </p:txBody>
+      </p:sp>
+      <p:sp>
+        <p:nvSpPr>
+          <p:cNvPr id="16" name="ZoneTexte 15">
+            <a:extLst>
+              <a:ext uri="{FF2B5EF4-FFF2-40B4-BE49-F238E27FC236}">
+                <a16:creationId xmlns:a16="http://schemas.microsoft.com/office/drawing/2014/main" id="{8CD4F65F-041D-4F7F-A697-C22FA4F3B47B}"/>
+              </a:ext>
+            </a:extLst>
+          </p:cNvPr>
+          <p:cNvSpPr txBox="1"/>
+          <p:nvPr/>
+        </p:nvSpPr>
+        <p:spPr>
+          <a:xfrm>
+            <a:off x="854156" y="2034836"/>
+            <a:ext cx="8445409" cy="1015663"/>
+          </a:xfrm>
+          <a:prstGeom prst="rect">
+            <a:avLst/>
+          </a:prstGeom>
+          <a:noFill/>
+        </p:spPr>
+        <p:txBody>
+          <a:bodyPr wrap="square">
+            <a:spAutoFit/>
+          </a:bodyPr>
+          <a:lstStyle/>
+          <a:p>
+            <a:pPr marL="342900" indent="-342900">
+              <a:buFont typeface="Wingdings" panose="05000000000000000000" pitchFamily="2" charset="2"/>
+              <a:buChar char="§"/>
+            </a:pPr>
+            <a:r>
+              <a:rPr lang="es-419" sz="2000" dirty="0"/>
+              <a:t>EdStatsCountry-Series.csv</a:t>
+            </a:r>
+          </a:p>
+          <a:p>
+            <a:pPr marL="342900" indent="-342900">
+              <a:buFont typeface="Wingdings" panose="05000000000000000000" pitchFamily="2" charset="2"/>
+              <a:buChar char="§"/>
+            </a:pPr>
+            <a:r>
+              <a:rPr lang="es-419" sz="2000" dirty="0">
+                <a:solidFill>
+                  <a:srgbClr val="000000"/>
+                </a:solidFill>
+                <a:latin typeface="docs-Roboto"/>
+              </a:rPr>
+              <a:t>EdStatsFootNote.csv</a:t>
+            </a:r>
+          </a:p>
+          <a:p>
+            <a:pPr marL="342900" indent="-342900">
+              <a:buFont typeface="Wingdings" panose="05000000000000000000" pitchFamily="2" charset="2"/>
+              <a:buChar char="§"/>
+            </a:pPr>
+            <a:r>
+              <a:rPr lang="es-419" sz="2000" dirty="0">
+                <a:solidFill>
+                  <a:srgbClr val="000000"/>
+                </a:solidFill>
+                <a:latin typeface="docs-Roboto"/>
+              </a:rPr>
+              <a:t>EdStatsSeries.csv</a:t>
+            </a:r>
+            <a:endParaRPr lang="fr-FR" sz="2000" u="none" strike="noStrike" dirty="0">
+              <a:solidFill>
+                <a:srgbClr val="000000"/>
+              </a:solidFill>
+              <a:effectLst/>
+              <a:latin typeface="docs-Roboto"/>
             </a:endParaRPr>
           </a:p>
         </p:txBody>

--- a/supports/P2_02_presentation v1.pptx
+++ b/supports/P2_02_presentation v1.pptx
@@ -141,7 +141,7 @@
 
 <file path=ppt/commentAuthors.xml><?xml version="1.0" encoding="utf-8"?>
 <p:cmAuthorLst xmlns:a="http://schemas.openxmlformats.org/drawingml/2006/main" xmlns:r="http://schemas.openxmlformats.org/officeDocument/2006/relationships" xmlns:p="http://schemas.openxmlformats.org/presentationml/2006/main">
-  <p:cmAuthor id="1" name="Samir Hinojosa Diazgranados" initials="SHD" lastIdx="1" clrIdx="0">
+  <p:cmAuthor id="1" name="Samir Hinojosa Diazgranados" initials="SHD" lastIdx="2" clrIdx="0">
     <p:extLst>
       <p:ext uri="{19B8F6BF-5375-455C-9EA6-DF929625EA0E}">
         <p15:presenceInfo xmlns:p15="http://schemas.microsoft.com/office/powerpoint/2012/main" userId="ddc8d333f69d63d7" providerId="Windows Live"/>
@@ -233,7 +233,7 @@
           <a:p>
             <a:fld id="{081908C2-F1FA-4AA1-810C-31F86594FA86}" type="datetimeFigureOut">
               <a:rPr lang="en-US" smtClean="0"/>
-              <a:t>5/2/2021</a:t>
+              <a:t>5/10/2021</a:t>
             </a:fld>
             <a:endParaRPr lang="en-US"/>
           </a:p>
@@ -398,7 +398,7 @@
           <a:p>
             <a:fld id="{56E8D31E-EEDD-42CA-A79A-B9539977145E}" type="datetimeFigureOut">
               <a:rPr lang="en-US" smtClean="0"/>
-              <a:t>5/2/2021</a:t>
+              <a:t>5/10/2021</a:t>
             </a:fld>
             <a:endParaRPr lang="en-US"/>
           </a:p>
@@ -812,7 +812,7 @@
           <a:p>
             <a:fld id="{E1DCD729-31D5-4480-98D7-69012EF3B7DD}" type="datetimeFigureOut">
               <a:rPr lang="en-US" smtClean="0"/>
-              <a:t>5/2/2021</a:t>
+              <a:t>5/10/2021</a:t>
             </a:fld>
             <a:endParaRPr lang="en-US"/>
           </a:p>
@@ -1010,7 +1010,7 @@
           <a:p>
             <a:fld id="{E1DCD729-31D5-4480-98D7-69012EF3B7DD}" type="datetimeFigureOut">
               <a:rPr lang="en-US" smtClean="0"/>
-              <a:t>5/2/2021</a:t>
+              <a:t>5/10/2021</a:t>
             </a:fld>
             <a:endParaRPr lang="en-US"/>
           </a:p>
@@ -1218,7 +1218,7 @@
           <a:p>
             <a:fld id="{E1DCD729-31D5-4480-98D7-69012EF3B7DD}" type="datetimeFigureOut">
               <a:rPr lang="en-US" smtClean="0"/>
-              <a:t>5/2/2021</a:t>
+              <a:t>5/10/2021</a:t>
             </a:fld>
             <a:endParaRPr lang="en-US"/>
           </a:p>
@@ -1416,7 +1416,7 @@
           <a:p>
             <a:fld id="{E1DCD729-31D5-4480-98D7-69012EF3B7DD}" type="datetimeFigureOut">
               <a:rPr lang="en-US" smtClean="0"/>
-              <a:t>5/2/2021</a:t>
+              <a:t>5/10/2021</a:t>
             </a:fld>
             <a:endParaRPr lang="en-US"/>
           </a:p>
@@ -1691,7 +1691,7 @@
           <a:p>
             <a:fld id="{E1DCD729-31D5-4480-98D7-69012EF3B7DD}" type="datetimeFigureOut">
               <a:rPr lang="en-US" smtClean="0"/>
-              <a:t>5/2/2021</a:t>
+              <a:t>5/10/2021</a:t>
             </a:fld>
             <a:endParaRPr lang="en-US"/>
           </a:p>
@@ -1956,7 +1956,7 @@
           <a:p>
             <a:fld id="{E1DCD729-31D5-4480-98D7-69012EF3B7DD}" type="datetimeFigureOut">
               <a:rPr lang="en-US" smtClean="0"/>
-              <a:t>5/2/2021</a:t>
+              <a:t>5/10/2021</a:t>
             </a:fld>
             <a:endParaRPr lang="en-US"/>
           </a:p>
@@ -2368,7 +2368,7 @@
           <a:p>
             <a:fld id="{E1DCD729-31D5-4480-98D7-69012EF3B7DD}" type="datetimeFigureOut">
               <a:rPr lang="en-US" smtClean="0"/>
-              <a:t>5/2/2021</a:t>
+              <a:t>5/10/2021</a:t>
             </a:fld>
             <a:endParaRPr lang="en-US"/>
           </a:p>
@@ -2509,7 +2509,7 @@
           <a:p>
             <a:fld id="{E1DCD729-31D5-4480-98D7-69012EF3B7DD}" type="datetimeFigureOut">
               <a:rPr lang="en-US" smtClean="0"/>
-              <a:t>5/2/2021</a:t>
+              <a:t>5/10/2021</a:t>
             </a:fld>
             <a:endParaRPr lang="en-US"/>
           </a:p>
@@ -2622,7 +2622,7 @@
           <a:p>
             <a:fld id="{E1DCD729-31D5-4480-98D7-69012EF3B7DD}" type="datetimeFigureOut">
               <a:rPr lang="en-US" smtClean="0"/>
-              <a:t>5/2/2021</a:t>
+              <a:t>5/10/2021</a:t>
             </a:fld>
             <a:endParaRPr lang="en-US"/>
           </a:p>
@@ -2933,7 +2933,7 @@
           <a:p>
             <a:fld id="{E1DCD729-31D5-4480-98D7-69012EF3B7DD}" type="datetimeFigureOut">
               <a:rPr lang="en-US" smtClean="0"/>
-              <a:t>5/2/2021</a:t>
+              <a:t>5/10/2021</a:t>
             </a:fld>
             <a:endParaRPr lang="en-US"/>
           </a:p>
@@ -3221,7 +3221,7 @@
           <a:p>
             <a:fld id="{E1DCD729-31D5-4480-98D7-69012EF3B7DD}" type="datetimeFigureOut">
               <a:rPr lang="en-US" smtClean="0"/>
-              <a:t>5/2/2021</a:t>
+              <a:t>5/10/2021</a:t>
             </a:fld>
             <a:endParaRPr lang="en-US"/>
           </a:p>
@@ -3471,7 +3471,7 @@
           <a:p>
             <a:fld id="{E1DCD729-31D5-4480-98D7-69012EF3B7DD}" type="datetimeFigureOut">
               <a:rPr lang="en-US" smtClean="0"/>
-              <a:t>5/2/2021</a:t>
+              <a:t>5/10/2021</a:t>
             </a:fld>
             <a:endParaRPr lang="en-US"/>
           </a:p>
@@ -8444,8 +8444,8 @@
         </p:nvSpPr>
         <p:spPr>
           <a:xfrm>
-            <a:off x="854157" y="1268371"/>
-            <a:ext cx="7451644" cy="646331"/>
+            <a:off x="859888" y="1406870"/>
+            <a:ext cx="7451644" cy="369332"/>
           </a:xfrm>
           <a:prstGeom prst="rect">
             <a:avLst/>
@@ -8473,34 +8473,6 @@
               </a:rPr>
               <a:t>Quels sont les pays avec un fort potentiel de clients pour nos services ?</a:t>
             </a:r>
-          </a:p>
-          <a:p>
-            <a:r>
-              <a:rPr lang="fr-FR" i="1" u="none" strike="noStrike" dirty="0">
-                <a:ln>
-                  <a:solidFill>
-                    <a:schemeClr val="bg1"/>
-                  </a:solidFill>
-                </a:ln>
-                <a:solidFill>
-                  <a:schemeClr val="bg1"/>
-                </a:solidFill>
-                <a:effectLst/>
-                <a:latin typeface="docs-Roboto"/>
-              </a:rPr>
-              <a:t>Pour chacun de ces pays, quelle sera l’évolution de ce potentiel de clients ?</a:t>
-            </a:r>
-            <a:endParaRPr lang="fr-FR" i="1" dirty="0">
-              <a:ln>
-                <a:solidFill>
-                  <a:schemeClr val="bg1"/>
-                </a:solidFill>
-              </a:ln>
-              <a:solidFill>
-                <a:schemeClr val="bg1"/>
-              </a:solidFill>
-              <a:latin typeface="Google Sans"/>
-            </a:endParaRPr>
           </a:p>
         </p:txBody>
       </p:sp>
